--- a/Documentació/CACACuidPers App.pptx
+++ b/Documentació/CACACuidPers App.pptx
@@ -3346,6 +3346,9 @@
           <a:prstGeom prst="rect">
             <a:avLst/>
           </a:prstGeom>
+          <a:solidFill>
+            <a:srgbClr val="F1F8EC"/>
+          </a:solidFill>
         </p:spPr>
         <p:style>
           <a:lnRef idx="2">
@@ -3449,7 +3452,7 @@
         </p:blipFill>
         <p:spPr bwMode="auto">
           <a:xfrm>
-            <a:off x="8324850" y="800100"/>
+            <a:off x="5715653" y="727301"/>
             <a:ext cx="2705100" cy="1085850"/>
           </a:xfrm>
           <a:prstGeom prst="rect">
@@ -3519,34 +3522,46 @@
       </p:pic>
       <p:sp>
         <p:nvSpPr>
-          <p:cNvPr id="6" name="Rectángulo 5">
-            <a:extLst>
-              <a:ext uri="{FF2B5EF4-FFF2-40B4-BE49-F238E27FC236}">
-                <a16:creationId xmlns:a16="http://schemas.microsoft.com/office/drawing/2014/main" id="{8D2F9AE3-76C0-49A0-880A-FC2FF1F208DA}"/>
-              </a:ext>
-            </a:extLst>
-          </p:cNvPr>
-          <p:cNvSpPr/>
-          <p:nvPr/>
-        </p:nvSpPr>
-        <p:spPr>
-          <a:xfrm>
-            <a:off x="5722146" y="3964141"/>
+          <p:cNvPr id="9" name="Rectángulo 8">
+            <a:extLst>
+              <a:ext uri="{FF2B5EF4-FFF2-40B4-BE49-F238E27FC236}">
+                <a16:creationId xmlns:a16="http://schemas.microsoft.com/office/drawing/2014/main" id="{D4541147-6C84-4453-8CFC-E2E6B165FC1A}"/>
+              </a:ext>
+            </a:extLst>
+          </p:cNvPr>
+          <p:cNvSpPr/>
+          <p:nvPr/>
+        </p:nvSpPr>
+        <p:spPr>
+          <a:xfrm>
+            <a:off x="2158228" y="2205400"/>
             <a:ext cx="360000" cy="360000"/>
           </a:xfrm>
           <a:prstGeom prst="rect">
             <a:avLst/>
           </a:prstGeom>
-        </p:spPr>
-        <p:style>
-          <a:lnRef idx="1">
-            <a:schemeClr val="accent2"/>
-          </a:lnRef>
-          <a:fillRef idx="2">
-            <a:schemeClr val="accent2"/>
-          </a:fillRef>
-          <a:effectRef idx="1">
-            <a:schemeClr val="accent2"/>
+          <a:solidFill>
+            <a:schemeClr val="bg1">
+              <a:lumMod val="95000"/>
+            </a:schemeClr>
+          </a:solidFill>
+          <a:ln>
+            <a:solidFill>
+              <a:schemeClr val="bg1">
+                <a:lumMod val="75000"/>
+              </a:schemeClr>
+            </a:solidFill>
+          </a:ln>
+        </p:spPr>
+        <p:style>
+          <a:lnRef idx="2">
+            <a:schemeClr val="dk1"/>
+          </a:lnRef>
+          <a:fillRef idx="1">
+            <a:schemeClr val="lt1"/>
+          </a:fillRef>
+          <a:effectRef idx="0">
+            <a:schemeClr val="dk1"/>
           </a:effectRef>
           <a:fontRef idx="minor">
             <a:schemeClr val="dk1"/>
@@ -3558,42 +3573,60 @@
           <a:p>
             <a:pPr algn="ctr"/>
             <a:r>
-              <a:rPr lang="es-ES"/>
-              <a:t>5</a:t>
-            </a:r>
-          </a:p>
-        </p:txBody>
-      </p:sp>
-      <p:sp>
-        <p:nvSpPr>
-          <p:cNvPr id="8" name="Rectángulo 7">
-            <a:extLst>
-              <a:ext uri="{FF2B5EF4-FFF2-40B4-BE49-F238E27FC236}">
-                <a16:creationId xmlns:a16="http://schemas.microsoft.com/office/drawing/2014/main" id="{1D3CD692-8768-43CA-A3FD-C47E665182CD}"/>
-              </a:ext>
-            </a:extLst>
-          </p:cNvPr>
-          <p:cNvSpPr/>
-          <p:nvPr/>
-        </p:nvSpPr>
-        <p:spPr>
-          <a:xfrm>
-            <a:off x="5722146" y="3153910"/>
+              <a:rPr lang="es-ES">
+                <a:solidFill>
+                  <a:schemeClr val="bg1">
+                    <a:lumMod val="75000"/>
+                  </a:schemeClr>
+                </a:solidFill>
+              </a:rPr>
+              <a:t>29</a:t>
+            </a:r>
+          </a:p>
+        </p:txBody>
+      </p:sp>
+      <p:sp>
+        <p:nvSpPr>
+          <p:cNvPr id="11" name="Rectángulo 10">
+            <a:extLst>
+              <a:ext uri="{FF2B5EF4-FFF2-40B4-BE49-F238E27FC236}">
+                <a16:creationId xmlns:a16="http://schemas.microsoft.com/office/drawing/2014/main" id="{09A38FA0-53A1-4BA6-B911-6541DF5DC6B8}"/>
+              </a:ext>
+            </a:extLst>
+          </p:cNvPr>
+          <p:cNvSpPr/>
+          <p:nvPr/>
+        </p:nvSpPr>
+        <p:spPr>
+          <a:xfrm>
+            <a:off x="2514948" y="2205400"/>
             <a:ext cx="360000" cy="360000"/>
           </a:xfrm>
           <a:prstGeom prst="rect">
             <a:avLst/>
           </a:prstGeom>
-        </p:spPr>
-        <p:style>
-          <a:lnRef idx="1">
-            <a:schemeClr val="accent3"/>
-          </a:lnRef>
-          <a:fillRef idx="2">
-            <a:schemeClr val="accent3"/>
-          </a:fillRef>
-          <a:effectRef idx="1">
-            <a:schemeClr val="accent3"/>
+          <a:solidFill>
+            <a:schemeClr val="bg1">
+              <a:lumMod val="95000"/>
+            </a:schemeClr>
+          </a:solidFill>
+          <a:ln>
+            <a:solidFill>
+              <a:schemeClr val="bg1">
+                <a:lumMod val="75000"/>
+              </a:schemeClr>
+            </a:solidFill>
+          </a:ln>
+        </p:spPr>
+        <p:style>
+          <a:lnRef idx="2">
+            <a:schemeClr val="dk1"/>
+          </a:lnRef>
+          <a:fillRef idx="1">
+            <a:schemeClr val="lt1"/>
+          </a:fillRef>
+          <a:effectRef idx="0">
+            <a:schemeClr val="dk1"/>
           </a:effectRef>
           <a:fontRef idx="minor">
             <a:schemeClr val="dk1"/>
@@ -3607,49 +3640,61 @@
             <a:r>
               <a:rPr lang="es-ES">
                 <a:solidFill>
-                  <a:schemeClr val="lt1"/>
+                  <a:schemeClr val="bg1">
+                    <a:lumMod val="75000"/>
+                  </a:schemeClr>
                 </a:solidFill>
               </a:rPr>
-              <a:t>3</a:t>
-            </a:r>
-          </a:p>
-        </p:txBody>
-      </p:sp>
-      <p:sp>
-        <p:nvSpPr>
-          <p:cNvPr id="10" name="Rectángulo 9">
-            <a:extLst>
-              <a:ext uri="{FF2B5EF4-FFF2-40B4-BE49-F238E27FC236}">
-                <a16:creationId xmlns:a16="http://schemas.microsoft.com/office/drawing/2014/main" id="{D5F671F4-B5E9-4CE1-A734-0E14C1AD8AA4}"/>
-              </a:ext>
-            </a:extLst>
-          </p:cNvPr>
-          <p:cNvSpPr/>
-          <p:nvPr/>
-        </p:nvSpPr>
-        <p:spPr>
-          <a:xfrm>
-            <a:off x="5722146" y="3559026"/>
+              <a:t>30</a:t>
+            </a:r>
+          </a:p>
+        </p:txBody>
+      </p:sp>
+      <p:sp>
+        <p:nvSpPr>
+          <p:cNvPr id="12" name="Rectángulo 11">
+            <a:extLst>
+              <a:ext uri="{FF2B5EF4-FFF2-40B4-BE49-F238E27FC236}">
+                <a16:creationId xmlns:a16="http://schemas.microsoft.com/office/drawing/2014/main" id="{177FB8C2-0E71-485B-836F-962F0320B073}"/>
+              </a:ext>
+            </a:extLst>
+          </p:cNvPr>
+          <p:cNvSpPr/>
+          <p:nvPr/>
+        </p:nvSpPr>
+        <p:spPr>
+          <a:xfrm>
+            <a:off x="2871668" y="2205400"/>
             <a:ext cx="360000" cy="360000"/>
           </a:xfrm>
           <a:prstGeom prst="rect">
             <a:avLst/>
           </a:prstGeom>
-        </p:spPr>
-        <p:style>
-          <a:lnRef idx="2">
-            <a:schemeClr val="accent3">
-              <a:shade val="50000"/>
+          <a:solidFill>
+            <a:schemeClr val="bg1">
+              <a:lumMod val="95000"/>
             </a:schemeClr>
-          </a:lnRef>
-          <a:fillRef idx="1">
-            <a:schemeClr val="accent3"/>
-          </a:fillRef>
-          <a:effectRef idx="0">
-            <a:schemeClr val="accent3"/>
-          </a:effectRef>
-          <a:fontRef idx="minor">
-            <a:schemeClr val="lt1"/>
+          </a:solidFill>
+          <a:ln>
+            <a:solidFill>
+              <a:schemeClr val="bg1">
+                <a:lumMod val="75000"/>
+              </a:schemeClr>
+            </a:solidFill>
+          </a:ln>
+        </p:spPr>
+        <p:style>
+          <a:lnRef idx="2">
+            <a:schemeClr val="dk1"/>
+          </a:lnRef>
+          <a:fillRef idx="1">
+            <a:schemeClr val="lt1"/>
+          </a:fillRef>
+          <a:effectRef idx="0">
+            <a:schemeClr val="dk1"/>
+          </a:effectRef>
+          <a:fontRef idx="minor">
+            <a:schemeClr val="dk1"/>
           </a:fontRef>
         </p:style>
         <p:txBody>
@@ -3660,7 +3705,124 @@
             <a:r>
               <a:rPr lang="es-ES">
                 <a:solidFill>
-                  <a:schemeClr val="lt1"/>
+                  <a:schemeClr val="tx1"/>
+                </a:solidFill>
+              </a:rPr>
+              <a:t>1</a:t>
+            </a:r>
+          </a:p>
+        </p:txBody>
+      </p:sp>
+      <p:sp>
+        <p:nvSpPr>
+          <p:cNvPr id="13" name="Rectángulo 12">
+            <a:extLst>
+              <a:ext uri="{FF2B5EF4-FFF2-40B4-BE49-F238E27FC236}">
+                <a16:creationId xmlns:a16="http://schemas.microsoft.com/office/drawing/2014/main" id="{B1EC1536-BAB8-43DC-ABBB-E05FD5BB8201}"/>
+              </a:ext>
+            </a:extLst>
+          </p:cNvPr>
+          <p:cNvSpPr/>
+          <p:nvPr/>
+        </p:nvSpPr>
+        <p:spPr>
+          <a:xfrm>
+            <a:off x="3228388" y="2205400"/>
+            <a:ext cx="360000" cy="360000"/>
+          </a:xfrm>
+          <a:prstGeom prst="rect">
+            <a:avLst/>
+          </a:prstGeom>
+          <a:solidFill>
+            <a:schemeClr val="bg1">
+              <a:lumMod val="95000"/>
+            </a:schemeClr>
+          </a:solidFill>
+          <a:ln>
+            <a:solidFill>
+              <a:schemeClr val="bg1">
+                <a:lumMod val="75000"/>
+              </a:schemeClr>
+            </a:solidFill>
+          </a:ln>
+        </p:spPr>
+        <p:style>
+          <a:lnRef idx="2">
+            <a:schemeClr val="dk1"/>
+          </a:lnRef>
+          <a:fillRef idx="1">
+            <a:schemeClr val="lt1"/>
+          </a:fillRef>
+          <a:effectRef idx="0">
+            <a:schemeClr val="dk1"/>
+          </a:effectRef>
+          <a:fontRef idx="minor">
+            <a:schemeClr val="dk1"/>
+          </a:fontRef>
+        </p:style>
+        <p:txBody>
+          <a:bodyPr lIns="0" tIns="0" rIns="0" bIns="0" rtlCol="0" anchor="ctr"/>
+          <a:lstStyle/>
+          <a:p>
+            <a:pPr algn="ctr"/>
+            <a:r>
+              <a:rPr lang="es-ES">
+                <a:solidFill>
+                  <a:schemeClr val="tx1"/>
+                </a:solidFill>
+              </a:rPr>
+              <a:t>2</a:t>
+            </a:r>
+          </a:p>
+        </p:txBody>
+      </p:sp>
+      <p:sp>
+        <p:nvSpPr>
+          <p:cNvPr id="15" name="Rectángulo 14">
+            <a:extLst>
+              <a:ext uri="{FF2B5EF4-FFF2-40B4-BE49-F238E27FC236}">
+                <a16:creationId xmlns:a16="http://schemas.microsoft.com/office/drawing/2014/main" id="{C20F5498-422B-40F0-AFF0-88C88BBDC62E}"/>
+              </a:ext>
+            </a:extLst>
+          </p:cNvPr>
+          <p:cNvSpPr/>
+          <p:nvPr/>
+        </p:nvSpPr>
+        <p:spPr>
+          <a:xfrm>
+            <a:off x="3941828" y="2205400"/>
+            <a:ext cx="360000" cy="360000"/>
+          </a:xfrm>
+          <a:prstGeom prst="rect">
+            <a:avLst/>
+          </a:prstGeom>
+          <a:solidFill>
+            <a:srgbClr val="E8E8E8"/>
+          </a:solidFill>
+        </p:spPr>
+        <p:style>
+          <a:lnRef idx="2">
+            <a:schemeClr val="dk1"/>
+          </a:lnRef>
+          <a:fillRef idx="1">
+            <a:schemeClr val="lt1"/>
+          </a:fillRef>
+          <a:effectRef idx="0">
+            <a:schemeClr val="dk1"/>
+          </a:effectRef>
+          <a:fontRef idx="minor">
+            <a:schemeClr val="dk1"/>
+          </a:fontRef>
+        </p:style>
+        <p:txBody>
+          <a:bodyPr lIns="0" tIns="0" rIns="0" bIns="0" rtlCol="0" anchor="ctr"/>
+          <a:lstStyle/>
+          <a:p>
+            <a:pPr algn="ctr"/>
+            <a:r>
+              <a:rPr lang="es-ES" b="1">
+                <a:solidFill>
+                  <a:srgbClr val="DE7CC7"/>
                 </a:solidFill>
               </a:rPr>
               <a:t>4</a:t>
@@ -3668,1904 +3830,1764 @@
           </a:p>
         </p:txBody>
       </p:sp>
-      <p:grpSp>
-        <p:nvGrpSpPr>
-          <p:cNvPr id="2" name="Grupo 1">
-            <a:extLst>
-              <a:ext uri="{FF2B5EF4-FFF2-40B4-BE49-F238E27FC236}">
-                <a16:creationId xmlns:a16="http://schemas.microsoft.com/office/drawing/2014/main" id="{AE6CC3CE-0B7C-4D2C-94C7-1E0952A04A9F}"/>
-              </a:ext>
-            </a:extLst>
-          </p:cNvPr>
-          <p:cNvGrpSpPr/>
-          <p:nvPr/>
-        </p:nvGrpSpPr>
-        <p:grpSpPr>
-          <a:xfrm>
-            <a:off x="2158228" y="2205400"/>
-            <a:ext cx="2500319" cy="360000"/>
-            <a:chOff x="2178752" y="2215560"/>
-            <a:chExt cx="2500319" cy="360000"/>
-          </a:xfrm>
-        </p:grpSpPr>
-        <p:sp>
-          <p:nvSpPr>
-            <p:cNvPr id="9" name="Rectángulo 8">
-              <a:extLst>
-                <a:ext uri="{FF2B5EF4-FFF2-40B4-BE49-F238E27FC236}">
-                  <a16:creationId xmlns:a16="http://schemas.microsoft.com/office/drawing/2014/main" id="{D4541147-6C84-4453-8CFC-E2E6B165FC1A}"/>
-                </a:ext>
-              </a:extLst>
-            </p:cNvPr>
-            <p:cNvSpPr/>
-            <p:nvPr/>
-          </p:nvSpPr>
-          <p:spPr>
-            <a:xfrm>
-              <a:off x="2178752" y="2215560"/>
-              <a:ext cx="360000" cy="360000"/>
-            </a:xfrm>
-            <a:prstGeom prst="rect">
-              <a:avLst/>
-            </a:prstGeom>
-          </p:spPr>
-          <p:style>
-            <a:lnRef idx="2">
-              <a:schemeClr val="dk1"/>
-            </a:lnRef>
-            <a:fillRef idx="1">
-              <a:schemeClr val="lt1"/>
-            </a:fillRef>
-            <a:effectRef idx="0">
-              <a:schemeClr val="dk1"/>
-            </a:effectRef>
-            <a:fontRef idx="minor">
-              <a:schemeClr val="dk1"/>
-            </a:fontRef>
-          </p:style>
-          <p:txBody>
-            <a:bodyPr lIns="0" tIns="0" rIns="0" bIns="0" rtlCol="0" anchor="ctr"/>
-            <a:lstStyle/>
-            <a:p>
-              <a:pPr algn="ctr"/>
-              <a:r>
-                <a:rPr lang="es-ES">
-                  <a:solidFill>
-                    <a:schemeClr val="bg1">
-                      <a:lumMod val="85000"/>
-                    </a:schemeClr>
-                  </a:solidFill>
-                </a:rPr>
-                <a:t>29</a:t>
-              </a:r>
-            </a:p>
-          </p:txBody>
-        </p:sp>
-        <p:sp>
-          <p:nvSpPr>
-            <p:cNvPr id="11" name="Rectángulo 10">
-              <a:extLst>
-                <a:ext uri="{FF2B5EF4-FFF2-40B4-BE49-F238E27FC236}">
-                  <a16:creationId xmlns:a16="http://schemas.microsoft.com/office/drawing/2014/main" id="{09A38FA0-53A1-4BA6-B911-6541DF5DC6B8}"/>
-                </a:ext>
-              </a:extLst>
-            </p:cNvPr>
-            <p:cNvSpPr/>
-            <p:nvPr/>
-          </p:nvSpPr>
-          <p:spPr>
-            <a:xfrm>
-              <a:off x="2535472" y="2215560"/>
-              <a:ext cx="360000" cy="360000"/>
-            </a:xfrm>
-            <a:prstGeom prst="rect">
-              <a:avLst/>
-            </a:prstGeom>
-          </p:spPr>
-          <p:style>
-            <a:lnRef idx="2">
-              <a:schemeClr val="dk1"/>
-            </a:lnRef>
-            <a:fillRef idx="1">
-              <a:schemeClr val="lt1"/>
-            </a:fillRef>
-            <a:effectRef idx="0">
-              <a:schemeClr val="dk1"/>
-            </a:effectRef>
-            <a:fontRef idx="minor">
-              <a:schemeClr val="dk1"/>
-            </a:fontRef>
-          </p:style>
-          <p:txBody>
-            <a:bodyPr lIns="0" tIns="0" rIns="0" bIns="0" rtlCol="0" anchor="ctr"/>
-            <a:lstStyle/>
-            <a:p>
-              <a:pPr algn="ctr"/>
-              <a:r>
-                <a:rPr lang="es-ES">
-                  <a:solidFill>
-                    <a:schemeClr val="bg1">
-                      <a:lumMod val="85000"/>
-                    </a:schemeClr>
-                  </a:solidFill>
-                </a:rPr>
-                <a:t>30</a:t>
-              </a:r>
-            </a:p>
-          </p:txBody>
-        </p:sp>
-        <p:sp>
-          <p:nvSpPr>
-            <p:cNvPr id="12" name="Rectángulo 11">
-              <a:extLst>
-                <a:ext uri="{FF2B5EF4-FFF2-40B4-BE49-F238E27FC236}">
-                  <a16:creationId xmlns:a16="http://schemas.microsoft.com/office/drawing/2014/main" id="{177FB8C2-0E71-485B-836F-962F0320B073}"/>
-                </a:ext>
-              </a:extLst>
-            </p:cNvPr>
-            <p:cNvSpPr/>
-            <p:nvPr/>
-          </p:nvSpPr>
-          <p:spPr>
-            <a:xfrm>
-              <a:off x="2892192" y="2215560"/>
-              <a:ext cx="360000" cy="360000"/>
-            </a:xfrm>
-            <a:prstGeom prst="rect">
-              <a:avLst/>
-            </a:prstGeom>
-          </p:spPr>
-          <p:style>
-            <a:lnRef idx="2">
-              <a:schemeClr val="dk1"/>
-            </a:lnRef>
-            <a:fillRef idx="1">
-              <a:schemeClr val="lt1"/>
-            </a:fillRef>
-            <a:effectRef idx="0">
-              <a:schemeClr val="dk1"/>
-            </a:effectRef>
-            <a:fontRef idx="minor">
-              <a:schemeClr val="dk1"/>
-            </a:fontRef>
-          </p:style>
-          <p:txBody>
-            <a:bodyPr lIns="0" tIns="0" rIns="0" bIns="0" rtlCol="0" anchor="ctr"/>
-            <a:lstStyle/>
-            <a:p>
-              <a:pPr algn="ctr"/>
-              <a:r>
-                <a:rPr lang="es-ES">
-                  <a:solidFill>
-                    <a:schemeClr val="tx1"/>
-                  </a:solidFill>
-                </a:rPr>
-                <a:t>1</a:t>
-              </a:r>
-            </a:p>
-          </p:txBody>
-        </p:sp>
-        <p:sp>
-          <p:nvSpPr>
-            <p:cNvPr id="13" name="Rectángulo 12">
-              <a:extLst>
-                <a:ext uri="{FF2B5EF4-FFF2-40B4-BE49-F238E27FC236}">
-                  <a16:creationId xmlns:a16="http://schemas.microsoft.com/office/drawing/2014/main" id="{B1EC1536-BAB8-43DC-ABBB-E05FD5BB8201}"/>
-                </a:ext>
-              </a:extLst>
-            </p:cNvPr>
-            <p:cNvSpPr/>
-            <p:nvPr/>
-          </p:nvSpPr>
-          <p:spPr>
-            <a:xfrm>
-              <a:off x="3248912" y="2215560"/>
-              <a:ext cx="360000" cy="360000"/>
-            </a:xfrm>
-            <a:prstGeom prst="rect">
-              <a:avLst/>
-            </a:prstGeom>
-          </p:spPr>
-          <p:style>
-            <a:lnRef idx="2">
-              <a:schemeClr val="dk1"/>
-            </a:lnRef>
-            <a:fillRef idx="1">
-              <a:schemeClr val="lt1"/>
-            </a:fillRef>
-            <a:effectRef idx="0">
-              <a:schemeClr val="dk1"/>
-            </a:effectRef>
-            <a:fontRef idx="minor">
-              <a:schemeClr val="dk1"/>
-            </a:fontRef>
-          </p:style>
-          <p:txBody>
-            <a:bodyPr lIns="0" tIns="0" rIns="0" bIns="0" rtlCol="0" anchor="ctr"/>
-            <a:lstStyle/>
-            <a:p>
-              <a:pPr algn="ctr"/>
-              <a:r>
-                <a:rPr lang="es-ES">
-                  <a:solidFill>
-                    <a:schemeClr val="tx1"/>
-                  </a:solidFill>
-                </a:rPr>
-                <a:t>2</a:t>
-              </a:r>
-            </a:p>
-          </p:txBody>
-        </p:sp>
-        <p:sp>
-          <p:nvSpPr>
-            <p:cNvPr id="14" name="Rectángulo 13">
-              <a:extLst>
-                <a:ext uri="{FF2B5EF4-FFF2-40B4-BE49-F238E27FC236}">
-                  <a16:creationId xmlns:a16="http://schemas.microsoft.com/office/drawing/2014/main" id="{15022525-5068-4724-9FBA-5AA26E850B5B}"/>
-                </a:ext>
-              </a:extLst>
-            </p:cNvPr>
-            <p:cNvSpPr/>
-            <p:nvPr/>
-          </p:nvSpPr>
-          <p:spPr>
-            <a:xfrm>
-              <a:off x="3605632" y="2215560"/>
-              <a:ext cx="360000" cy="360000"/>
-            </a:xfrm>
-            <a:prstGeom prst="rect">
-              <a:avLst/>
-            </a:prstGeom>
-          </p:spPr>
-          <p:style>
-            <a:lnRef idx="2">
-              <a:schemeClr val="dk1"/>
-            </a:lnRef>
-            <a:fillRef idx="1">
-              <a:schemeClr val="lt1"/>
-            </a:fillRef>
-            <a:effectRef idx="0">
-              <a:schemeClr val="dk1"/>
-            </a:effectRef>
-            <a:fontRef idx="minor">
-              <a:schemeClr val="dk1"/>
-            </a:fontRef>
-          </p:style>
-          <p:txBody>
-            <a:bodyPr lIns="0" tIns="0" rIns="0" bIns="0" rtlCol="0" anchor="ctr"/>
-            <a:lstStyle/>
-            <a:p>
-              <a:pPr algn="ctr"/>
-              <a:r>
-                <a:rPr lang="es-ES">
-                  <a:solidFill>
-                    <a:schemeClr val="tx1"/>
-                  </a:solidFill>
-                </a:rPr>
-                <a:t>3</a:t>
-              </a:r>
-            </a:p>
-          </p:txBody>
-        </p:sp>
-        <p:sp>
-          <p:nvSpPr>
-            <p:cNvPr id="15" name="Rectángulo 14">
-              <a:extLst>
-                <a:ext uri="{FF2B5EF4-FFF2-40B4-BE49-F238E27FC236}">
-                  <a16:creationId xmlns:a16="http://schemas.microsoft.com/office/drawing/2014/main" id="{C20F5498-422B-40F0-AFF0-88C88BBDC62E}"/>
-                </a:ext>
-              </a:extLst>
-            </p:cNvPr>
-            <p:cNvSpPr/>
-            <p:nvPr/>
-          </p:nvSpPr>
-          <p:spPr>
-            <a:xfrm>
-              <a:off x="3962352" y="2215560"/>
-              <a:ext cx="360000" cy="360000"/>
-            </a:xfrm>
-            <a:prstGeom prst="rect">
-              <a:avLst/>
-            </a:prstGeom>
-          </p:spPr>
-          <p:style>
-            <a:lnRef idx="2">
-              <a:schemeClr val="dk1"/>
-            </a:lnRef>
-            <a:fillRef idx="1">
-              <a:schemeClr val="lt1"/>
-            </a:fillRef>
-            <a:effectRef idx="0">
-              <a:schemeClr val="dk1"/>
-            </a:effectRef>
-            <a:fontRef idx="minor">
-              <a:schemeClr val="dk1"/>
-            </a:fontRef>
-          </p:style>
-          <p:txBody>
-            <a:bodyPr lIns="0" tIns="0" rIns="0" bIns="0" rtlCol="0" anchor="ctr"/>
-            <a:lstStyle/>
-            <a:p>
-              <a:pPr algn="ctr"/>
-              <a:r>
-                <a:rPr lang="es-ES">
-                  <a:solidFill>
-                    <a:schemeClr val="tx1"/>
-                  </a:solidFill>
-                </a:rPr>
-                <a:t>4</a:t>
-              </a:r>
-            </a:p>
-          </p:txBody>
-        </p:sp>
-        <p:sp>
-          <p:nvSpPr>
-            <p:cNvPr id="16" name="Rectángulo 15">
-              <a:extLst>
-                <a:ext uri="{FF2B5EF4-FFF2-40B4-BE49-F238E27FC236}">
-                  <a16:creationId xmlns:a16="http://schemas.microsoft.com/office/drawing/2014/main" id="{B482A2D3-AF02-46CA-9065-3F7F6D3FC4A4}"/>
-                </a:ext>
-              </a:extLst>
-            </p:cNvPr>
-            <p:cNvSpPr/>
-            <p:nvPr/>
-          </p:nvSpPr>
-          <p:spPr>
-            <a:xfrm>
-              <a:off x="4319071" y="2215560"/>
-              <a:ext cx="360000" cy="360000"/>
-            </a:xfrm>
-            <a:prstGeom prst="rect">
-              <a:avLst/>
-            </a:prstGeom>
-          </p:spPr>
-          <p:style>
-            <a:lnRef idx="2">
-              <a:schemeClr val="dk1"/>
-            </a:lnRef>
-            <a:fillRef idx="1">
-              <a:schemeClr val="lt1"/>
-            </a:fillRef>
-            <a:effectRef idx="0">
-              <a:schemeClr val="dk1"/>
-            </a:effectRef>
-            <a:fontRef idx="minor">
-              <a:schemeClr val="dk1"/>
-            </a:fontRef>
-          </p:style>
-          <p:txBody>
-            <a:bodyPr lIns="0" tIns="0" rIns="0" bIns="0" rtlCol="0" anchor="ctr"/>
-            <a:lstStyle/>
-            <a:p>
-              <a:pPr algn="ctr"/>
-              <a:r>
-                <a:rPr lang="es-ES">
-                  <a:solidFill>
-                    <a:schemeClr val="tx1"/>
-                  </a:solidFill>
-                </a:rPr>
-                <a:t>5</a:t>
-              </a:r>
-            </a:p>
-          </p:txBody>
-        </p:sp>
-      </p:grpSp>
-      <p:grpSp>
-        <p:nvGrpSpPr>
-          <p:cNvPr id="17" name="Grupo 16">
-            <a:extLst>
-              <a:ext uri="{FF2B5EF4-FFF2-40B4-BE49-F238E27FC236}">
-                <a16:creationId xmlns:a16="http://schemas.microsoft.com/office/drawing/2014/main" id="{B76DCAA3-AF96-4A13-9BC0-0E79550C8CE3}"/>
-              </a:ext>
-            </a:extLst>
-          </p:cNvPr>
-          <p:cNvGrpSpPr/>
-          <p:nvPr/>
-        </p:nvGrpSpPr>
-        <p:grpSpPr>
+      <p:sp>
+        <p:nvSpPr>
+          <p:cNvPr id="18" name="Rectángulo 17">
+            <a:extLst>
+              <a:ext uri="{FF2B5EF4-FFF2-40B4-BE49-F238E27FC236}">
+                <a16:creationId xmlns:a16="http://schemas.microsoft.com/office/drawing/2014/main" id="{9E4C8707-98A1-45BF-8FA4-709A464D70F6}"/>
+              </a:ext>
+            </a:extLst>
+          </p:cNvPr>
+          <p:cNvSpPr/>
+          <p:nvPr/>
+        </p:nvSpPr>
+        <p:spPr>
           <a:xfrm>
             <a:off x="2158228" y="2566471"/>
-            <a:ext cx="2500319" cy="360000"/>
-            <a:chOff x="2178752" y="2215560"/>
-            <a:chExt cx="2500319" cy="360000"/>
-          </a:xfrm>
-        </p:grpSpPr>
-        <p:sp>
-          <p:nvSpPr>
-            <p:cNvPr id="18" name="Rectángulo 17">
-              <a:extLst>
-                <a:ext uri="{FF2B5EF4-FFF2-40B4-BE49-F238E27FC236}">
-                  <a16:creationId xmlns:a16="http://schemas.microsoft.com/office/drawing/2014/main" id="{9E4C8707-98A1-45BF-8FA4-709A464D70F6}"/>
-                </a:ext>
-              </a:extLst>
-            </p:cNvPr>
-            <p:cNvSpPr/>
-            <p:nvPr/>
-          </p:nvSpPr>
-          <p:spPr>
-            <a:xfrm>
-              <a:off x="2178752" y="2215560"/>
-              <a:ext cx="360000" cy="360000"/>
-            </a:xfrm>
-            <a:prstGeom prst="rect">
-              <a:avLst/>
-            </a:prstGeom>
-          </p:spPr>
-          <p:style>
-            <a:lnRef idx="2">
-              <a:schemeClr val="dk1"/>
-            </a:lnRef>
-            <a:fillRef idx="1">
-              <a:schemeClr val="lt1"/>
-            </a:fillRef>
-            <a:effectRef idx="0">
-              <a:schemeClr val="dk1"/>
-            </a:effectRef>
-            <a:fontRef idx="minor">
-              <a:schemeClr val="dk1"/>
-            </a:fontRef>
-          </p:style>
-          <p:txBody>
-            <a:bodyPr lIns="0" tIns="0" rIns="0" bIns="0" rtlCol="0" anchor="ctr"/>
-            <a:lstStyle/>
-            <a:p>
-              <a:pPr algn="ctr"/>
-              <a:r>
-                <a:rPr lang="es-ES">
-                  <a:solidFill>
-                    <a:schemeClr val="tx1"/>
-                  </a:solidFill>
-                </a:rPr>
-                <a:t>6</a:t>
-              </a:r>
-            </a:p>
-          </p:txBody>
-        </p:sp>
-        <p:sp>
-          <p:nvSpPr>
-            <p:cNvPr id="19" name="Rectángulo 18">
-              <a:extLst>
-                <a:ext uri="{FF2B5EF4-FFF2-40B4-BE49-F238E27FC236}">
-                  <a16:creationId xmlns:a16="http://schemas.microsoft.com/office/drawing/2014/main" id="{F5ED8DD7-D194-42AA-B856-8AF87819079E}"/>
-                </a:ext>
-              </a:extLst>
-            </p:cNvPr>
-            <p:cNvSpPr/>
-            <p:nvPr/>
-          </p:nvSpPr>
-          <p:spPr>
-            <a:xfrm>
-              <a:off x="2535472" y="2215560"/>
-              <a:ext cx="360000" cy="360000"/>
-            </a:xfrm>
-            <a:prstGeom prst="rect">
-              <a:avLst/>
-            </a:prstGeom>
-          </p:spPr>
-          <p:style>
-            <a:lnRef idx="2">
-              <a:schemeClr val="dk1"/>
-            </a:lnRef>
-            <a:fillRef idx="1">
-              <a:schemeClr val="lt1"/>
-            </a:fillRef>
-            <a:effectRef idx="0">
-              <a:schemeClr val="dk1"/>
-            </a:effectRef>
-            <a:fontRef idx="minor">
-              <a:schemeClr val="dk1"/>
-            </a:fontRef>
-          </p:style>
-          <p:txBody>
-            <a:bodyPr lIns="0" tIns="0" rIns="0" bIns="0" rtlCol="0" anchor="ctr"/>
-            <a:lstStyle/>
-            <a:p>
-              <a:pPr algn="ctr"/>
-              <a:r>
-                <a:rPr lang="es-ES">
-                  <a:solidFill>
-                    <a:schemeClr val="tx1"/>
-                  </a:solidFill>
-                </a:rPr>
-                <a:t>7</a:t>
-              </a:r>
-            </a:p>
-          </p:txBody>
-        </p:sp>
-        <p:sp>
-          <p:nvSpPr>
-            <p:cNvPr id="20" name="Rectángulo 19">
-              <a:extLst>
-                <a:ext uri="{FF2B5EF4-FFF2-40B4-BE49-F238E27FC236}">
-                  <a16:creationId xmlns:a16="http://schemas.microsoft.com/office/drawing/2014/main" id="{FF7689A7-DC59-4DB4-A3AF-12DB5F11C81A}"/>
-                </a:ext>
-              </a:extLst>
-            </p:cNvPr>
-            <p:cNvSpPr/>
-            <p:nvPr/>
-          </p:nvSpPr>
-          <p:spPr>
-            <a:xfrm>
-              <a:off x="2892192" y="2215560"/>
-              <a:ext cx="360000" cy="360000"/>
-            </a:xfrm>
-            <a:prstGeom prst="rect">
-              <a:avLst/>
-            </a:prstGeom>
-          </p:spPr>
-          <p:style>
-            <a:lnRef idx="2">
-              <a:schemeClr val="dk1"/>
-            </a:lnRef>
-            <a:fillRef idx="1">
-              <a:schemeClr val="lt1"/>
-            </a:fillRef>
-            <a:effectRef idx="0">
-              <a:schemeClr val="dk1"/>
-            </a:effectRef>
-            <a:fontRef idx="minor">
-              <a:schemeClr val="dk1"/>
-            </a:fontRef>
-          </p:style>
-          <p:txBody>
-            <a:bodyPr lIns="0" tIns="0" rIns="0" bIns="0" rtlCol="0" anchor="ctr"/>
-            <a:lstStyle/>
-            <a:p>
-              <a:pPr algn="ctr"/>
-              <a:r>
-                <a:rPr lang="es-ES">
-                  <a:solidFill>
-                    <a:schemeClr val="tx1"/>
-                  </a:solidFill>
-                </a:rPr>
-                <a:t>8</a:t>
-              </a:r>
-            </a:p>
-          </p:txBody>
-        </p:sp>
-        <p:sp>
-          <p:nvSpPr>
-            <p:cNvPr id="21" name="Rectángulo 20">
-              <a:extLst>
-                <a:ext uri="{FF2B5EF4-FFF2-40B4-BE49-F238E27FC236}">
-                  <a16:creationId xmlns:a16="http://schemas.microsoft.com/office/drawing/2014/main" id="{2A35760D-C966-4DB6-B38F-69EE6F413992}"/>
-                </a:ext>
-              </a:extLst>
-            </p:cNvPr>
-            <p:cNvSpPr/>
-            <p:nvPr/>
-          </p:nvSpPr>
-          <p:spPr>
-            <a:xfrm>
-              <a:off x="3248912" y="2215560"/>
-              <a:ext cx="360000" cy="360000"/>
-            </a:xfrm>
-            <a:prstGeom prst="rect">
-              <a:avLst/>
-            </a:prstGeom>
-          </p:spPr>
-          <p:style>
-            <a:lnRef idx="2">
-              <a:schemeClr val="dk1"/>
-            </a:lnRef>
-            <a:fillRef idx="1">
-              <a:schemeClr val="lt1"/>
-            </a:fillRef>
-            <a:effectRef idx="0">
-              <a:schemeClr val="dk1"/>
-            </a:effectRef>
-            <a:fontRef idx="minor">
-              <a:schemeClr val="dk1"/>
-            </a:fontRef>
-          </p:style>
-          <p:txBody>
-            <a:bodyPr lIns="0" tIns="0" rIns="0" bIns="0" rtlCol="0" anchor="ctr"/>
-            <a:lstStyle/>
-            <a:p>
-              <a:pPr algn="ctr"/>
-              <a:r>
-                <a:rPr lang="es-ES">
-                  <a:solidFill>
-                    <a:schemeClr val="tx1"/>
-                  </a:solidFill>
-                </a:rPr>
-                <a:t>9</a:t>
-              </a:r>
-            </a:p>
-          </p:txBody>
-        </p:sp>
-        <p:sp>
-          <p:nvSpPr>
-            <p:cNvPr id="22" name="Rectángulo 21">
-              <a:extLst>
-                <a:ext uri="{FF2B5EF4-FFF2-40B4-BE49-F238E27FC236}">
-                  <a16:creationId xmlns:a16="http://schemas.microsoft.com/office/drawing/2014/main" id="{E48F0596-A313-4D69-8BE8-63D02AAC95D2}"/>
-                </a:ext>
-              </a:extLst>
-            </p:cNvPr>
-            <p:cNvSpPr/>
-            <p:nvPr/>
-          </p:nvSpPr>
-          <p:spPr>
-            <a:xfrm>
-              <a:off x="3605632" y="2215560"/>
-              <a:ext cx="360000" cy="360000"/>
-            </a:xfrm>
-            <a:prstGeom prst="rect">
-              <a:avLst/>
-            </a:prstGeom>
-          </p:spPr>
-          <p:style>
-            <a:lnRef idx="2">
-              <a:schemeClr val="dk1"/>
-            </a:lnRef>
-            <a:fillRef idx="1">
-              <a:schemeClr val="lt1"/>
-            </a:fillRef>
-            <a:effectRef idx="0">
-              <a:schemeClr val="dk1"/>
-            </a:effectRef>
-            <a:fontRef idx="minor">
-              <a:schemeClr val="dk1"/>
-            </a:fontRef>
-          </p:style>
-          <p:txBody>
-            <a:bodyPr lIns="0" tIns="0" rIns="0" bIns="0" rtlCol="0" anchor="ctr"/>
-            <a:lstStyle/>
-            <a:p>
-              <a:pPr algn="ctr"/>
-              <a:r>
-                <a:rPr lang="es-ES">
-                  <a:solidFill>
-                    <a:schemeClr val="tx1"/>
-                  </a:solidFill>
-                </a:rPr>
-                <a:t>10</a:t>
-              </a:r>
-            </a:p>
-          </p:txBody>
-        </p:sp>
-        <p:sp>
-          <p:nvSpPr>
-            <p:cNvPr id="23" name="Rectángulo 22">
-              <a:extLst>
-                <a:ext uri="{FF2B5EF4-FFF2-40B4-BE49-F238E27FC236}">
-                  <a16:creationId xmlns:a16="http://schemas.microsoft.com/office/drawing/2014/main" id="{57CDAFF8-979B-4370-A62E-295ECE837A02}"/>
-                </a:ext>
-              </a:extLst>
-            </p:cNvPr>
-            <p:cNvSpPr/>
-            <p:nvPr/>
-          </p:nvSpPr>
-          <p:spPr>
-            <a:xfrm>
-              <a:off x="3962352" y="2215560"/>
-              <a:ext cx="360000" cy="360000"/>
-            </a:xfrm>
-            <a:prstGeom prst="rect">
-              <a:avLst/>
-            </a:prstGeom>
-          </p:spPr>
-          <p:style>
-            <a:lnRef idx="2">
-              <a:schemeClr val="dk1"/>
-            </a:lnRef>
-            <a:fillRef idx="1">
-              <a:schemeClr val="lt1"/>
-            </a:fillRef>
-            <a:effectRef idx="0">
-              <a:schemeClr val="dk1"/>
-            </a:effectRef>
-            <a:fontRef idx="minor">
-              <a:schemeClr val="dk1"/>
-            </a:fontRef>
-          </p:style>
-          <p:txBody>
-            <a:bodyPr lIns="0" tIns="0" rIns="0" bIns="0" rtlCol="0" anchor="ctr"/>
-            <a:lstStyle/>
-            <a:p>
-              <a:pPr algn="ctr"/>
-              <a:r>
-                <a:rPr lang="es-ES">
-                  <a:solidFill>
-                    <a:schemeClr val="tx1"/>
-                  </a:solidFill>
-                </a:rPr>
-                <a:t>11</a:t>
-              </a:r>
-            </a:p>
-          </p:txBody>
-        </p:sp>
-        <p:sp>
-          <p:nvSpPr>
-            <p:cNvPr id="24" name="Rectángulo 23">
-              <a:extLst>
-                <a:ext uri="{FF2B5EF4-FFF2-40B4-BE49-F238E27FC236}">
-                  <a16:creationId xmlns:a16="http://schemas.microsoft.com/office/drawing/2014/main" id="{95DFC894-05DB-44C7-8D10-DFD567F87217}"/>
-                </a:ext>
-              </a:extLst>
-            </p:cNvPr>
-            <p:cNvSpPr/>
-            <p:nvPr/>
-          </p:nvSpPr>
-          <p:spPr>
-            <a:xfrm>
-              <a:off x="4319071" y="2215560"/>
-              <a:ext cx="360000" cy="360000"/>
-            </a:xfrm>
-            <a:prstGeom prst="rect">
-              <a:avLst/>
-            </a:prstGeom>
-          </p:spPr>
-          <p:style>
-            <a:lnRef idx="2">
-              <a:schemeClr val="dk1"/>
-            </a:lnRef>
-            <a:fillRef idx="1">
-              <a:schemeClr val="lt1"/>
-            </a:fillRef>
-            <a:effectRef idx="0">
-              <a:schemeClr val="dk1"/>
-            </a:effectRef>
-            <a:fontRef idx="minor">
-              <a:schemeClr val="dk1"/>
-            </a:fontRef>
-          </p:style>
-          <p:txBody>
-            <a:bodyPr lIns="0" tIns="0" rIns="0" bIns="0" rtlCol="0" anchor="ctr"/>
-            <a:lstStyle/>
-            <a:p>
-              <a:pPr algn="ctr"/>
-              <a:r>
-                <a:rPr lang="es-ES">
-                  <a:solidFill>
-                    <a:schemeClr val="tx1"/>
-                  </a:solidFill>
-                </a:rPr>
-                <a:t>12</a:t>
-              </a:r>
-            </a:p>
-          </p:txBody>
-        </p:sp>
-      </p:grpSp>
-      <p:grpSp>
-        <p:nvGrpSpPr>
-          <p:cNvPr id="25" name="Grupo 24">
-            <a:extLst>
-              <a:ext uri="{FF2B5EF4-FFF2-40B4-BE49-F238E27FC236}">
-                <a16:creationId xmlns:a16="http://schemas.microsoft.com/office/drawing/2014/main" id="{394B7C82-0B96-46DF-AC64-E2BC7426A543}"/>
-              </a:ext>
-            </a:extLst>
-          </p:cNvPr>
-          <p:cNvGrpSpPr/>
-          <p:nvPr/>
-        </p:nvGrpSpPr>
-        <p:grpSpPr>
+            <a:ext cx="360000" cy="360000"/>
+          </a:xfrm>
+          <a:prstGeom prst="rect">
+            <a:avLst/>
+          </a:prstGeom>
+          <a:solidFill>
+            <a:schemeClr val="bg1">
+              <a:lumMod val="95000"/>
+            </a:schemeClr>
+          </a:solidFill>
+          <a:ln>
+            <a:solidFill>
+              <a:schemeClr val="bg1">
+                <a:lumMod val="75000"/>
+              </a:schemeClr>
+            </a:solidFill>
+          </a:ln>
+        </p:spPr>
+        <p:style>
+          <a:lnRef idx="2">
+            <a:schemeClr val="dk1"/>
+          </a:lnRef>
+          <a:fillRef idx="1">
+            <a:schemeClr val="lt1"/>
+          </a:fillRef>
+          <a:effectRef idx="0">
+            <a:schemeClr val="dk1"/>
+          </a:effectRef>
+          <a:fontRef idx="minor">
+            <a:schemeClr val="dk1"/>
+          </a:fontRef>
+        </p:style>
+        <p:txBody>
+          <a:bodyPr lIns="0" tIns="0" rIns="0" bIns="0" rtlCol="0" anchor="ctr"/>
+          <a:lstStyle/>
+          <a:p>
+            <a:pPr algn="ctr"/>
+            <a:r>
+              <a:rPr lang="es-ES">
+                <a:solidFill>
+                  <a:schemeClr val="tx1"/>
+                </a:solidFill>
+              </a:rPr>
+              <a:t>6</a:t>
+            </a:r>
+          </a:p>
+        </p:txBody>
+      </p:sp>
+      <p:sp>
+        <p:nvSpPr>
+          <p:cNvPr id="19" name="Rectángulo 18">
+            <a:extLst>
+              <a:ext uri="{FF2B5EF4-FFF2-40B4-BE49-F238E27FC236}">
+                <a16:creationId xmlns:a16="http://schemas.microsoft.com/office/drawing/2014/main" id="{F5ED8DD7-D194-42AA-B856-8AF87819079E}"/>
+              </a:ext>
+            </a:extLst>
+          </p:cNvPr>
+          <p:cNvSpPr/>
+          <p:nvPr/>
+        </p:nvSpPr>
+        <p:spPr>
+          <a:xfrm>
+            <a:off x="2514948" y="2566471"/>
+            <a:ext cx="360000" cy="360000"/>
+          </a:xfrm>
+          <a:prstGeom prst="rect">
+            <a:avLst/>
+          </a:prstGeom>
+          <a:solidFill>
+            <a:schemeClr val="accent5">
+              <a:lumMod val="40000"/>
+              <a:lumOff val="60000"/>
+            </a:schemeClr>
+          </a:solidFill>
+          <a:ln>
+            <a:solidFill>
+              <a:schemeClr val="bg1">
+                <a:lumMod val="75000"/>
+              </a:schemeClr>
+            </a:solidFill>
+          </a:ln>
+        </p:spPr>
+        <p:style>
+          <a:lnRef idx="2">
+            <a:schemeClr val="dk1"/>
+          </a:lnRef>
+          <a:fillRef idx="1">
+            <a:schemeClr val="lt1"/>
+          </a:fillRef>
+          <a:effectRef idx="0">
+            <a:schemeClr val="dk1"/>
+          </a:effectRef>
+          <a:fontRef idx="minor">
+            <a:schemeClr val="dk1"/>
+          </a:fontRef>
+        </p:style>
+        <p:txBody>
+          <a:bodyPr lIns="0" tIns="0" rIns="0" bIns="0" rtlCol="0" anchor="ctr"/>
+          <a:lstStyle/>
+          <a:p>
+            <a:pPr algn="ctr"/>
+            <a:r>
+              <a:rPr lang="es-ES" b="1">
+                <a:solidFill>
+                  <a:srgbClr val="0070C0"/>
+                </a:solidFill>
+              </a:rPr>
+              <a:t>7</a:t>
+            </a:r>
+          </a:p>
+        </p:txBody>
+      </p:sp>
+      <p:sp>
+        <p:nvSpPr>
+          <p:cNvPr id="20" name="Rectángulo 19">
+            <a:extLst>
+              <a:ext uri="{FF2B5EF4-FFF2-40B4-BE49-F238E27FC236}">
+                <a16:creationId xmlns:a16="http://schemas.microsoft.com/office/drawing/2014/main" id="{FF7689A7-DC59-4DB4-A3AF-12DB5F11C81A}"/>
+              </a:ext>
+            </a:extLst>
+          </p:cNvPr>
+          <p:cNvSpPr/>
+          <p:nvPr/>
+        </p:nvSpPr>
+        <p:spPr>
+          <a:xfrm>
+            <a:off x="2871668" y="2566471"/>
+            <a:ext cx="360000" cy="360000"/>
+          </a:xfrm>
+          <a:prstGeom prst="rect">
+            <a:avLst/>
+          </a:prstGeom>
+          <a:solidFill>
+            <a:schemeClr val="bg1">
+              <a:lumMod val="95000"/>
+            </a:schemeClr>
+          </a:solidFill>
+          <a:ln>
+            <a:solidFill>
+              <a:schemeClr val="bg1">
+                <a:lumMod val="75000"/>
+              </a:schemeClr>
+            </a:solidFill>
+          </a:ln>
+        </p:spPr>
+        <p:style>
+          <a:lnRef idx="2">
+            <a:schemeClr val="dk1"/>
+          </a:lnRef>
+          <a:fillRef idx="1">
+            <a:schemeClr val="lt1"/>
+          </a:fillRef>
+          <a:effectRef idx="0">
+            <a:schemeClr val="dk1"/>
+          </a:effectRef>
+          <a:fontRef idx="minor">
+            <a:schemeClr val="dk1"/>
+          </a:fontRef>
+        </p:style>
+        <p:txBody>
+          <a:bodyPr lIns="0" tIns="0" rIns="0" bIns="0" rtlCol="0" anchor="ctr"/>
+          <a:lstStyle/>
+          <a:p>
+            <a:pPr algn="ctr"/>
+            <a:r>
+              <a:rPr lang="es-ES" b="1">
+                <a:solidFill>
+                  <a:srgbClr val="DE7CC7"/>
+                </a:solidFill>
+              </a:rPr>
+              <a:t>8</a:t>
+            </a:r>
+          </a:p>
+        </p:txBody>
+      </p:sp>
+      <p:sp>
+        <p:nvSpPr>
+          <p:cNvPr id="21" name="Rectángulo 20">
+            <a:extLst>
+              <a:ext uri="{FF2B5EF4-FFF2-40B4-BE49-F238E27FC236}">
+                <a16:creationId xmlns:a16="http://schemas.microsoft.com/office/drawing/2014/main" id="{2A35760D-C966-4DB6-B38F-69EE6F413992}"/>
+              </a:ext>
+            </a:extLst>
+          </p:cNvPr>
+          <p:cNvSpPr/>
+          <p:nvPr/>
+        </p:nvSpPr>
+        <p:spPr>
+          <a:xfrm>
+            <a:off x="3228388" y="2566471"/>
+            <a:ext cx="360000" cy="360000"/>
+          </a:xfrm>
+          <a:prstGeom prst="rect">
+            <a:avLst/>
+          </a:prstGeom>
+          <a:solidFill>
+            <a:schemeClr val="accent5">
+              <a:lumMod val="40000"/>
+              <a:lumOff val="60000"/>
+            </a:schemeClr>
+          </a:solidFill>
+          <a:ln>
+            <a:solidFill>
+              <a:schemeClr val="bg1">
+                <a:lumMod val="75000"/>
+              </a:schemeClr>
+            </a:solidFill>
+          </a:ln>
+        </p:spPr>
+        <p:style>
+          <a:lnRef idx="2">
+            <a:schemeClr val="dk1"/>
+          </a:lnRef>
+          <a:fillRef idx="1">
+            <a:schemeClr val="lt1"/>
+          </a:fillRef>
+          <a:effectRef idx="0">
+            <a:schemeClr val="dk1"/>
+          </a:effectRef>
+          <a:fontRef idx="minor">
+            <a:schemeClr val="dk1"/>
+          </a:fontRef>
+        </p:style>
+        <p:txBody>
+          <a:bodyPr lIns="0" tIns="0" rIns="0" bIns="0" rtlCol="0" anchor="ctr"/>
+          <a:lstStyle/>
+          <a:p>
+            <a:pPr algn="ctr"/>
+            <a:r>
+              <a:rPr lang="es-ES" b="1">
+                <a:solidFill>
+                  <a:srgbClr val="0070C0"/>
+                </a:solidFill>
+              </a:rPr>
+              <a:t>9</a:t>
+            </a:r>
+          </a:p>
+        </p:txBody>
+      </p:sp>
+      <p:sp>
+        <p:nvSpPr>
+          <p:cNvPr id="22" name="Rectángulo 21">
+            <a:extLst>
+              <a:ext uri="{FF2B5EF4-FFF2-40B4-BE49-F238E27FC236}">
+                <a16:creationId xmlns:a16="http://schemas.microsoft.com/office/drawing/2014/main" id="{E48F0596-A313-4D69-8BE8-63D02AAC95D2}"/>
+              </a:ext>
+            </a:extLst>
+          </p:cNvPr>
+          <p:cNvSpPr/>
+          <p:nvPr/>
+        </p:nvSpPr>
+        <p:spPr>
+          <a:xfrm>
+            <a:off x="3585108" y="2566471"/>
+            <a:ext cx="360000" cy="360000"/>
+          </a:xfrm>
+          <a:prstGeom prst="rect">
+            <a:avLst/>
+          </a:prstGeom>
+          <a:solidFill>
+            <a:schemeClr val="accent5">
+              <a:lumMod val="40000"/>
+              <a:lumOff val="60000"/>
+            </a:schemeClr>
+          </a:solidFill>
+          <a:ln>
+            <a:solidFill>
+              <a:schemeClr val="bg1">
+                <a:lumMod val="75000"/>
+              </a:schemeClr>
+            </a:solidFill>
+          </a:ln>
+        </p:spPr>
+        <p:style>
+          <a:lnRef idx="2">
+            <a:schemeClr val="dk1"/>
+          </a:lnRef>
+          <a:fillRef idx="1">
+            <a:schemeClr val="lt1"/>
+          </a:fillRef>
+          <a:effectRef idx="0">
+            <a:schemeClr val="dk1"/>
+          </a:effectRef>
+          <a:fontRef idx="minor">
+            <a:schemeClr val="dk1"/>
+          </a:fontRef>
+        </p:style>
+        <p:txBody>
+          <a:bodyPr lIns="0" tIns="0" rIns="0" bIns="0" rtlCol="0" anchor="ctr"/>
+          <a:lstStyle/>
+          <a:p>
+            <a:pPr algn="ctr"/>
+            <a:r>
+              <a:rPr lang="es-ES" b="1">
+                <a:solidFill>
+                  <a:srgbClr val="0070C0"/>
+                </a:solidFill>
+              </a:rPr>
+              <a:t>10</a:t>
+            </a:r>
+          </a:p>
+        </p:txBody>
+      </p:sp>
+      <p:sp>
+        <p:nvSpPr>
+          <p:cNvPr id="23" name="Rectángulo 22">
+            <a:extLst>
+              <a:ext uri="{FF2B5EF4-FFF2-40B4-BE49-F238E27FC236}">
+                <a16:creationId xmlns:a16="http://schemas.microsoft.com/office/drawing/2014/main" id="{57CDAFF8-979B-4370-A62E-295ECE837A02}"/>
+              </a:ext>
+            </a:extLst>
+          </p:cNvPr>
+          <p:cNvSpPr/>
+          <p:nvPr/>
+        </p:nvSpPr>
+        <p:spPr>
+          <a:xfrm>
+            <a:off x="3941828" y="2566471"/>
+            <a:ext cx="360000" cy="360000"/>
+          </a:xfrm>
+          <a:prstGeom prst="rect">
+            <a:avLst/>
+          </a:prstGeom>
+          <a:solidFill>
+            <a:srgbClr val="E8E8E8"/>
+          </a:solidFill>
+          <a:ln>
+            <a:solidFill>
+              <a:schemeClr val="bg1">
+                <a:lumMod val="75000"/>
+              </a:schemeClr>
+            </a:solidFill>
+          </a:ln>
+        </p:spPr>
+        <p:style>
+          <a:lnRef idx="2">
+            <a:schemeClr val="dk1"/>
+          </a:lnRef>
+          <a:fillRef idx="1">
+            <a:schemeClr val="lt1"/>
+          </a:fillRef>
+          <a:effectRef idx="0">
+            <a:schemeClr val="dk1"/>
+          </a:effectRef>
+          <a:fontRef idx="minor">
+            <a:schemeClr val="dk1"/>
+          </a:fontRef>
+        </p:style>
+        <p:txBody>
+          <a:bodyPr lIns="0" tIns="0" rIns="0" bIns="0" rtlCol="0" anchor="ctr"/>
+          <a:lstStyle/>
+          <a:p>
+            <a:pPr algn="ctr"/>
+            <a:r>
+              <a:rPr lang="es-ES">
+                <a:solidFill>
+                  <a:schemeClr val="tx1"/>
+                </a:solidFill>
+              </a:rPr>
+              <a:t>11</a:t>
+            </a:r>
+          </a:p>
+        </p:txBody>
+      </p:sp>
+      <p:sp>
+        <p:nvSpPr>
+          <p:cNvPr id="24" name="Rectángulo 23">
+            <a:extLst>
+              <a:ext uri="{FF2B5EF4-FFF2-40B4-BE49-F238E27FC236}">
+                <a16:creationId xmlns:a16="http://schemas.microsoft.com/office/drawing/2014/main" id="{95DFC894-05DB-44C7-8D10-DFD567F87217}"/>
+              </a:ext>
+            </a:extLst>
+          </p:cNvPr>
+          <p:cNvSpPr/>
+          <p:nvPr/>
+        </p:nvSpPr>
+        <p:spPr>
+          <a:xfrm>
+            <a:off x="4298547" y="2566471"/>
+            <a:ext cx="360000" cy="360000"/>
+          </a:xfrm>
+          <a:prstGeom prst="rect">
+            <a:avLst/>
+          </a:prstGeom>
+          <a:solidFill>
+            <a:srgbClr val="E8E8E8"/>
+          </a:solidFill>
+          <a:ln>
+            <a:solidFill>
+              <a:schemeClr val="bg1">
+                <a:lumMod val="75000"/>
+              </a:schemeClr>
+            </a:solidFill>
+          </a:ln>
+        </p:spPr>
+        <p:style>
+          <a:lnRef idx="2">
+            <a:schemeClr val="dk1"/>
+          </a:lnRef>
+          <a:fillRef idx="1">
+            <a:schemeClr val="lt1"/>
+          </a:fillRef>
+          <a:effectRef idx="0">
+            <a:schemeClr val="dk1"/>
+          </a:effectRef>
+          <a:fontRef idx="minor">
+            <a:schemeClr val="dk1"/>
+          </a:fontRef>
+        </p:style>
+        <p:txBody>
+          <a:bodyPr lIns="0" tIns="0" rIns="0" bIns="0" rtlCol="0" anchor="ctr"/>
+          <a:lstStyle/>
+          <a:p>
+            <a:pPr algn="ctr"/>
+            <a:r>
+              <a:rPr lang="es-ES">
+                <a:solidFill>
+                  <a:schemeClr val="tx1"/>
+                </a:solidFill>
+              </a:rPr>
+              <a:t>12</a:t>
+            </a:r>
+          </a:p>
+        </p:txBody>
+      </p:sp>
+      <p:sp>
+        <p:nvSpPr>
+          <p:cNvPr id="26" name="Rectángulo 25">
+            <a:extLst>
+              <a:ext uri="{FF2B5EF4-FFF2-40B4-BE49-F238E27FC236}">
+                <a16:creationId xmlns:a16="http://schemas.microsoft.com/office/drawing/2014/main" id="{F54C1F0D-8715-4F7D-BFBA-7252998EAE67}"/>
+              </a:ext>
+            </a:extLst>
+          </p:cNvPr>
+          <p:cNvSpPr/>
+          <p:nvPr/>
+        </p:nvSpPr>
+        <p:spPr>
           <a:xfrm>
             <a:off x="2158228" y="2927542"/>
-            <a:ext cx="2500319" cy="360000"/>
-            <a:chOff x="2178752" y="2215560"/>
-            <a:chExt cx="2500319" cy="360000"/>
-          </a:xfrm>
-        </p:grpSpPr>
-        <p:sp>
-          <p:nvSpPr>
-            <p:cNvPr id="26" name="Rectángulo 25">
-              <a:extLst>
-                <a:ext uri="{FF2B5EF4-FFF2-40B4-BE49-F238E27FC236}">
-                  <a16:creationId xmlns:a16="http://schemas.microsoft.com/office/drawing/2014/main" id="{F54C1F0D-8715-4F7D-BFBA-7252998EAE67}"/>
-                </a:ext>
-              </a:extLst>
-            </p:cNvPr>
-            <p:cNvSpPr/>
-            <p:nvPr/>
-          </p:nvSpPr>
-          <p:spPr>
-            <a:xfrm>
-              <a:off x="2178752" y="2215560"/>
-              <a:ext cx="360000" cy="360000"/>
-            </a:xfrm>
-            <a:prstGeom prst="rect">
-              <a:avLst/>
-            </a:prstGeom>
-          </p:spPr>
-          <p:style>
-            <a:lnRef idx="2">
-              <a:schemeClr val="dk1"/>
-            </a:lnRef>
-            <a:fillRef idx="1">
-              <a:schemeClr val="lt1"/>
-            </a:fillRef>
-            <a:effectRef idx="0">
-              <a:schemeClr val="dk1"/>
-            </a:effectRef>
-            <a:fontRef idx="minor">
-              <a:schemeClr val="dk1"/>
-            </a:fontRef>
-          </p:style>
-          <p:txBody>
-            <a:bodyPr lIns="0" tIns="0" rIns="0" bIns="0" rtlCol="0" anchor="ctr"/>
-            <a:lstStyle/>
-            <a:p>
-              <a:pPr algn="ctr"/>
-              <a:r>
-                <a:rPr lang="es-ES">
-                  <a:solidFill>
-                    <a:schemeClr val="tx1"/>
-                  </a:solidFill>
-                </a:rPr>
-                <a:t>13</a:t>
-              </a:r>
-            </a:p>
-          </p:txBody>
-        </p:sp>
-        <p:sp>
-          <p:nvSpPr>
-            <p:cNvPr id="27" name="Rectángulo 26">
-              <a:extLst>
-                <a:ext uri="{FF2B5EF4-FFF2-40B4-BE49-F238E27FC236}">
-                  <a16:creationId xmlns:a16="http://schemas.microsoft.com/office/drawing/2014/main" id="{902BF8AC-4363-45BD-9A38-0654598FCC62}"/>
-                </a:ext>
-              </a:extLst>
-            </p:cNvPr>
-            <p:cNvSpPr/>
-            <p:nvPr/>
-          </p:nvSpPr>
-          <p:spPr>
-            <a:xfrm>
-              <a:off x="2535472" y="2215560"/>
-              <a:ext cx="360000" cy="360000"/>
-            </a:xfrm>
-            <a:prstGeom prst="rect">
-              <a:avLst/>
-            </a:prstGeom>
-          </p:spPr>
-          <p:style>
-            <a:lnRef idx="2">
-              <a:schemeClr val="dk1"/>
-            </a:lnRef>
-            <a:fillRef idx="1">
-              <a:schemeClr val="lt1"/>
-            </a:fillRef>
-            <a:effectRef idx="0">
-              <a:schemeClr val="dk1"/>
-            </a:effectRef>
-            <a:fontRef idx="minor">
-              <a:schemeClr val="dk1"/>
-            </a:fontRef>
-          </p:style>
-          <p:txBody>
-            <a:bodyPr lIns="0" tIns="0" rIns="0" bIns="0" rtlCol="0" anchor="ctr"/>
-            <a:lstStyle/>
-            <a:p>
-              <a:pPr algn="ctr"/>
-              <a:r>
-                <a:rPr lang="es-ES">
-                  <a:solidFill>
-                    <a:schemeClr val="tx1"/>
-                  </a:solidFill>
-                </a:rPr>
-                <a:t>14</a:t>
-              </a:r>
-            </a:p>
-          </p:txBody>
-        </p:sp>
-        <p:sp>
-          <p:nvSpPr>
-            <p:cNvPr id="28" name="Rectángulo 27">
-              <a:extLst>
-                <a:ext uri="{FF2B5EF4-FFF2-40B4-BE49-F238E27FC236}">
-                  <a16:creationId xmlns:a16="http://schemas.microsoft.com/office/drawing/2014/main" id="{64C78246-EFC9-4032-AF51-7BED9EF4958A}"/>
-                </a:ext>
-              </a:extLst>
-            </p:cNvPr>
-            <p:cNvSpPr/>
-            <p:nvPr/>
-          </p:nvSpPr>
-          <p:spPr>
-            <a:xfrm>
-              <a:off x="2892192" y="2215560"/>
-              <a:ext cx="360000" cy="360000"/>
-            </a:xfrm>
-            <a:prstGeom prst="rect">
-              <a:avLst/>
-            </a:prstGeom>
-          </p:spPr>
-          <p:style>
-            <a:lnRef idx="2">
-              <a:schemeClr val="dk1"/>
-            </a:lnRef>
-            <a:fillRef idx="1">
-              <a:schemeClr val="lt1"/>
-            </a:fillRef>
-            <a:effectRef idx="0">
-              <a:schemeClr val="dk1"/>
-            </a:effectRef>
-            <a:fontRef idx="minor">
-              <a:schemeClr val="dk1"/>
-            </a:fontRef>
-          </p:style>
-          <p:txBody>
-            <a:bodyPr lIns="0" tIns="0" rIns="0" bIns="0" rtlCol="0" anchor="ctr"/>
-            <a:lstStyle/>
-            <a:p>
-              <a:pPr algn="ctr"/>
-              <a:r>
-                <a:rPr lang="es-ES">
-                  <a:solidFill>
-                    <a:schemeClr val="tx1"/>
-                  </a:solidFill>
-                </a:rPr>
-                <a:t>15</a:t>
-              </a:r>
-            </a:p>
-          </p:txBody>
-        </p:sp>
-        <p:sp>
-          <p:nvSpPr>
-            <p:cNvPr id="29" name="Rectángulo 28">
-              <a:extLst>
-                <a:ext uri="{FF2B5EF4-FFF2-40B4-BE49-F238E27FC236}">
-                  <a16:creationId xmlns:a16="http://schemas.microsoft.com/office/drawing/2014/main" id="{0B5E6B27-65B8-451C-B5A1-78D0F7F822C5}"/>
-                </a:ext>
-              </a:extLst>
-            </p:cNvPr>
-            <p:cNvSpPr/>
-            <p:nvPr/>
-          </p:nvSpPr>
-          <p:spPr>
-            <a:xfrm>
-              <a:off x="3248912" y="2215560"/>
-              <a:ext cx="360000" cy="360000"/>
-            </a:xfrm>
-            <a:prstGeom prst="rect">
-              <a:avLst/>
-            </a:prstGeom>
-          </p:spPr>
-          <p:style>
-            <a:lnRef idx="2">
-              <a:schemeClr val="dk1"/>
-            </a:lnRef>
-            <a:fillRef idx="1">
-              <a:schemeClr val="lt1"/>
-            </a:fillRef>
-            <a:effectRef idx="0">
-              <a:schemeClr val="dk1"/>
-            </a:effectRef>
-            <a:fontRef idx="minor">
-              <a:schemeClr val="dk1"/>
-            </a:fontRef>
-          </p:style>
-          <p:txBody>
-            <a:bodyPr lIns="0" tIns="0" rIns="0" bIns="0" rtlCol="0" anchor="ctr"/>
-            <a:lstStyle/>
-            <a:p>
-              <a:pPr algn="ctr"/>
-              <a:r>
-                <a:rPr lang="es-ES">
-                  <a:solidFill>
-                    <a:schemeClr val="tx1"/>
-                  </a:solidFill>
-                </a:rPr>
-                <a:t>16</a:t>
-              </a:r>
-            </a:p>
-          </p:txBody>
-        </p:sp>
-        <p:sp>
-          <p:nvSpPr>
-            <p:cNvPr id="30" name="Rectángulo 29">
-              <a:extLst>
-                <a:ext uri="{FF2B5EF4-FFF2-40B4-BE49-F238E27FC236}">
-                  <a16:creationId xmlns:a16="http://schemas.microsoft.com/office/drawing/2014/main" id="{5F3CAE28-B29D-424B-95E1-C08F22FD9B6F}"/>
-                </a:ext>
-              </a:extLst>
-            </p:cNvPr>
-            <p:cNvSpPr/>
-            <p:nvPr/>
-          </p:nvSpPr>
-          <p:spPr>
-            <a:xfrm>
-              <a:off x="3605632" y="2215560"/>
-              <a:ext cx="360000" cy="360000"/>
-            </a:xfrm>
-            <a:prstGeom prst="rect">
-              <a:avLst/>
-            </a:prstGeom>
-          </p:spPr>
-          <p:style>
-            <a:lnRef idx="2">
-              <a:schemeClr val="dk1"/>
-            </a:lnRef>
-            <a:fillRef idx="1">
-              <a:schemeClr val="lt1"/>
-            </a:fillRef>
-            <a:effectRef idx="0">
-              <a:schemeClr val="dk1"/>
-            </a:effectRef>
-            <a:fontRef idx="minor">
-              <a:schemeClr val="dk1"/>
-            </a:fontRef>
-          </p:style>
-          <p:txBody>
-            <a:bodyPr lIns="0" tIns="0" rIns="0" bIns="0" rtlCol="0" anchor="ctr"/>
-            <a:lstStyle/>
-            <a:p>
-              <a:pPr algn="ctr"/>
-              <a:r>
-                <a:rPr lang="es-ES">
-                  <a:solidFill>
-                    <a:schemeClr val="tx1"/>
-                  </a:solidFill>
-                </a:rPr>
-                <a:t>17</a:t>
-              </a:r>
-            </a:p>
-          </p:txBody>
-        </p:sp>
-        <p:sp>
-          <p:nvSpPr>
-            <p:cNvPr id="31" name="Rectángulo 30">
-              <a:extLst>
-                <a:ext uri="{FF2B5EF4-FFF2-40B4-BE49-F238E27FC236}">
-                  <a16:creationId xmlns:a16="http://schemas.microsoft.com/office/drawing/2014/main" id="{784E32DE-9A13-4089-A44F-0EA7BB5706B8}"/>
-                </a:ext>
-              </a:extLst>
-            </p:cNvPr>
-            <p:cNvSpPr/>
-            <p:nvPr/>
-          </p:nvSpPr>
-          <p:spPr>
-            <a:xfrm>
-              <a:off x="3962352" y="2215560"/>
-              <a:ext cx="360000" cy="360000"/>
-            </a:xfrm>
-            <a:prstGeom prst="rect">
-              <a:avLst/>
-            </a:prstGeom>
-          </p:spPr>
-          <p:style>
-            <a:lnRef idx="2">
-              <a:schemeClr val="dk1"/>
-            </a:lnRef>
-            <a:fillRef idx="1">
-              <a:schemeClr val="lt1"/>
-            </a:fillRef>
-            <a:effectRef idx="0">
-              <a:schemeClr val="dk1"/>
-            </a:effectRef>
-            <a:fontRef idx="minor">
-              <a:schemeClr val="dk1"/>
-            </a:fontRef>
-          </p:style>
-          <p:txBody>
-            <a:bodyPr lIns="0" tIns="0" rIns="0" bIns="0" rtlCol="0" anchor="ctr"/>
-            <a:lstStyle/>
-            <a:p>
-              <a:pPr algn="ctr"/>
-              <a:r>
-                <a:rPr lang="es-ES">
-                  <a:solidFill>
-                    <a:schemeClr val="tx1"/>
-                  </a:solidFill>
-                </a:rPr>
-                <a:t>18</a:t>
-              </a:r>
-            </a:p>
-          </p:txBody>
-        </p:sp>
-        <p:sp>
-          <p:nvSpPr>
-            <p:cNvPr id="32" name="Rectángulo 31">
-              <a:extLst>
-                <a:ext uri="{FF2B5EF4-FFF2-40B4-BE49-F238E27FC236}">
-                  <a16:creationId xmlns:a16="http://schemas.microsoft.com/office/drawing/2014/main" id="{785D51FB-0732-4C15-A3F1-4E5180C3F80E}"/>
-                </a:ext>
-              </a:extLst>
-            </p:cNvPr>
-            <p:cNvSpPr/>
-            <p:nvPr/>
-          </p:nvSpPr>
-          <p:spPr>
-            <a:xfrm>
-              <a:off x="4319071" y="2215560"/>
-              <a:ext cx="360000" cy="360000"/>
-            </a:xfrm>
-            <a:prstGeom prst="rect">
-              <a:avLst/>
-            </a:prstGeom>
-          </p:spPr>
-          <p:style>
-            <a:lnRef idx="2">
-              <a:schemeClr val="dk1"/>
-            </a:lnRef>
-            <a:fillRef idx="1">
-              <a:schemeClr val="lt1"/>
-            </a:fillRef>
-            <a:effectRef idx="0">
-              <a:schemeClr val="dk1"/>
-            </a:effectRef>
-            <a:fontRef idx="minor">
-              <a:schemeClr val="dk1"/>
-            </a:fontRef>
-          </p:style>
-          <p:txBody>
-            <a:bodyPr lIns="0" tIns="0" rIns="0" bIns="0" rtlCol="0" anchor="ctr"/>
-            <a:lstStyle/>
-            <a:p>
-              <a:pPr algn="ctr"/>
-              <a:r>
-                <a:rPr lang="es-ES">
-                  <a:solidFill>
-                    <a:schemeClr val="tx1"/>
-                  </a:solidFill>
-                </a:rPr>
-                <a:t>19</a:t>
-              </a:r>
-            </a:p>
-          </p:txBody>
-        </p:sp>
-      </p:grpSp>
-      <p:grpSp>
-        <p:nvGrpSpPr>
-          <p:cNvPr id="33" name="Grupo 32">
-            <a:extLst>
-              <a:ext uri="{FF2B5EF4-FFF2-40B4-BE49-F238E27FC236}">
-                <a16:creationId xmlns:a16="http://schemas.microsoft.com/office/drawing/2014/main" id="{802E08F5-360C-4642-9C03-4E5D85B5BB5B}"/>
-              </a:ext>
-            </a:extLst>
-          </p:cNvPr>
-          <p:cNvGrpSpPr/>
-          <p:nvPr/>
-        </p:nvGrpSpPr>
-        <p:grpSpPr>
+            <a:ext cx="360000" cy="360000"/>
+          </a:xfrm>
+          <a:prstGeom prst="rect">
+            <a:avLst/>
+          </a:prstGeom>
+          <a:solidFill>
+            <a:schemeClr val="accent5">
+              <a:lumMod val="40000"/>
+              <a:lumOff val="60000"/>
+            </a:schemeClr>
+          </a:solidFill>
+          <a:ln>
+            <a:solidFill>
+              <a:schemeClr val="bg1">
+                <a:lumMod val="75000"/>
+              </a:schemeClr>
+            </a:solidFill>
+          </a:ln>
+        </p:spPr>
+        <p:style>
+          <a:lnRef idx="2">
+            <a:schemeClr val="dk1"/>
+          </a:lnRef>
+          <a:fillRef idx="1">
+            <a:schemeClr val="lt1"/>
+          </a:fillRef>
+          <a:effectRef idx="0">
+            <a:schemeClr val="dk1"/>
+          </a:effectRef>
+          <a:fontRef idx="minor">
+            <a:schemeClr val="dk1"/>
+          </a:fontRef>
+        </p:style>
+        <p:txBody>
+          <a:bodyPr lIns="0" tIns="0" rIns="0" bIns="0" rtlCol="0" anchor="ctr"/>
+          <a:lstStyle/>
+          <a:p>
+            <a:pPr algn="ctr"/>
+            <a:r>
+              <a:rPr lang="es-ES" b="1">
+                <a:solidFill>
+                  <a:srgbClr val="0070C0"/>
+                </a:solidFill>
+              </a:rPr>
+              <a:t>13</a:t>
+            </a:r>
+          </a:p>
+        </p:txBody>
+      </p:sp>
+      <p:sp>
+        <p:nvSpPr>
+          <p:cNvPr id="27" name="Rectángulo 26">
+            <a:extLst>
+              <a:ext uri="{FF2B5EF4-FFF2-40B4-BE49-F238E27FC236}">
+                <a16:creationId xmlns:a16="http://schemas.microsoft.com/office/drawing/2014/main" id="{902BF8AC-4363-45BD-9A38-0654598FCC62}"/>
+              </a:ext>
+            </a:extLst>
+          </p:cNvPr>
+          <p:cNvSpPr/>
+          <p:nvPr/>
+        </p:nvSpPr>
+        <p:spPr>
+          <a:xfrm>
+            <a:off x="2514948" y="2927542"/>
+            <a:ext cx="360000" cy="360000"/>
+          </a:xfrm>
+          <a:prstGeom prst="rect">
+            <a:avLst/>
+          </a:prstGeom>
+          <a:solidFill>
+            <a:schemeClr val="bg1">
+              <a:lumMod val="95000"/>
+            </a:schemeClr>
+          </a:solidFill>
+          <a:ln>
+            <a:solidFill>
+              <a:schemeClr val="bg1">
+                <a:lumMod val="75000"/>
+              </a:schemeClr>
+            </a:solidFill>
+          </a:ln>
+        </p:spPr>
+        <p:style>
+          <a:lnRef idx="2">
+            <a:schemeClr val="dk1"/>
+          </a:lnRef>
+          <a:fillRef idx="1">
+            <a:schemeClr val="lt1"/>
+          </a:fillRef>
+          <a:effectRef idx="0">
+            <a:schemeClr val="dk1"/>
+          </a:effectRef>
+          <a:fontRef idx="minor">
+            <a:schemeClr val="dk1"/>
+          </a:fontRef>
+        </p:style>
+        <p:txBody>
+          <a:bodyPr lIns="0" tIns="0" rIns="0" bIns="0" rtlCol="0" anchor="ctr"/>
+          <a:lstStyle/>
+          <a:p>
+            <a:pPr algn="ctr"/>
+            <a:r>
+              <a:rPr lang="es-ES">
+                <a:solidFill>
+                  <a:schemeClr val="tx1"/>
+                </a:solidFill>
+              </a:rPr>
+              <a:t>14</a:t>
+            </a:r>
+          </a:p>
+        </p:txBody>
+      </p:sp>
+      <p:sp>
+        <p:nvSpPr>
+          <p:cNvPr id="28" name="Rectángulo 27">
+            <a:extLst>
+              <a:ext uri="{FF2B5EF4-FFF2-40B4-BE49-F238E27FC236}">
+                <a16:creationId xmlns:a16="http://schemas.microsoft.com/office/drawing/2014/main" id="{64C78246-EFC9-4032-AF51-7BED9EF4958A}"/>
+              </a:ext>
+            </a:extLst>
+          </p:cNvPr>
+          <p:cNvSpPr/>
+          <p:nvPr/>
+        </p:nvSpPr>
+        <p:spPr>
+          <a:xfrm>
+            <a:off x="2871668" y="2927542"/>
+            <a:ext cx="360000" cy="360000"/>
+          </a:xfrm>
+          <a:prstGeom prst="rect">
+            <a:avLst/>
+          </a:prstGeom>
+          <a:solidFill>
+            <a:schemeClr val="accent5">
+              <a:lumMod val="40000"/>
+              <a:lumOff val="60000"/>
+            </a:schemeClr>
+          </a:solidFill>
+          <a:ln>
+            <a:solidFill>
+              <a:schemeClr val="bg1">
+                <a:lumMod val="75000"/>
+              </a:schemeClr>
+            </a:solidFill>
+          </a:ln>
+        </p:spPr>
+        <p:style>
+          <a:lnRef idx="2">
+            <a:schemeClr val="dk1"/>
+          </a:lnRef>
+          <a:fillRef idx="1">
+            <a:schemeClr val="lt1"/>
+          </a:fillRef>
+          <a:effectRef idx="0">
+            <a:schemeClr val="dk1"/>
+          </a:effectRef>
+          <a:fontRef idx="minor">
+            <a:schemeClr val="dk1"/>
+          </a:fontRef>
+        </p:style>
+        <p:txBody>
+          <a:bodyPr lIns="0" tIns="0" rIns="0" bIns="0" rtlCol="0" anchor="ctr"/>
+          <a:lstStyle/>
+          <a:p>
+            <a:pPr algn="ctr"/>
+            <a:r>
+              <a:rPr lang="es-ES" b="1">
+                <a:solidFill>
+                  <a:srgbClr val="0070C0"/>
+                </a:solidFill>
+              </a:rPr>
+              <a:t>15</a:t>
+            </a:r>
+          </a:p>
+        </p:txBody>
+      </p:sp>
+      <p:sp>
+        <p:nvSpPr>
+          <p:cNvPr id="29" name="Rectángulo 28">
+            <a:extLst>
+              <a:ext uri="{FF2B5EF4-FFF2-40B4-BE49-F238E27FC236}">
+                <a16:creationId xmlns:a16="http://schemas.microsoft.com/office/drawing/2014/main" id="{0B5E6B27-65B8-451C-B5A1-78D0F7F822C5}"/>
+              </a:ext>
+            </a:extLst>
+          </p:cNvPr>
+          <p:cNvSpPr/>
+          <p:nvPr/>
+        </p:nvSpPr>
+        <p:spPr>
+          <a:xfrm>
+            <a:off x="3228388" y="2927542"/>
+            <a:ext cx="360000" cy="360000"/>
+          </a:xfrm>
+          <a:prstGeom prst="rect">
+            <a:avLst/>
+          </a:prstGeom>
+          <a:solidFill>
+            <a:schemeClr val="bg1">
+              <a:lumMod val="95000"/>
+            </a:schemeClr>
+          </a:solidFill>
+          <a:ln>
+            <a:solidFill>
+              <a:schemeClr val="bg1">
+                <a:lumMod val="75000"/>
+              </a:schemeClr>
+            </a:solidFill>
+          </a:ln>
+        </p:spPr>
+        <p:style>
+          <a:lnRef idx="2">
+            <a:schemeClr val="dk1"/>
+          </a:lnRef>
+          <a:fillRef idx="1">
+            <a:schemeClr val="lt1"/>
+          </a:fillRef>
+          <a:effectRef idx="0">
+            <a:schemeClr val="dk1"/>
+          </a:effectRef>
+          <a:fontRef idx="minor">
+            <a:schemeClr val="dk1"/>
+          </a:fontRef>
+        </p:style>
+        <p:txBody>
+          <a:bodyPr lIns="0" tIns="0" rIns="0" bIns="0" rtlCol="0" anchor="ctr"/>
+          <a:lstStyle/>
+          <a:p>
+            <a:pPr algn="ctr"/>
+            <a:r>
+              <a:rPr lang="es-ES">
+                <a:solidFill>
+                  <a:schemeClr val="tx1"/>
+                </a:solidFill>
+              </a:rPr>
+              <a:t>16</a:t>
+            </a:r>
+          </a:p>
+        </p:txBody>
+      </p:sp>
+      <p:sp>
+        <p:nvSpPr>
+          <p:cNvPr id="30" name="Rectángulo 29">
+            <a:extLst>
+              <a:ext uri="{FF2B5EF4-FFF2-40B4-BE49-F238E27FC236}">
+                <a16:creationId xmlns:a16="http://schemas.microsoft.com/office/drawing/2014/main" id="{5F3CAE28-B29D-424B-95E1-C08F22FD9B6F}"/>
+              </a:ext>
+            </a:extLst>
+          </p:cNvPr>
+          <p:cNvSpPr/>
+          <p:nvPr/>
+        </p:nvSpPr>
+        <p:spPr>
+          <a:xfrm>
+            <a:off x="3585108" y="2927542"/>
+            <a:ext cx="360000" cy="360000"/>
+          </a:xfrm>
+          <a:prstGeom prst="rect">
+            <a:avLst/>
+          </a:prstGeom>
+          <a:solidFill>
+            <a:schemeClr val="accent5">
+              <a:lumMod val="40000"/>
+              <a:lumOff val="60000"/>
+            </a:schemeClr>
+          </a:solidFill>
+          <a:ln>
+            <a:solidFill>
+              <a:schemeClr val="bg1">
+                <a:lumMod val="75000"/>
+              </a:schemeClr>
+            </a:solidFill>
+          </a:ln>
+        </p:spPr>
+        <p:style>
+          <a:lnRef idx="2">
+            <a:schemeClr val="dk1"/>
+          </a:lnRef>
+          <a:fillRef idx="1">
+            <a:schemeClr val="lt1"/>
+          </a:fillRef>
+          <a:effectRef idx="0">
+            <a:schemeClr val="dk1"/>
+          </a:effectRef>
+          <a:fontRef idx="minor">
+            <a:schemeClr val="dk1"/>
+          </a:fontRef>
+        </p:style>
+        <p:txBody>
+          <a:bodyPr lIns="0" tIns="0" rIns="0" bIns="0" rtlCol="0" anchor="ctr"/>
+          <a:lstStyle/>
+          <a:p>
+            <a:pPr algn="ctr"/>
+            <a:r>
+              <a:rPr lang="es-ES" b="1">
+                <a:solidFill>
+                  <a:srgbClr val="0070C0"/>
+                </a:solidFill>
+              </a:rPr>
+              <a:t>17</a:t>
+            </a:r>
+          </a:p>
+        </p:txBody>
+      </p:sp>
+      <p:sp>
+        <p:nvSpPr>
+          <p:cNvPr id="31" name="Rectángulo 30">
+            <a:extLst>
+              <a:ext uri="{FF2B5EF4-FFF2-40B4-BE49-F238E27FC236}">
+                <a16:creationId xmlns:a16="http://schemas.microsoft.com/office/drawing/2014/main" id="{784E32DE-9A13-4089-A44F-0EA7BB5706B8}"/>
+              </a:ext>
+            </a:extLst>
+          </p:cNvPr>
+          <p:cNvSpPr/>
+          <p:nvPr/>
+        </p:nvSpPr>
+        <p:spPr>
+          <a:xfrm>
+            <a:off x="3941828" y="2927542"/>
+            <a:ext cx="360000" cy="360000"/>
+          </a:xfrm>
+          <a:prstGeom prst="rect">
+            <a:avLst/>
+          </a:prstGeom>
+          <a:solidFill>
+            <a:srgbClr val="E8E8E8"/>
+          </a:solidFill>
+          <a:ln>
+            <a:solidFill>
+              <a:schemeClr val="bg1">
+                <a:lumMod val="75000"/>
+              </a:schemeClr>
+            </a:solidFill>
+          </a:ln>
+        </p:spPr>
+        <p:style>
+          <a:lnRef idx="2">
+            <a:schemeClr val="dk1"/>
+          </a:lnRef>
+          <a:fillRef idx="1">
+            <a:schemeClr val="lt1"/>
+          </a:fillRef>
+          <a:effectRef idx="0">
+            <a:schemeClr val="dk1"/>
+          </a:effectRef>
+          <a:fontRef idx="minor">
+            <a:schemeClr val="dk1"/>
+          </a:fontRef>
+        </p:style>
+        <p:txBody>
+          <a:bodyPr lIns="0" tIns="0" rIns="0" bIns="0" rtlCol="0" anchor="ctr"/>
+          <a:lstStyle/>
+          <a:p>
+            <a:pPr algn="ctr"/>
+            <a:r>
+              <a:rPr lang="es-ES" b="1">
+                <a:solidFill>
+                  <a:srgbClr val="DE7CC7"/>
+                </a:solidFill>
+              </a:rPr>
+              <a:t>18</a:t>
+            </a:r>
+          </a:p>
+        </p:txBody>
+      </p:sp>
+      <p:sp>
+        <p:nvSpPr>
+          <p:cNvPr id="32" name="Rectángulo 31">
+            <a:extLst>
+              <a:ext uri="{FF2B5EF4-FFF2-40B4-BE49-F238E27FC236}">
+                <a16:creationId xmlns:a16="http://schemas.microsoft.com/office/drawing/2014/main" id="{785D51FB-0732-4C15-A3F1-4E5180C3F80E}"/>
+              </a:ext>
+            </a:extLst>
+          </p:cNvPr>
+          <p:cNvSpPr/>
+          <p:nvPr/>
+        </p:nvSpPr>
+        <p:spPr>
+          <a:xfrm>
+            <a:off x="4298547" y="2927542"/>
+            <a:ext cx="360000" cy="360000"/>
+          </a:xfrm>
+          <a:prstGeom prst="rect">
+            <a:avLst/>
+          </a:prstGeom>
+          <a:solidFill>
+            <a:srgbClr val="E8E8E8"/>
+          </a:solidFill>
+          <a:ln>
+            <a:solidFill>
+              <a:schemeClr val="bg1">
+                <a:lumMod val="75000"/>
+              </a:schemeClr>
+            </a:solidFill>
+          </a:ln>
+        </p:spPr>
+        <p:style>
+          <a:lnRef idx="2">
+            <a:schemeClr val="dk1"/>
+          </a:lnRef>
+          <a:fillRef idx="1">
+            <a:schemeClr val="lt1"/>
+          </a:fillRef>
+          <a:effectRef idx="0">
+            <a:schemeClr val="dk1"/>
+          </a:effectRef>
+          <a:fontRef idx="minor">
+            <a:schemeClr val="dk1"/>
+          </a:fontRef>
+        </p:style>
+        <p:txBody>
+          <a:bodyPr lIns="0" tIns="0" rIns="0" bIns="0" rtlCol="0" anchor="ctr"/>
+          <a:lstStyle/>
+          <a:p>
+            <a:pPr algn="ctr"/>
+            <a:r>
+              <a:rPr lang="es-ES" b="1">
+                <a:solidFill>
+                  <a:srgbClr val="DE7CC7"/>
+                </a:solidFill>
+              </a:rPr>
+              <a:t>19</a:t>
+            </a:r>
+          </a:p>
+        </p:txBody>
+      </p:sp>
+      <p:sp>
+        <p:nvSpPr>
+          <p:cNvPr id="34" name="Rectángulo 33">
+            <a:extLst>
+              <a:ext uri="{FF2B5EF4-FFF2-40B4-BE49-F238E27FC236}">
+                <a16:creationId xmlns:a16="http://schemas.microsoft.com/office/drawing/2014/main" id="{950707A2-C9A6-4E6D-8D8B-36E0AD9CB47E}"/>
+              </a:ext>
+            </a:extLst>
+          </p:cNvPr>
+          <p:cNvSpPr/>
+          <p:nvPr/>
+        </p:nvSpPr>
+        <p:spPr>
           <a:xfrm>
             <a:off x="2158228" y="3288613"/>
-            <a:ext cx="2500319" cy="360000"/>
-            <a:chOff x="2178752" y="2215560"/>
-            <a:chExt cx="2500319" cy="360000"/>
-          </a:xfrm>
-        </p:grpSpPr>
-        <p:sp>
-          <p:nvSpPr>
-            <p:cNvPr id="34" name="Rectángulo 33">
-              <a:extLst>
-                <a:ext uri="{FF2B5EF4-FFF2-40B4-BE49-F238E27FC236}">
-                  <a16:creationId xmlns:a16="http://schemas.microsoft.com/office/drawing/2014/main" id="{950707A2-C9A6-4E6D-8D8B-36E0AD9CB47E}"/>
-                </a:ext>
-              </a:extLst>
-            </p:cNvPr>
-            <p:cNvSpPr/>
-            <p:nvPr/>
-          </p:nvSpPr>
-          <p:spPr>
-            <a:xfrm>
-              <a:off x="2178752" y="2215560"/>
-              <a:ext cx="360000" cy="360000"/>
-            </a:xfrm>
-            <a:prstGeom prst="rect">
-              <a:avLst/>
-            </a:prstGeom>
-          </p:spPr>
-          <p:style>
-            <a:lnRef idx="2">
-              <a:schemeClr val="dk1"/>
-            </a:lnRef>
-            <a:fillRef idx="1">
-              <a:schemeClr val="lt1"/>
-            </a:fillRef>
-            <a:effectRef idx="0">
-              <a:schemeClr val="dk1"/>
-            </a:effectRef>
-            <a:fontRef idx="minor">
-              <a:schemeClr val="dk1"/>
-            </a:fontRef>
-          </p:style>
-          <p:txBody>
-            <a:bodyPr lIns="0" tIns="0" rIns="0" bIns="0" rtlCol="0" anchor="ctr"/>
-            <a:lstStyle/>
-            <a:p>
-              <a:pPr algn="ctr"/>
-              <a:r>
-                <a:rPr lang="es-ES">
-                  <a:solidFill>
-                    <a:schemeClr val="tx1"/>
-                  </a:solidFill>
-                </a:rPr>
-                <a:t>20</a:t>
-              </a:r>
-            </a:p>
-          </p:txBody>
-        </p:sp>
-        <p:sp>
-          <p:nvSpPr>
-            <p:cNvPr id="35" name="Rectángulo 34">
-              <a:extLst>
-                <a:ext uri="{FF2B5EF4-FFF2-40B4-BE49-F238E27FC236}">
-                  <a16:creationId xmlns:a16="http://schemas.microsoft.com/office/drawing/2014/main" id="{36D0CB5D-A7E2-4467-ADEB-79F149656DF4}"/>
-                </a:ext>
-              </a:extLst>
-            </p:cNvPr>
-            <p:cNvSpPr/>
-            <p:nvPr/>
-          </p:nvSpPr>
-          <p:spPr>
-            <a:xfrm>
-              <a:off x="2535472" y="2215560"/>
-              <a:ext cx="360000" cy="360000"/>
-            </a:xfrm>
-            <a:prstGeom prst="rect">
-              <a:avLst/>
-            </a:prstGeom>
-          </p:spPr>
-          <p:style>
-            <a:lnRef idx="2">
-              <a:schemeClr val="dk1"/>
-            </a:lnRef>
-            <a:fillRef idx="1">
-              <a:schemeClr val="lt1"/>
-            </a:fillRef>
-            <a:effectRef idx="0">
-              <a:schemeClr val="dk1"/>
-            </a:effectRef>
-            <a:fontRef idx="minor">
-              <a:schemeClr val="dk1"/>
-            </a:fontRef>
-          </p:style>
-          <p:txBody>
-            <a:bodyPr lIns="0" tIns="0" rIns="0" bIns="0" rtlCol="0" anchor="ctr"/>
-            <a:lstStyle/>
-            <a:p>
-              <a:pPr algn="ctr"/>
-              <a:r>
-                <a:rPr lang="es-ES">
-                  <a:solidFill>
-                    <a:schemeClr val="tx1"/>
-                  </a:solidFill>
-                </a:rPr>
-                <a:t>21</a:t>
-              </a:r>
-            </a:p>
-          </p:txBody>
-        </p:sp>
-        <p:sp>
-          <p:nvSpPr>
-            <p:cNvPr id="36" name="Rectángulo 35">
-              <a:extLst>
-                <a:ext uri="{FF2B5EF4-FFF2-40B4-BE49-F238E27FC236}">
-                  <a16:creationId xmlns:a16="http://schemas.microsoft.com/office/drawing/2014/main" id="{CBF9D613-6F78-4E2C-9251-5D2905951366}"/>
-                </a:ext>
-              </a:extLst>
-            </p:cNvPr>
-            <p:cNvSpPr/>
-            <p:nvPr/>
-          </p:nvSpPr>
-          <p:spPr>
-            <a:xfrm>
-              <a:off x="2892192" y="2215560"/>
-              <a:ext cx="360000" cy="360000"/>
-            </a:xfrm>
-            <a:prstGeom prst="rect">
-              <a:avLst/>
-            </a:prstGeom>
-          </p:spPr>
-          <p:style>
-            <a:lnRef idx="2">
-              <a:schemeClr val="dk1"/>
-            </a:lnRef>
-            <a:fillRef idx="1">
-              <a:schemeClr val="lt1"/>
-            </a:fillRef>
-            <a:effectRef idx="0">
-              <a:schemeClr val="dk1"/>
-            </a:effectRef>
-            <a:fontRef idx="minor">
-              <a:schemeClr val="dk1"/>
-            </a:fontRef>
-          </p:style>
-          <p:txBody>
-            <a:bodyPr lIns="0" tIns="0" rIns="0" bIns="0" rtlCol="0" anchor="ctr"/>
-            <a:lstStyle/>
-            <a:p>
-              <a:pPr algn="ctr"/>
-              <a:r>
-                <a:rPr lang="es-ES">
-                  <a:solidFill>
-                    <a:schemeClr val="tx1"/>
-                  </a:solidFill>
-                </a:rPr>
-                <a:t>22</a:t>
-              </a:r>
-            </a:p>
-          </p:txBody>
-        </p:sp>
-        <p:sp>
-          <p:nvSpPr>
-            <p:cNvPr id="37" name="Rectángulo 36">
-              <a:extLst>
-                <a:ext uri="{FF2B5EF4-FFF2-40B4-BE49-F238E27FC236}">
-                  <a16:creationId xmlns:a16="http://schemas.microsoft.com/office/drawing/2014/main" id="{6BF20B56-12D6-469B-9CC5-047D5FDBDCBB}"/>
-                </a:ext>
-              </a:extLst>
-            </p:cNvPr>
-            <p:cNvSpPr/>
-            <p:nvPr/>
-          </p:nvSpPr>
-          <p:spPr>
-            <a:xfrm>
-              <a:off x="3248912" y="2215560"/>
-              <a:ext cx="360000" cy="360000"/>
-            </a:xfrm>
-            <a:prstGeom prst="rect">
-              <a:avLst/>
-            </a:prstGeom>
-          </p:spPr>
-          <p:style>
-            <a:lnRef idx="2">
-              <a:schemeClr val="dk1"/>
-            </a:lnRef>
-            <a:fillRef idx="1">
-              <a:schemeClr val="lt1"/>
-            </a:fillRef>
-            <a:effectRef idx="0">
-              <a:schemeClr val="dk1"/>
-            </a:effectRef>
-            <a:fontRef idx="minor">
-              <a:schemeClr val="dk1"/>
-            </a:fontRef>
-          </p:style>
-          <p:txBody>
-            <a:bodyPr lIns="0" tIns="0" rIns="0" bIns="0" rtlCol="0" anchor="ctr"/>
-            <a:lstStyle/>
-            <a:p>
-              <a:pPr algn="ctr"/>
-              <a:r>
-                <a:rPr lang="es-ES">
-                  <a:solidFill>
-                    <a:schemeClr val="tx1"/>
-                  </a:solidFill>
-                </a:rPr>
-                <a:t>23</a:t>
-              </a:r>
-            </a:p>
-          </p:txBody>
-        </p:sp>
-        <p:sp>
-          <p:nvSpPr>
-            <p:cNvPr id="38" name="Rectángulo 37">
-              <a:extLst>
-                <a:ext uri="{FF2B5EF4-FFF2-40B4-BE49-F238E27FC236}">
-                  <a16:creationId xmlns:a16="http://schemas.microsoft.com/office/drawing/2014/main" id="{5CE958B4-5C3D-4746-842E-03FE4FFFB03F}"/>
-                </a:ext>
-              </a:extLst>
-            </p:cNvPr>
-            <p:cNvSpPr/>
-            <p:nvPr/>
-          </p:nvSpPr>
-          <p:spPr>
-            <a:xfrm>
-              <a:off x="3605632" y="2215560"/>
-              <a:ext cx="360000" cy="360000"/>
-            </a:xfrm>
-            <a:prstGeom prst="rect">
-              <a:avLst/>
-            </a:prstGeom>
-          </p:spPr>
-          <p:style>
-            <a:lnRef idx="2">
-              <a:schemeClr val="dk1"/>
-            </a:lnRef>
-            <a:fillRef idx="1">
-              <a:schemeClr val="lt1"/>
-            </a:fillRef>
-            <a:effectRef idx="0">
-              <a:schemeClr val="dk1"/>
-            </a:effectRef>
-            <a:fontRef idx="minor">
-              <a:schemeClr val="dk1"/>
-            </a:fontRef>
-          </p:style>
-          <p:txBody>
-            <a:bodyPr lIns="0" tIns="0" rIns="0" bIns="0" rtlCol="0" anchor="ctr"/>
-            <a:lstStyle/>
-            <a:p>
-              <a:pPr algn="ctr"/>
-              <a:r>
-                <a:rPr lang="es-ES">
-                  <a:solidFill>
-                    <a:schemeClr val="tx1"/>
-                  </a:solidFill>
-                </a:rPr>
-                <a:t>24</a:t>
-              </a:r>
-            </a:p>
-          </p:txBody>
-        </p:sp>
-        <p:sp>
-          <p:nvSpPr>
-            <p:cNvPr id="39" name="Rectángulo 38">
-              <a:extLst>
-                <a:ext uri="{FF2B5EF4-FFF2-40B4-BE49-F238E27FC236}">
-                  <a16:creationId xmlns:a16="http://schemas.microsoft.com/office/drawing/2014/main" id="{60E1D4E5-07A0-463D-A6CC-B7F10F687832}"/>
-                </a:ext>
-              </a:extLst>
-            </p:cNvPr>
-            <p:cNvSpPr/>
-            <p:nvPr/>
-          </p:nvSpPr>
-          <p:spPr>
-            <a:xfrm>
-              <a:off x="3962352" y="2215560"/>
-              <a:ext cx="360000" cy="360000"/>
-            </a:xfrm>
-            <a:prstGeom prst="rect">
-              <a:avLst/>
-            </a:prstGeom>
-          </p:spPr>
-          <p:style>
-            <a:lnRef idx="2">
-              <a:schemeClr val="dk1"/>
-            </a:lnRef>
-            <a:fillRef idx="1">
-              <a:schemeClr val="lt1"/>
-            </a:fillRef>
-            <a:effectRef idx="0">
-              <a:schemeClr val="dk1"/>
-            </a:effectRef>
-            <a:fontRef idx="minor">
-              <a:schemeClr val="dk1"/>
-            </a:fontRef>
-          </p:style>
-          <p:txBody>
-            <a:bodyPr lIns="0" tIns="0" rIns="0" bIns="0" rtlCol="0" anchor="ctr"/>
-            <a:lstStyle/>
-            <a:p>
-              <a:pPr algn="ctr"/>
-              <a:r>
-                <a:rPr lang="es-ES">
-                  <a:solidFill>
-                    <a:schemeClr val="tx1"/>
-                  </a:solidFill>
-                </a:rPr>
-                <a:t>25</a:t>
-              </a:r>
-            </a:p>
-          </p:txBody>
-        </p:sp>
-        <p:sp>
-          <p:nvSpPr>
-            <p:cNvPr id="40" name="Rectángulo 39">
-              <a:extLst>
-                <a:ext uri="{FF2B5EF4-FFF2-40B4-BE49-F238E27FC236}">
-                  <a16:creationId xmlns:a16="http://schemas.microsoft.com/office/drawing/2014/main" id="{CBCC3E4A-9384-45D8-B463-659D4363F32D}"/>
-                </a:ext>
-              </a:extLst>
-            </p:cNvPr>
-            <p:cNvSpPr/>
-            <p:nvPr/>
-          </p:nvSpPr>
-          <p:spPr>
-            <a:xfrm>
-              <a:off x="4319071" y="2215560"/>
-              <a:ext cx="360000" cy="360000"/>
-            </a:xfrm>
-            <a:prstGeom prst="rect">
-              <a:avLst/>
-            </a:prstGeom>
-          </p:spPr>
-          <p:style>
-            <a:lnRef idx="2">
-              <a:schemeClr val="dk1"/>
-            </a:lnRef>
-            <a:fillRef idx="1">
-              <a:schemeClr val="lt1"/>
-            </a:fillRef>
-            <a:effectRef idx="0">
-              <a:schemeClr val="dk1"/>
-            </a:effectRef>
-            <a:fontRef idx="minor">
-              <a:schemeClr val="dk1"/>
-            </a:fontRef>
-          </p:style>
-          <p:txBody>
-            <a:bodyPr lIns="0" tIns="0" rIns="0" bIns="0" rtlCol="0" anchor="ctr"/>
-            <a:lstStyle/>
-            <a:p>
-              <a:pPr algn="ctr"/>
-              <a:r>
-                <a:rPr lang="es-ES">
-                  <a:solidFill>
-                    <a:schemeClr val="tx1"/>
-                  </a:solidFill>
-                </a:rPr>
-                <a:t>26</a:t>
-              </a:r>
-            </a:p>
-          </p:txBody>
-        </p:sp>
-      </p:grpSp>
-      <p:grpSp>
-        <p:nvGrpSpPr>
-          <p:cNvPr id="41" name="Grupo 40">
-            <a:extLst>
-              <a:ext uri="{FF2B5EF4-FFF2-40B4-BE49-F238E27FC236}">
-                <a16:creationId xmlns:a16="http://schemas.microsoft.com/office/drawing/2014/main" id="{D5AF4741-7258-4761-B033-01193CA279A9}"/>
-              </a:ext>
-            </a:extLst>
-          </p:cNvPr>
-          <p:cNvGrpSpPr/>
-          <p:nvPr/>
-        </p:nvGrpSpPr>
-        <p:grpSpPr>
+            <a:ext cx="360000" cy="360000"/>
+          </a:xfrm>
+          <a:prstGeom prst="rect">
+            <a:avLst/>
+          </a:prstGeom>
+          <a:solidFill>
+            <a:schemeClr val="bg1">
+              <a:lumMod val="95000"/>
+            </a:schemeClr>
+          </a:solidFill>
+          <a:ln>
+            <a:solidFill>
+              <a:schemeClr val="bg1">
+                <a:lumMod val="75000"/>
+              </a:schemeClr>
+            </a:solidFill>
+          </a:ln>
+        </p:spPr>
+        <p:style>
+          <a:lnRef idx="2">
+            <a:schemeClr val="dk1"/>
+          </a:lnRef>
+          <a:fillRef idx="1">
+            <a:schemeClr val="lt1"/>
+          </a:fillRef>
+          <a:effectRef idx="0">
+            <a:schemeClr val="dk1"/>
+          </a:effectRef>
+          <a:fontRef idx="minor">
+            <a:schemeClr val="dk1"/>
+          </a:fontRef>
+        </p:style>
+        <p:txBody>
+          <a:bodyPr lIns="0" tIns="0" rIns="0" bIns="0" rtlCol="0" anchor="ctr"/>
+          <a:lstStyle/>
+          <a:p>
+            <a:pPr algn="ctr"/>
+            <a:r>
+              <a:rPr lang="es-ES">
+                <a:solidFill>
+                  <a:schemeClr val="tx1"/>
+                </a:solidFill>
+              </a:rPr>
+              <a:t>20</a:t>
+            </a:r>
+          </a:p>
+        </p:txBody>
+      </p:sp>
+      <p:sp>
+        <p:nvSpPr>
+          <p:cNvPr id="35" name="Rectángulo 34">
+            <a:extLst>
+              <a:ext uri="{FF2B5EF4-FFF2-40B4-BE49-F238E27FC236}">
+                <a16:creationId xmlns:a16="http://schemas.microsoft.com/office/drawing/2014/main" id="{36D0CB5D-A7E2-4467-ADEB-79F149656DF4}"/>
+              </a:ext>
+            </a:extLst>
+          </p:cNvPr>
+          <p:cNvSpPr/>
+          <p:nvPr/>
+        </p:nvSpPr>
+        <p:spPr>
+          <a:xfrm>
+            <a:off x="2514948" y="3288613"/>
+            <a:ext cx="360000" cy="360000"/>
+          </a:xfrm>
+          <a:prstGeom prst="rect">
+            <a:avLst/>
+          </a:prstGeom>
+          <a:solidFill>
+            <a:schemeClr val="bg1">
+              <a:lumMod val="95000"/>
+            </a:schemeClr>
+          </a:solidFill>
+          <a:ln>
+            <a:solidFill>
+              <a:schemeClr val="bg1">
+                <a:lumMod val="75000"/>
+              </a:schemeClr>
+            </a:solidFill>
+          </a:ln>
+        </p:spPr>
+        <p:style>
+          <a:lnRef idx="2">
+            <a:schemeClr val="dk1"/>
+          </a:lnRef>
+          <a:fillRef idx="1">
+            <a:schemeClr val="lt1"/>
+          </a:fillRef>
+          <a:effectRef idx="0">
+            <a:schemeClr val="dk1"/>
+          </a:effectRef>
+          <a:fontRef idx="minor">
+            <a:schemeClr val="dk1"/>
+          </a:fontRef>
+        </p:style>
+        <p:txBody>
+          <a:bodyPr lIns="0" tIns="0" rIns="0" bIns="0" rtlCol="0" anchor="ctr"/>
+          <a:lstStyle/>
+          <a:p>
+            <a:pPr algn="ctr"/>
+            <a:r>
+              <a:rPr lang="es-ES">
+                <a:solidFill>
+                  <a:schemeClr val="tx1"/>
+                </a:solidFill>
+              </a:rPr>
+              <a:t>21</a:t>
+            </a:r>
+          </a:p>
+        </p:txBody>
+      </p:sp>
+      <p:sp>
+        <p:nvSpPr>
+          <p:cNvPr id="36" name="Rectángulo 35">
+            <a:extLst>
+              <a:ext uri="{FF2B5EF4-FFF2-40B4-BE49-F238E27FC236}">
+                <a16:creationId xmlns:a16="http://schemas.microsoft.com/office/drawing/2014/main" id="{CBF9D613-6F78-4E2C-9251-5D2905951366}"/>
+              </a:ext>
+            </a:extLst>
+          </p:cNvPr>
+          <p:cNvSpPr/>
+          <p:nvPr/>
+        </p:nvSpPr>
+        <p:spPr>
+          <a:xfrm>
+            <a:off x="2871668" y="3288613"/>
+            <a:ext cx="360000" cy="360000"/>
+          </a:xfrm>
+          <a:prstGeom prst="rect">
+            <a:avLst/>
+          </a:prstGeom>
+          <a:solidFill>
+            <a:schemeClr val="bg1">
+              <a:lumMod val="95000"/>
+            </a:schemeClr>
+          </a:solidFill>
+          <a:ln>
+            <a:solidFill>
+              <a:schemeClr val="bg1">
+                <a:lumMod val="75000"/>
+              </a:schemeClr>
+            </a:solidFill>
+          </a:ln>
+        </p:spPr>
+        <p:style>
+          <a:lnRef idx="2">
+            <a:schemeClr val="dk1"/>
+          </a:lnRef>
+          <a:fillRef idx="1">
+            <a:schemeClr val="lt1"/>
+          </a:fillRef>
+          <a:effectRef idx="0">
+            <a:schemeClr val="dk1"/>
+          </a:effectRef>
+          <a:fontRef idx="minor">
+            <a:schemeClr val="dk1"/>
+          </a:fontRef>
+        </p:style>
+        <p:txBody>
+          <a:bodyPr lIns="0" tIns="0" rIns="0" bIns="0" rtlCol="0" anchor="ctr"/>
+          <a:lstStyle/>
+          <a:p>
+            <a:pPr algn="ctr"/>
+            <a:r>
+              <a:rPr lang="es-ES">
+                <a:solidFill>
+                  <a:schemeClr val="tx1"/>
+                </a:solidFill>
+              </a:rPr>
+              <a:t>22</a:t>
+            </a:r>
+          </a:p>
+        </p:txBody>
+      </p:sp>
+      <p:sp>
+        <p:nvSpPr>
+          <p:cNvPr id="37" name="Rectángulo 36">
+            <a:extLst>
+              <a:ext uri="{FF2B5EF4-FFF2-40B4-BE49-F238E27FC236}">
+                <a16:creationId xmlns:a16="http://schemas.microsoft.com/office/drawing/2014/main" id="{6BF20B56-12D6-469B-9CC5-047D5FDBDCBB}"/>
+              </a:ext>
+            </a:extLst>
+          </p:cNvPr>
+          <p:cNvSpPr/>
+          <p:nvPr/>
+        </p:nvSpPr>
+        <p:spPr>
+          <a:xfrm>
+            <a:off x="3228388" y="3288613"/>
+            <a:ext cx="360000" cy="360000"/>
+          </a:xfrm>
+          <a:prstGeom prst="rect">
+            <a:avLst/>
+          </a:prstGeom>
+          <a:solidFill>
+            <a:schemeClr val="bg1">
+              <a:lumMod val="95000"/>
+            </a:schemeClr>
+          </a:solidFill>
+          <a:ln>
+            <a:solidFill>
+              <a:schemeClr val="bg1">
+                <a:lumMod val="75000"/>
+              </a:schemeClr>
+            </a:solidFill>
+          </a:ln>
+        </p:spPr>
+        <p:style>
+          <a:lnRef idx="2">
+            <a:schemeClr val="dk1"/>
+          </a:lnRef>
+          <a:fillRef idx="1">
+            <a:schemeClr val="lt1"/>
+          </a:fillRef>
+          <a:effectRef idx="0">
+            <a:schemeClr val="dk1"/>
+          </a:effectRef>
+          <a:fontRef idx="minor">
+            <a:schemeClr val="dk1"/>
+          </a:fontRef>
+        </p:style>
+        <p:txBody>
+          <a:bodyPr lIns="0" tIns="0" rIns="0" bIns="0" rtlCol="0" anchor="ctr"/>
+          <a:lstStyle/>
+          <a:p>
+            <a:pPr algn="ctr"/>
+            <a:r>
+              <a:rPr lang="es-ES">
+                <a:solidFill>
+                  <a:schemeClr val="tx1"/>
+                </a:solidFill>
+              </a:rPr>
+              <a:t>23</a:t>
+            </a:r>
+          </a:p>
+        </p:txBody>
+      </p:sp>
+      <p:sp>
+        <p:nvSpPr>
+          <p:cNvPr id="38" name="Rectángulo 37">
+            <a:extLst>
+              <a:ext uri="{FF2B5EF4-FFF2-40B4-BE49-F238E27FC236}">
+                <a16:creationId xmlns:a16="http://schemas.microsoft.com/office/drawing/2014/main" id="{5CE958B4-5C3D-4746-842E-03FE4FFFB03F}"/>
+              </a:ext>
+            </a:extLst>
+          </p:cNvPr>
+          <p:cNvSpPr/>
+          <p:nvPr/>
+        </p:nvSpPr>
+        <p:spPr>
+          <a:xfrm>
+            <a:off x="3585108" y="3288613"/>
+            <a:ext cx="360000" cy="360000"/>
+          </a:xfrm>
+          <a:prstGeom prst="rect">
+            <a:avLst/>
+          </a:prstGeom>
+          <a:solidFill>
+            <a:schemeClr val="bg1">
+              <a:lumMod val="95000"/>
+            </a:schemeClr>
+          </a:solidFill>
+          <a:ln>
+            <a:solidFill>
+              <a:schemeClr val="bg1">
+                <a:lumMod val="75000"/>
+              </a:schemeClr>
+            </a:solidFill>
+          </a:ln>
+        </p:spPr>
+        <p:style>
+          <a:lnRef idx="2">
+            <a:schemeClr val="dk1"/>
+          </a:lnRef>
+          <a:fillRef idx="1">
+            <a:schemeClr val="lt1"/>
+          </a:fillRef>
+          <a:effectRef idx="0">
+            <a:schemeClr val="dk1"/>
+          </a:effectRef>
+          <a:fontRef idx="minor">
+            <a:schemeClr val="dk1"/>
+          </a:fontRef>
+        </p:style>
+        <p:txBody>
+          <a:bodyPr lIns="0" tIns="0" rIns="0" bIns="0" rtlCol="0" anchor="ctr"/>
+          <a:lstStyle/>
+          <a:p>
+            <a:pPr algn="ctr"/>
+            <a:r>
+              <a:rPr lang="es-ES">
+                <a:solidFill>
+                  <a:schemeClr val="tx1"/>
+                </a:solidFill>
+              </a:rPr>
+              <a:t>24</a:t>
+            </a:r>
+          </a:p>
+        </p:txBody>
+      </p:sp>
+      <p:sp>
+        <p:nvSpPr>
+          <p:cNvPr id="39" name="Rectángulo 38">
+            <a:extLst>
+              <a:ext uri="{FF2B5EF4-FFF2-40B4-BE49-F238E27FC236}">
+                <a16:creationId xmlns:a16="http://schemas.microsoft.com/office/drawing/2014/main" id="{60E1D4E5-07A0-463D-A6CC-B7F10F687832}"/>
+              </a:ext>
+            </a:extLst>
+          </p:cNvPr>
+          <p:cNvSpPr/>
+          <p:nvPr/>
+        </p:nvSpPr>
+        <p:spPr>
+          <a:xfrm>
+            <a:off x="3941828" y="3288613"/>
+            <a:ext cx="360000" cy="360000"/>
+          </a:xfrm>
+          <a:prstGeom prst="rect">
+            <a:avLst/>
+          </a:prstGeom>
+          <a:solidFill>
+            <a:srgbClr val="E8E8E8"/>
+          </a:solidFill>
+          <a:ln>
+            <a:solidFill>
+              <a:schemeClr val="bg1">
+                <a:lumMod val="75000"/>
+              </a:schemeClr>
+            </a:solidFill>
+          </a:ln>
+        </p:spPr>
+        <p:style>
+          <a:lnRef idx="2">
+            <a:schemeClr val="dk1"/>
+          </a:lnRef>
+          <a:fillRef idx="1">
+            <a:schemeClr val="lt1"/>
+          </a:fillRef>
+          <a:effectRef idx="0">
+            <a:schemeClr val="dk1"/>
+          </a:effectRef>
+          <a:fontRef idx="minor">
+            <a:schemeClr val="dk1"/>
+          </a:fontRef>
+        </p:style>
+        <p:txBody>
+          <a:bodyPr lIns="0" tIns="0" rIns="0" bIns="0" rtlCol="0" anchor="ctr"/>
+          <a:lstStyle/>
+          <a:p>
+            <a:pPr algn="ctr"/>
+            <a:r>
+              <a:rPr lang="es-ES">
+                <a:solidFill>
+                  <a:schemeClr val="tx1"/>
+                </a:solidFill>
+              </a:rPr>
+              <a:t>25</a:t>
+            </a:r>
+          </a:p>
+        </p:txBody>
+      </p:sp>
+      <p:sp>
+        <p:nvSpPr>
+          <p:cNvPr id="40" name="Rectángulo 39">
+            <a:extLst>
+              <a:ext uri="{FF2B5EF4-FFF2-40B4-BE49-F238E27FC236}">
+                <a16:creationId xmlns:a16="http://schemas.microsoft.com/office/drawing/2014/main" id="{CBCC3E4A-9384-45D8-B463-659D4363F32D}"/>
+              </a:ext>
+            </a:extLst>
+          </p:cNvPr>
+          <p:cNvSpPr/>
+          <p:nvPr/>
+        </p:nvSpPr>
+        <p:spPr>
+          <a:xfrm>
+            <a:off x="4298547" y="3288613"/>
+            <a:ext cx="360000" cy="360000"/>
+          </a:xfrm>
+          <a:prstGeom prst="rect">
+            <a:avLst/>
+          </a:prstGeom>
+          <a:solidFill>
+            <a:srgbClr val="E8E8E8"/>
+          </a:solidFill>
+          <a:ln>
+            <a:solidFill>
+              <a:schemeClr val="bg1">
+                <a:lumMod val="75000"/>
+              </a:schemeClr>
+            </a:solidFill>
+          </a:ln>
+        </p:spPr>
+        <p:style>
+          <a:lnRef idx="2">
+            <a:schemeClr val="dk1"/>
+          </a:lnRef>
+          <a:fillRef idx="1">
+            <a:schemeClr val="lt1"/>
+          </a:fillRef>
+          <a:effectRef idx="0">
+            <a:schemeClr val="dk1"/>
+          </a:effectRef>
+          <a:fontRef idx="minor">
+            <a:schemeClr val="dk1"/>
+          </a:fontRef>
+        </p:style>
+        <p:txBody>
+          <a:bodyPr lIns="0" tIns="0" rIns="0" bIns="0" rtlCol="0" anchor="ctr"/>
+          <a:lstStyle/>
+          <a:p>
+            <a:pPr algn="ctr"/>
+            <a:r>
+              <a:rPr lang="es-ES">
+                <a:solidFill>
+                  <a:schemeClr val="tx1"/>
+                </a:solidFill>
+              </a:rPr>
+              <a:t>26</a:t>
+            </a:r>
+          </a:p>
+        </p:txBody>
+      </p:sp>
+      <p:sp>
+        <p:nvSpPr>
+          <p:cNvPr id="42" name="Rectángulo 41">
+            <a:extLst>
+              <a:ext uri="{FF2B5EF4-FFF2-40B4-BE49-F238E27FC236}">
+                <a16:creationId xmlns:a16="http://schemas.microsoft.com/office/drawing/2014/main" id="{8B1576A4-2A20-4655-82F5-A6F11BAD96CD}"/>
+              </a:ext>
+            </a:extLst>
+          </p:cNvPr>
+          <p:cNvSpPr/>
+          <p:nvPr/>
+        </p:nvSpPr>
+        <p:spPr>
           <a:xfrm>
             <a:off x="2158228" y="3649682"/>
-            <a:ext cx="2500319" cy="360000"/>
-            <a:chOff x="2178752" y="2215560"/>
-            <a:chExt cx="2500319" cy="360000"/>
-          </a:xfrm>
-        </p:grpSpPr>
-        <p:sp>
-          <p:nvSpPr>
-            <p:cNvPr id="42" name="Rectángulo 41">
-              <a:extLst>
-                <a:ext uri="{FF2B5EF4-FFF2-40B4-BE49-F238E27FC236}">
-                  <a16:creationId xmlns:a16="http://schemas.microsoft.com/office/drawing/2014/main" id="{8B1576A4-2A20-4655-82F5-A6F11BAD96CD}"/>
-                </a:ext>
-              </a:extLst>
-            </p:cNvPr>
-            <p:cNvSpPr/>
-            <p:nvPr/>
-          </p:nvSpPr>
-          <p:spPr>
-            <a:xfrm>
-              <a:off x="2178752" y="2215560"/>
-              <a:ext cx="360000" cy="360000"/>
-            </a:xfrm>
-            <a:prstGeom prst="rect">
-              <a:avLst/>
-            </a:prstGeom>
-          </p:spPr>
-          <p:style>
-            <a:lnRef idx="2">
-              <a:schemeClr val="dk1"/>
-            </a:lnRef>
-            <a:fillRef idx="1">
-              <a:schemeClr val="lt1"/>
-            </a:fillRef>
-            <a:effectRef idx="0">
-              <a:schemeClr val="dk1"/>
-            </a:effectRef>
-            <a:fontRef idx="minor">
-              <a:schemeClr val="dk1"/>
-            </a:fontRef>
-          </p:style>
-          <p:txBody>
-            <a:bodyPr lIns="0" tIns="0" rIns="0" bIns="0" rtlCol="0" anchor="ctr"/>
-            <a:lstStyle/>
-            <a:p>
-              <a:pPr algn="ctr"/>
-              <a:r>
-                <a:rPr lang="es-ES">
-                  <a:solidFill>
-                    <a:schemeClr val="tx1"/>
-                  </a:solidFill>
-                </a:rPr>
-                <a:t>27</a:t>
-              </a:r>
-            </a:p>
-          </p:txBody>
-        </p:sp>
-        <p:sp>
-          <p:nvSpPr>
-            <p:cNvPr id="43" name="Rectángulo 42">
-              <a:extLst>
-                <a:ext uri="{FF2B5EF4-FFF2-40B4-BE49-F238E27FC236}">
-                  <a16:creationId xmlns:a16="http://schemas.microsoft.com/office/drawing/2014/main" id="{B7092948-9C68-42F3-B076-100CE6CC5835}"/>
-                </a:ext>
-              </a:extLst>
-            </p:cNvPr>
-            <p:cNvSpPr/>
-            <p:nvPr/>
-          </p:nvSpPr>
-          <p:spPr>
-            <a:xfrm>
-              <a:off x="2535472" y="2215560"/>
-              <a:ext cx="360000" cy="360000"/>
-            </a:xfrm>
-            <a:prstGeom prst="rect">
-              <a:avLst/>
-            </a:prstGeom>
-          </p:spPr>
-          <p:style>
-            <a:lnRef idx="2">
-              <a:schemeClr val="dk1"/>
-            </a:lnRef>
-            <a:fillRef idx="1">
-              <a:schemeClr val="lt1"/>
-            </a:fillRef>
-            <a:effectRef idx="0">
-              <a:schemeClr val="dk1"/>
-            </a:effectRef>
-            <a:fontRef idx="minor">
-              <a:schemeClr val="dk1"/>
-            </a:fontRef>
-          </p:style>
-          <p:txBody>
-            <a:bodyPr lIns="0" tIns="0" rIns="0" bIns="0" rtlCol="0" anchor="ctr"/>
-            <a:lstStyle/>
-            <a:p>
-              <a:pPr algn="ctr"/>
-              <a:r>
-                <a:rPr lang="es-ES">
-                  <a:solidFill>
-                    <a:schemeClr val="tx1"/>
-                  </a:solidFill>
-                </a:rPr>
-                <a:t>28</a:t>
-              </a:r>
-            </a:p>
-          </p:txBody>
-        </p:sp>
-        <p:sp>
-          <p:nvSpPr>
-            <p:cNvPr id="44" name="Rectángulo 43">
-              <a:extLst>
-                <a:ext uri="{FF2B5EF4-FFF2-40B4-BE49-F238E27FC236}">
-                  <a16:creationId xmlns:a16="http://schemas.microsoft.com/office/drawing/2014/main" id="{573B7FC7-D535-48C1-85E8-073E2A7ACF3C}"/>
-                </a:ext>
-              </a:extLst>
-            </p:cNvPr>
-            <p:cNvSpPr/>
-            <p:nvPr/>
-          </p:nvSpPr>
-          <p:spPr>
-            <a:xfrm>
-              <a:off x="2892192" y="2215560"/>
-              <a:ext cx="360000" cy="360000"/>
-            </a:xfrm>
-            <a:prstGeom prst="rect">
-              <a:avLst/>
-            </a:prstGeom>
-          </p:spPr>
-          <p:style>
-            <a:lnRef idx="2">
-              <a:schemeClr val="dk1"/>
-            </a:lnRef>
-            <a:fillRef idx="1">
-              <a:schemeClr val="lt1"/>
-            </a:fillRef>
-            <a:effectRef idx="0">
-              <a:schemeClr val="dk1"/>
-            </a:effectRef>
-            <a:fontRef idx="minor">
-              <a:schemeClr val="dk1"/>
-            </a:fontRef>
-          </p:style>
-          <p:txBody>
-            <a:bodyPr lIns="0" tIns="0" rIns="0" bIns="0" rtlCol="0" anchor="ctr"/>
-            <a:lstStyle/>
-            <a:p>
-              <a:pPr algn="ctr"/>
-              <a:r>
-                <a:rPr lang="es-ES">
-                  <a:solidFill>
-                    <a:schemeClr val="tx1"/>
-                  </a:solidFill>
-                </a:rPr>
-                <a:t>29</a:t>
-              </a:r>
-            </a:p>
-          </p:txBody>
-        </p:sp>
-        <p:sp>
-          <p:nvSpPr>
-            <p:cNvPr id="45" name="Rectángulo 44">
-              <a:extLst>
-                <a:ext uri="{FF2B5EF4-FFF2-40B4-BE49-F238E27FC236}">
-                  <a16:creationId xmlns:a16="http://schemas.microsoft.com/office/drawing/2014/main" id="{953CFFB5-32EE-4A4A-87EE-1B7E7271C1BD}"/>
-                </a:ext>
-              </a:extLst>
-            </p:cNvPr>
-            <p:cNvSpPr/>
-            <p:nvPr/>
-          </p:nvSpPr>
-          <p:spPr>
-            <a:xfrm>
-              <a:off x="3248912" y="2215560"/>
-              <a:ext cx="360000" cy="360000"/>
-            </a:xfrm>
-            <a:prstGeom prst="rect">
-              <a:avLst/>
-            </a:prstGeom>
-          </p:spPr>
-          <p:style>
-            <a:lnRef idx="2">
-              <a:schemeClr val="dk1"/>
-            </a:lnRef>
-            <a:fillRef idx="1">
-              <a:schemeClr val="lt1"/>
-            </a:fillRef>
-            <a:effectRef idx="0">
-              <a:schemeClr val="dk1"/>
-            </a:effectRef>
-            <a:fontRef idx="minor">
-              <a:schemeClr val="dk1"/>
-            </a:fontRef>
-          </p:style>
-          <p:txBody>
-            <a:bodyPr lIns="0" tIns="0" rIns="0" bIns="0" rtlCol="0" anchor="ctr"/>
-            <a:lstStyle/>
-            <a:p>
-              <a:pPr algn="ctr"/>
-              <a:r>
-                <a:rPr lang="es-ES">
-                  <a:solidFill>
-                    <a:schemeClr val="tx1"/>
-                  </a:solidFill>
-                </a:rPr>
-                <a:t>30</a:t>
-              </a:r>
-            </a:p>
-          </p:txBody>
-        </p:sp>
-        <p:sp>
-          <p:nvSpPr>
-            <p:cNvPr id="46" name="Rectángulo 45">
-              <a:extLst>
-                <a:ext uri="{FF2B5EF4-FFF2-40B4-BE49-F238E27FC236}">
-                  <a16:creationId xmlns:a16="http://schemas.microsoft.com/office/drawing/2014/main" id="{7D49B377-8DF1-4558-B273-64C9E153EA31}"/>
-                </a:ext>
-              </a:extLst>
-            </p:cNvPr>
-            <p:cNvSpPr/>
-            <p:nvPr/>
-          </p:nvSpPr>
-          <p:spPr>
-            <a:xfrm>
-              <a:off x="3605632" y="2215560"/>
-              <a:ext cx="360000" cy="360000"/>
-            </a:xfrm>
-            <a:prstGeom prst="rect">
-              <a:avLst/>
-            </a:prstGeom>
-          </p:spPr>
-          <p:style>
-            <a:lnRef idx="2">
-              <a:schemeClr val="dk1"/>
-            </a:lnRef>
-            <a:fillRef idx="1">
-              <a:schemeClr val="lt1"/>
-            </a:fillRef>
-            <a:effectRef idx="0">
-              <a:schemeClr val="dk1"/>
-            </a:effectRef>
-            <a:fontRef idx="minor">
-              <a:schemeClr val="dk1"/>
-            </a:fontRef>
-          </p:style>
-          <p:txBody>
-            <a:bodyPr lIns="0" tIns="0" rIns="0" bIns="0" rtlCol="0" anchor="ctr"/>
-            <a:lstStyle/>
-            <a:p>
-              <a:pPr algn="ctr"/>
-              <a:r>
-                <a:rPr lang="es-ES">
-                  <a:solidFill>
-                    <a:schemeClr val="tx1"/>
-                  </a:solidFill>
-                </a:rPr>
-                <a:t>31</a:t>
-              </a:r>
-            </a:p>
-          </p:txBody>
-        </p:sp>
-        <p:sp>
-          <p:nvSpPr>
-            <p:cNvPr id="47" name="Rectángulo 46">
-              <a:extLst>
-                <a:ext uri="{FF2B5EF4-FFF2-40B4-BE49-F238E27FC236}">
-                  <a16:creationId xmlns:a16="http://schemas.microsoft.com/office/drawing/2014/main" id="{5036ACED-295C-4E20-ADD9-8C420EE567AF}"/>
-                </a:ext>
-              </a:extLst>
-            </p:cNvPr>
-            <p:cNvSpPr/>
-            <p:nvPr/>
-          </p:nvSpPr>
-          <p:spPr>
-            <a:xfrm>
-              <a:off x="3962352" y="2215560"/>
-              <a:ext cx="360000" cy="360000"/>
-            </a:xfrm>
-            <a:prstGeom prst="rect">
-              <a:avLst/>
-            </a:prstGeom>
-          </p:spPr>
-          <p:style>
-            <a:lnRef idx="2">
-              <a:schemeClr val="dk1"/>
-            </a:lnRef>
-            <a:fillRef idx="1">
-              <a:schemeClr val="lt1"/>
-            </a:fillRef>
-            <a:effectRef idx="0">
-              <a:schemeClr val="dk1"/>
-            </a:effectRef>
-            <a:fontRef idx="minor">
-              <a:schemeClr val="dk1"/>
-            </a:fontRef>
-          </p:style>
-          <p:txBody>
-            <a:bodyPr lIns="0" tIns="0" rIns="0" bIns="0" rtlCol="0" anchor="ctr"/>
-            <a:lstStyle/>
-            <a:p>
-              <a:pPr algn="ctr"/>
-              <a:r>
-                <a:rPr lang="es-ES">
-                  <a:solidFill>
-                    <a:schemeClr val="bg1">
-                      <a:lumMod val="85000"/>
-                    </a:schemeClr>
-                  </a:solidFill>
-                </a:rPr>
-                <a:t>1</a:t>
-              </a:r>
-            </a:p>
-          </p:txBody>
-        </p:sp>
-        <p:sp>
-          <p:nvSpPr>
-            <p:cNvPr id="48" name="Rectángulo 47">
-              <a:extLst>
-                <a:ext uri="{FF2B5EF4-FFF2-40B4-BE49-F238E27FC236}">
-                  <a16:creationId xmlns:a16="http://schemas.microsoft.com/office/drawing/2014/main" id="{B0BA4FDF-492E-417C-BD49-A7F7BA7C6BE5}"/>
-                </a:ext>
-              </a:extLst>
-            </p:cNvPr>
-            <p:cNvSpPr/>
-            <p:nvPr/>
-          </p:nvSpPr>
-          <p:spPr>
-            <a:xfrm>
-              <a:off x="4319071" y="2215560"/>
-              <a:ext cx="360000" cy="360000"/>
-            </a:xfrm>
-            <a:prstGeom prst="rect">
-              <a:avLst/>
-            </a:prstGeom>
-          </p:spPr>
-          <p:style>
-            <a:lnRef idx="2">
-              <a:schemeClr val="dk1"/>
-            </a:lnRef>
-            <a:fillRef idx="1">
-              <a:schemeClr val="lt1"/>
-            </a:fillRef>
-            <a:effectRef idx="0">
-              <a:schemeClr val="dk1"/>
-            </a:effectRef>
-            <a:fontRef idx="minor">
-              <a:schemeClr val="dk1"/>
-            </a:fontRef>
-          </p:style>
-          <p:txBody>
-            <a:bodyPr lIns="0" tIns="0" rIns="0" bIns="0" rtlCol="0" anchor="ctr"/>
-            <a:lstStyle/>
-            <a:p>
-              <a:pPr algn="ctr"/>
-              <a:r>
-                <a:rPr lang="es-ES">
-                  <a:solidFill>
-                    <a:schemeClr val="bg1">
-                      <a:lumMod val="85000"/>
-                    </a:schemeClr>
-                  </a:solidFill>
-                </a:rPr>
-                <a:t>2</a:t>
-              </a:r>
-            </a:p>
-          </p:txBody>
-        </p:sp>
-      </p:grpSp>
+            <a:ext cx="360000" cy="360000"/>
+          </a:xfrm>
+          <a:prstGeom prst="rect">
+            <a:avLst/>
+          </a:prstGeom>
+          <a:solidFill>
+            <a:schemeClr val="bg1">
+              <a:lumMod val="95000"/>
+            </a:schemeClr>
+          </a:solidFill>
+          <a:ln>
+            <a:solidFill>
+              <a:schemeClr val="bg1">
+                <a:lumMod val="75000"/>
+              </a:schemeClr>
+            </a:solidFill>
+          </a:ln>
+        </p:spPr>
+        <p:style>
+          <a:lnRef idx="2">
+            <a:schemeClr val="dk1"/>
+          </a:lnRef>
+          <a:fillRef idx="1">
+            <a:schemeClr val="lt1"/>
+          </a:fillRef>
+          <a:effectRef idx="0">
+            <a:schemeClr val="dk1"/>
+          </a:effectRef>
+          <a:fontRef idx="minor">
+            <a:schemeClr val="dk1"/>
+          </a:fontRef>
+        </p:style>
+        <p:txBody>
+          <a:bodyPr lIns="0" tIns="0" rIns="0" bIns="0" rtlCol="0" anchor="ctr"/>
+          <a:lstStyle/>
+          <a:p>
+            <a:pPr algn="ctr"/>
+            <a:r>
+              <a:rPr lang="es-ES">
+                <a:solidFill>
+                  <a:schemeClr val="tx1"/>
+                </a:solidFill>
+              </a:rPr>
+              <a:t>27</a:t>
+            </a:r>
+          </a:p>
+        </p:txBody>
+      </p:sp>
+      <p:sp>
+        <p:nvSpPr>
+          <p:cNvPr id="43" name="Rectángulo 42">
+            <a:extLst>
+              <a:ext uri="{FF2B5EF4-FFF2-40B4-BE49-F238E27FC236}">
+                <a16:creationId xmlns:a16="http://schemas.microsoft.com/office/drawing/2014/main" id="{B7092948-9C68-42F3-B076-100CE6CC5835}"/>
+              </a:ext>
+            </a:extLst>
+          </p:cNvPr>
+          <p:cNvSpPr/>
+          <p:nvPr/>
+        </p:nvSpPr>
+        <p:spPr>
+          <a:xfrm>
+            <a:off x="2514948" y="3649682"/>
+            <a:ext cx="360000" cy="360000"/>
+          </a:xfrm>
+          <a:prstGeom prst="rect">
+            <a:avLst/>
+          </a:prstGeom>
+          <a:solidFill>
+            <a:schemeClr val="bg1">
+              <a:lumMod val="95000"/>
+            </a:schemeClr>
+          </a:solidFill>
+          <a:ln>
+            <a:solidFill>
+              <a:schemeClr val="bg1">
+                <a:lumMod val="75000"/>
+              </a:schemeClr>
+            </a:solidFill>
+          </a:ln>
+        </p:spPr>
+        <p:style>
+          <a:lnRef idx="2">
+            <a:schemeClr val="dk1"/>
+          </a:lnRef>
+          <a:fillRef idx="1">
+            <a:schemeClr val="lt1"/>
+          </a:fillRef>
+          <a:effectRef idx="0">
+            <a:schemeClr val="dk1"/>
+          </a:effectRef>
+          <a:fontRef idx="minor">
+            <a:schemeClr val="dk1"/>
+          </a:fontRef>
+        </p:style>
+        <p:txBody>
+          <a:bodyPr lIns="0" tIns="0" rIns="0" bIns="0" rtlCol="0" anchor="ctr"/>
+          <a:lstStyle/>
+          <a:p>
+            <a:pPr algn="ctr"/>
+            <a:r>
+              <a:rPr lang="es-ES">
+                <a:solidFill>
+                  <a:schemeClr val="tx1"/>
+                </a:solidFill>
+              </a:rPr>
+              <a:t>28</a:t>
+            </a:r>
+          </a:p>
+        </p:txBody>
+      </p:sp>
+      <p:sp>
+        <p:nvSpPr>
+          <p:cNvPr id="44" name="Rectángulo 43">
+            <a:extLst>
+              <a:ext uri="{FF2B5EF4-FFF2-40B4-BE49-F238E27FC236}">
+                <a16:creationId xmlns:a16="http://schemas.microsoft.com/office/drawing/2014/main" id="{573B7FC7-D535-48C1-85E8-073E2A7ACF3C}"/>
+              </a:ext>
+            </a:extLst>
+          </p:cNvPr>
+          <p:cNvSpPr/>
+          <p:nvPr/>
+        </p:nvSpPr>
+        <p:spPr>
+          <a:xfrm>
+            <a:off x="2871668" y="3649682"/>
+            <a:ext cx="360000" cy="360000"/>
+          </a:xfrm>
+          <a:prstGeom prst="rect">
+            <a:avLst/>
+          </a:prstGeom>
+          <a:solidFill>
+            <a:schemeClr val="bg1">
+              <a:lumMod val="95000"/>
+            </a:schemeClr>
+          </a:solidFill>
+          <a:ln>
+            <a:solidFill>
+              <a:schemeClr val="bg1">
+                <a:lumMod val="75000"/>
+              </a:schemeClr>
+            </a:solidFill>
+          </a:ln>
+        </p:spPr>
+        <p:style>
+          <a:lnRef idx="2">
+            <a:schemeClr val="dk1"/>
+          </a:lnRef>
+          <a:fillRef idx="1">
+            <a:schemeClr val="lt1"/>
+          </a:fillRef>
+          <a:effectRef idx="0">
+            <a:schemeClr val="dk1"/>
+          </a:effectRef>
+          <a:fontRef idx="minor">
+            <a:schemeClr val="dk1"/>
+          </a:fontRef>
+        </p:style>
+        <p:txBody>
+          <a:bodyPr lIns="0" tIns="0" rIns="0" bIns="0" rtlCol="0" anchor="ctr"/>
+          <a:lstStyle/>
+          <a:p>
+            <a:pPr algn="ctr"/>
+            <a:r>
+              <a:rPr lang="es-ES">
+                <a:solidFill>
+                  <a:schemeClr val="tx1"/>
+                </a:solidFill>
+              </a:rPr>
+              <a:t>29</a:t>
+            </a:r>
+          </a:p>
+        </p:txBody>
+      </p:sp>
+      <p:sp>
+        <p:nvSpPr>
+          <p:cNvPr id="45" name="Rectángulo 44">
+            <a:extLst>
+              <a:ext uri="{FF2B5EF4-FFF2-40B4-BE49-F238E27FC236}">
+                <a16:creationId xmlns:a16="http://schemas.microsoft.com/office/drawing/2014/main" id="{953CFFB5-32EE-4A4A-87EE-1B7E7271C1BD}"/>
+              </a:ext>
+            </a:extLst>
+          </p:cNvPr>
+          <p:cNvSpPr/>
+          <p:nvPr/>
+        </p:nvSpPr>
+        <p:spPr>
+          <a:xfrm>
+            <a:off x="3228388" y="3649682"/>
+            <a:ext cx="360000" cy="360000"/>
+          </a:xfrm>
+          <a:prstGeom prst="rect">
+            <a:avLst/>
+          </a:prstGeom>
+          <a:solidFill>
+            <a:schemeClr val="bg1">
+              <a:lumMod val="95000"/>
+            </a:schemeClr>
+          </a:solidFill>
+          <a:ln>
+            <a:solidFill>
+              <a:schemeClr val="bg1">
+                <a:lumMod val="75000"/>
+              </a:schemeClr>
+            </a:solidFill>
+          </a:ln>
+        </p:spPr>
+        <p:style>
+          <a:lnRef idx="2">
+            <a:schemeClr val="dk1"/>
+          </a:lnRef>
+          <a:fillRef idx="1">
+            <a:schemeClr val="lt1"/>
+          </a:fillRef>
+          <a:effectRef idx="0">
+            <a:schemeClr val="dk1"/>
+          </a:effectRef>
+          <a:fontRef idx="minor">
+            <a:schemeClr val="dk1"/>
+          </a:fontRef>
+        </p:style>
+        <p:txBody>
+          <a:bodyPr lIns="0" tIns="0" rIns="0" bIns="0" rtlCol="0" anchor="ctr"/>
+          <a:lstStyle/>
+          <a:p>
+            <a:pPr algn="ctr"/>
+            <a:r>
+              <a:rPr lang="es-ES">
+                <a:solidFill>
+                  <a:schemeClr val="tx1"/>
+                </a:solidFill>
+              </a:rPr>
+              <a:t>30</a:t>
+            </a:r>
+          </a:p>
+        </p:txBody>
+      </p:sp>
+      <p:sp>
+        <p:nvSpPr>
+          <p:cNvPr id="46" name="Rectángulo 45">
+            <a:extLst>
+              <a:ext uri="{FF2B5EF4-FFF2-40B4-BE49-F238E27FC236}">
+                <a16:creationId xmlns:a16="http://schemas.microsoft.com/office/drawing/2014/main" id="{7D49B377-8DF1-4558-B273-64C9E153EA31}"/>
+              </a:ext>
+            </a:extLst>
+          </p:cNvPr>
+          <p:cNvSpPr/>
+          <p:nvPr/>
+        </p:nvSpPr>
+        <p:spPr>
+          <a:xfrm>
+            <a:off x="3585108" y="3649682"/>
+            <a:ext cx="360000" cy="360000"/>
+          </a:xfrm>
+          <a:prstGeom prst="rect">
+            <a:avLst/>
+          </a:prstGeom>
+          <a:solidFill>
+            <a:schemeClr val="bg1">
+              <a:lumMod val="95000"/>
+            </a:schemeClr>
+          </a:solidFill>
+          <a:ln>
+            <a:solidFill>
+              <a:schemeClr val="bg1">
+                <a:lumMod val="75000"/>
+              </a:schemeClr>
+            </a:solidFill>
+          </a:ln>
+        </p:spPr>
+        <p:style>
+          <a:lnRef idx="2">
+            <a:schemeClr val="dk1"/>
+          </a:lnRef>
+          <a:fillRef idx="1">
+            <a:schemeClr val="lt1"/>
+          </a:fillRef>
+          <a:effectRef idx="0">
+            <a:schemeClr val="dk1"/>
+          </a:effectRef>
+          <a:fontRef idx="minor">
+            <a:schemeClr val="dk1"/>
+          </a:fontRef>
+        </p:style>
+        <p:txBody>
+          <a:bodyPr lIns="0" tIns="0" rIns="0" bIns="0" rtlCol="0" anchor="ctr"/>
+          <a:lstStyle/>
+          <a:p>
+            <a:pPr algn="ctr"/>
+            <a:r>
+              <a:rPr lang="es-ES">
+                <a:solidFill>
+                  <a:schemeClr val="tx1"/>
+                </a:solidFill>
+              </a:rPr>
+              <a:t>31</a:t>
+            </a:r>
+          </a:p>
+        </p:txBody>
+      </p:sp>
+      <p:sp>
+        <p:nvSpPr>
+          <p:cNvPr id="47" name="Rectángulo 46">
+            <a:extLst>
+              <a:ext uri="{FF2B5EF4-FFF2-40B4-BE49-F238E27FC236}">
+                <a16:creationId xmlns:a16="http://schemas.microsoft.com/office/drawing/2014/main" id="{5036ACED-295C-4E20-ADD9-8C420EE567AF}"/>
+              </a:ext>
+            </a:extLst>
+          </p:cNvPr>
+          <p:cNvSpPr/>
+          <p:nvPr/>
+        </p:nvSpPr>
+        <p:spPr>
+          <a:xfrm>
+            <a:off x="3941828" y="3649682"/>
+            <a:ext cx="360000" cy="360000"/>
+          </a:xfrm>
+          <a:prstGeom prst="rect">
+            <a:avLst/>
+          </a:prstGeom>
+          <a:solidFill>
+            <a:srgbClr val="E8E8E8"/>
+          </a:solidFill>
+          <a:ln>
+            <a:solidFill>
+              <a:schemeClr val="bg1">
+                <a:lumMod val="75000"/>
+              </a:schemeClr>
+            </a:solidFill>
+          </a:ln>
+        </p:spPr>
+        <p:style>
+          <a:lnRef idx="2">
+            <a:schemeClr val="dk1"/>
+          </a:lnRef>
+          <a:fillRef idx="1">
+            <a:schemeClr val="lt1"/>
+          </a:fillRef>
+          <a:effectRef idx="0">
+            <a:schemeClr val="dk1"/>
+          </a:effectRef>
+          <a:fontRef idx="minor">
+            <a:schemeClr val="dk1"/>
+          </a:fontRef>
+        </p:style>
+        <p:txBody>
+          <a:bodyPr lIns="0" tIns="0" rIns="0" bIns="0" rtlCol="0" anchor="ctr"/>
+          <a:lstStyle/>
+          <a:p>
+            <a:pPr algn="ctr"/>
+            <a:r>
+              <a:rPr lang="es-ES">
+                <a:solidFill>
+                  <a:schemeClr val="bg1">
+                    <a:lumMod val="75000"/>
+                  </a:schemeClr>
+                </a:solidFill>
+              </a:rPr>
+              <a:t>1</a:t>
+            </a:r>
+          </a:p>
+        </p:txBody>
+      </p:sp>
+      <p:sp>
+        <p:nvSpPr>
+          <p:cNvPr id="48" name="Rectángulo 47">
+            <a:extLst>
+              <a:ext uri="{FF2B5EF4-FFF2-40B4-BE49-F238E27FC236}">
+                <a16:creationId xmlns:a16="http://schemas.microsoft.com/office/drawing/2014/main" id="{B0BA4FDF-492E-417C-BD49-A7F7BA7C6BE5}"/>
+              </a:ext>
+            </a:extLst>
+          </p:cNvPr>
+          <p:cNvSpPr/>
+          <p:nvPr/>
+        </p:nvSpPr>
+        <p:spPr>
+          <a:xfrm>
+            <a:off x="4298547" y="3649682"/>
+            <a:ext cx="360000" cy="360000"/>
+          </a:xfrm>
+          <a:prstGeom prst="rect">
+            <a:avLst/>
+          </a:prstGeom>
+          <a:solidFill>
+            <a:srgbClr val="E8E8E8"/>
+          </a:solidFill>
+          <a:ln>
+            <a:solidFill>
+              <a:schemeClr val="bg1">
+                <a:lumMod val="75000"/>
+              </a:schemeClr>
+            </a:solidFill>
+          </a:ln>
+        </p:spPr>
+        <p:style>
+          <a:lnRef idx="2">
+            <a:schemeClr val="dk1"/>
+          </a:lnRef>
+          <a:fillRef idx="1">
+            <a:schemeClr val="lt1"/>
+          </a:fillRef>
+          <a:effectRef idx="0">
+            <a:schemeClr val="dk1"/>
+          </a:effectRef>
+          <a:fontRef idx="minor">
+            <a:schemeClr val="dk1"/>
+          </a:fontRef>
+        </p:style>
+        <p:txBody>
+          <a:bodyPr lIns="0" tIns="0" rIns="0" bIns="0" rtlCol="0" anchor="ctr"/>
+          <a:lstStyle/>
+          <a:p>
+            <a:pPr algn="ctr"/>
+            <a:r>
+              <a:rPr lang="es-ES">
+                <a:solidFill>
+                  <a:schemeClr val="bg1">
+                    <a:lumMod val="75000"/>
+                  </a:schemeClr>
+                </a:solidFill>
+              </a:rPr>
+              <a:t>2</a:t>
+            </a:r>
+          </a:p>
+        </p:txBody>
+      </p:sp>
       <p:sp>
         <p:nvSpPr>
           <p:cNvPr id="49" name="Rectángulo 48">
@@ -5580,7 +5602,7 @@
         </p:nvSpPr>
         <p:spPr>
           <a:xfrm>
-            <a:off x="5722146" y="2748794"/>
+            <a:off x="5720061" y="2748794"/>
             <a:ext cx="360000" cy="360000"/>
           </a:xfrm>
           <a:prstGeom prst="rect">
@@ -5614,7 +5636,7 @@
                   </a:schemeClr>
                 </a:solidFill>
               </a:rPr>
-              <a:t>2</a:t>
+              <a:t>1</a:t>
             </a:r>
           </a:p>
         </p:txBody>
@@ -5633,7 +5655,7 @@
         </p:nvSpPr>
         <p:spPr>
           <a:xfrm>
-            <a:off x="5722146" y="2343678"/>
+            <a:off x="5720061" y="2343678"/>
             <a:ext cx="360000" cy="360000"/>
           </a:xfrm>
           <a:prstGeom prst="rect">
@@ -5690,6 +5712,19 @@
           <a:prstGeom prst="rect">
             <a:avLst/>
           </a:prstGeom>
+          <a:solidFill>
+            <a:schemeClr val="accent6">
+              <a:lumMod val="40000"/>
+              <a:lumOff val="60000"/>
+            </a:schemeClr>
+          </a:solidFill>
+          <a:ln>
+            <a:solidFill>
+              <a:schemeClr val="bg1">
+                <a:lumMod val="75000"/>
+              </a:schemeClr>
+            </a:solidFill>
+          </a:ln>
         </p:spPr>
         <p:style>
           <a:lnRef idx="2">
@@ -5711,9 +5746,11 @@
           <a:p>
             <a:pPr algn="ctr"/>
             <a:r>
-              <a:rPr lang="es-ES" sz="1200">
-                <a:solidFill>
-                  <a:schemeClr val="tx1"/>
+              <a:rPr lang="es-ES" sz="1400" b="1">
+                <a:solidFill>
+                  <a:schemeClr val="accent6">
+                    <a:lumMod val="50000"/>
+                  </a:schemeClr>
                 </a:solidFill>
               </a:rPr>
               <a:t>Desembre 2021</a:t>
@@ -5741,6 +5778,17 @@
           <a:prstGeom prst="rect">
             <a:avLst/>
           </a:prstGeom>
+          <a:solidFill>
+            <a:srgbClr val="2BA76F"/>
+          </a:solidFill>
+          <a:ln>
+            <a:solidFill>
+              <a:schemeClr val="accent6">
+                <a:lumMod val="60000"/>
+                <a:lumOff val="40000"/>
+              </a:schemeClr>
+            </a:solidFill>
+          </a:ln>
         </p:spPr>
         <p:style>
           <a:lnRef idx="2">
@@ -5764,7 +5812,7 @@
             <a:r>
               <a:rPr lang="es-ES" sz="1000">
                 <a:solidFill>
-                  <a:schemeClr val="tx1"/>
+                  <a:schemeClr val="bg1"/>
                 </a:solidFill>
               </a:rPr>
               <a:t>dl.</a:t>
@@ -5792,6 +5840,17 @@
           <a:prstGeom prst="rect">
             <a:avLst/>
           </a:prstGeom>
+          <a:solidFill>
+            <a:srgbClr val="2BA76F"/>
+          </a:solidFill>
+          <a:ln>
+            <a:solidFill>
+              <a:schemeClr val="accent6">
+                <a:lumMod val="60000"/>
+                <a:lumOff val="40000"/>
+              </a:schemeClr>
+            </a:solidFill>
+          </a:ln>
         </p:spPr>
         <p:style>
           <a:lnRef idx="2">
@@ -5815,7 +5874,7 @@
             <a:r>
               <a:rPr lang="es-ES" sz="1000">
                 <a:solidFill>
-                  <a:schemeClr val="tx1"/>
+                  <a:schemeClr val="bg1"/>
                 </a:solidFill>
               </a:rPr>
               <a:t>dm.</a:t>
@@ -5843,6 +5902,17 @@
           <a:prstGeom prst="rect">
             <a:avLst/>
           </a:prstGeom>
+          <a:solidFill>
+            <a:srgbClr val="2BA76F"/>
+          </a:solidFill>
+          <a:ln>
+            <a:solidFill>
+              <a:schemeClr val="accent6">
+                <a:lumMod val="60000"/>
+                <a:lumOff val="40000"/>
+              </a:schemeClr>
+            </a:solidFill>
+          </a:ln>
         </p:spPr>
         <p:style>
           <a:lnRef idx="2">
@@ -5866,7 +5936,7 @@
             <a:r>
               <a:rPr lang="es-ES" sz="1000">
                 <a:solidFill>
-                  <a:schemeClr val="tx1"/>
+                  <a:schemeClr val="bg1"/>
                 </a:solidFill>
               </a:rPr>
               <a:t>dc.</a:t>
@@ -5894,6 +5964,17 @@
           <a:prstGeom prst="rect">
             <a:avLst/>
           </a:prstGeom>
+          <a:solidFill>
+            <a:srgbClr val="2BA76F"/>
+          </a:solidFill>
+          <a:ln>
+            <a:solidFill>
+              <a:schemeClr val="accent6">
+                <a:lumMod val="60000"/>
+                <a:lumOff val="40000"/>
+              </a:schemeClr>
+            </a:solidFill>
+          </a:ln>
         </p:spPr>
         <p:style>
           <a:lnRef idx="2">
@@ -5917,7 +5998,7 @@
             <a:r>
               <a:rPr lang="es-ES" sz="1000">
                 <a:solidFill>
-                  <a:schemeClr val="tx1"/>
+                  <a:schemeClr val="bg1"/>
                 </a:solidFill>
               </a:rPr>
               <a:t>dj.</a:t>
@@ -5945,6 +6026,17 @@
           <a:prstGeom prst="rect">
             <a:avLst/>
           </a:prstGeom>
+          <a:solidFill>
+            <a:srgbClr val="2BA76F"/>
+          </a:solidFill>
+          <a:ln>
+            <a:solidFill>
+              <a:schemeClr val="accent6">
+                <a:lumMod val="60000"/>
+                <a:lumOff val="40000"/>
+              </a:schemeClr>
+            </a:solidFill>
+          </a:ln>
         </p:spPr>
         <p:style>
           <a:lnRef idx="2">
@@ -5966,9 +6058,9 @@
           <a:p>
             <a:pPr algn="ctr"/>
             <a:r>
-              <a:rPr lang="es-ES" sz="1000">
-                <a:solidFill>
-                  <a:schemeClr val="tx1"/>
+              <a:rPr lang="es-ES" sz="1000" b="1">
+                <a:solidFill>
+                  <a:schemeClr val="bg1"/>
                 </a:solidFill>
               </a:rPr>
               <a:t>dv.</a:t>
@@ -5996,6 +6088,17 @@
           <a:prstGeom prst="rect">
             <a:avLst/>
           </a:prstGeom>
+          <a:solidFill>
+            <a:srgbClr val="2BA76F"/>
+          </a:solidFill>
+          <a:ln>
+            <a:solidFill>
+              <a:schemeClr val="accent6">
+                <a:lumMod val="60000"/>
+                <a:lumOff val="40000"/>
+              </a:schemeClr>
+            </a:solidFill>
+          </a:ln>
         </p:spPr>
         <p:style>
           <a:lnRef idx="2">
@@ -6019,7 +6122,7 @@
             <a:r>
               <a:rPr lang="es-ES" sz="1000">
                 <a:solidFill>
-                  <a:schemeClr val="tx1"/>
+                  <a:schemeClr val="bg1"/>
                 </a:solidFill>
               </a:rPr>
               <a:t>ds.</a:t>
@@ -6047,6 +6150,17 @@
           <a:prstGeom prst="rect">
             <a:avLst/>
           </a:prstGeom>
+          <a:solidFill>
+            <a:srgbClr val="2BA76F"/>
+          </a:solidFill>
+          <a:ln>
+            <a:solidFill>
+              <a:schemeClr val="accent6">
+                <a:lumMod val="60000"/>
+                <a:lumOff val="40000"/>
+              </a:schemeClr>
+            </a:solidFill>
+          </a:ln>
         </p:spPr>
         <p:style>
           <a:lnRef idx="2">
@@ -6070,7 +6184,7 @@
             <a:r>
               <a:rPr lang="es-ES" sz="1000">
                 <a:solidFill>
-                  <a:schemeClr val="tx1"/>
+                  <a:schemeClr val="bg1"/>
                 </a:solidFill>
               </a:rPr>
               <a:t>dg.</a:t>
@@ -6132,7 +6246,7 @@
                   <a:schemeClr val="tx1"/>
                 </a:solidFill>
               </a:rPr>
-              <a:t>10</a:t>
+              <a:t>1</a:t>
             </a:r>
           </a:p>
         </p:txBody>
@@ -6151,8 +6265,8 @@
         </p:nvSpPr>
         <p:spPr>
           <a:xfrm>
-            <a:off x="6184426" y="1936439"/>
-            <a:ext cx="2329654" cy="360000"/>
+            <a:off x="6213887" y="1936439"/>
+            <a:ext cx="3836049" cy="360000"/>
           </a:xfrm>
           <a:prstGeom prst="rect">
             <a:avLst/>
@@ -6204,8 +6318,8 @@
         </p:nvSpPr>
         <p:spPr>
           <a:xfrm>
-            <a:off x="6184426" y="2343051"/>
-            <a:ext cx="2329654" cy="360000"/>
+            <a:off x="6213887" y="2343051"/>
+            <a:ext cx="3836049" cy="360000"/>
           </a:xfrm>
           <a:prstGeom prst="rect">
             <a:avLst/>
@@ -6257,8 +6371,8 @@
         </p:nvSpPr>
         <p:spPr>
           <a:xfrm>
-            <a:off x="6184426" y="2749663"/>
-            <a:ext cx="2329654" cy="360000"/>
+            <a:off x="6213887" y="2749663"/>
+            <a:ext cx="3836049" cy="360000"/>
           </a:xfrm>
           <a:prstGeom prst="rect">
             <a:avLst/>
@@ -6298,24 +6412,138 @@
       </p:sp>
       <p:sp>
         <p:nvSpPr>
-          <p:cNvPr id="66" name="Rectángulo 65">
-            <a:extLst>
-              <a:ext uri="{FF2B5EF4-FFF2-40B4-BE49-F238E27FC236}">
-                <a16:creationId xmlns:a16="http://schemas.microsoft.com/office/drawing/2014/main" id="{38DD2302-F409-44FD-B568-B7472A25B562}"/>
-              </a:ext>
-            </a:extLst>
-          </p:cNvPr>
-          <p:cNvSpPr/>
-          <p:nvPr/>
-        </p:nvSpPr>
-        <p:spPr>
-          <a:xfrm>
-            <a:off x="6184426" y="3156275"/>
+          <p:cNvPr id="69" name="Rectángulo 68">
+            <a:extLst>
+              <a:ext uri="{FF2B5EF4-FFF2-40B4-BE49-F238E27FC236}">
+                <a16:creationId xmlns:a16="http://schemas.microsoft.com/office/drawing/2014/main" id="{05F8784B-A2F1-451B-949D-9279410444C8}"/>
+              </a:ext>
+            </a:extLst>
+          </p:cNvPr>
+          <p:cNvSpPr/>
+          <p:nvPr/>
+        </p:nvSpPr>
+        <p:spPr>
+          <a:xfrm>
+            <a:off x="2165009" y="4576589"/>
+            <a:ext cx="360000" cy="360000"/>
+          </a:xfrm>
+          <a:prstGeom prst="rect">
+            <a:avLst/>
+          </a:prstGeom>
+          <a:solidFill>
+            <a:schemeClr val="bg1">
+              <a:lumMod val="95000"/>
+            </a:schemeClr>
+          </a:solidFill>
+        </p:spPr>
+        <p:style>
+          <a:lnRef idx="2">
+            <a:schemeClr val="dk1"/>
+          </a:lnRef>
+          <a:fillRef idx="1">
+            <a:schemeClr val="lt1"/>
+          </a:fillRef>
+          <a:effectRef idx="0">
+            <a:schemeClr val="dk1"/>
+          </a:effectRef>
+          <a:fontRef idx="minor">
+            <a:schemeClr val="dk1"/>
+          </a:fontRef>
+        </p:style>
+        <p:txBody>
+          <a:bodyPr lIns="0" tIns="0" rIns="0" bIns="0" rtlCol="0" anchor="ctr"/>
+          <a:lstStyle/>
+          <a:p>
+            <a:pPr algn="ctr"/>
+            <a:r>
+              <a:rPr lang="es-ES" b="1">
+                <a:solidFill>
+                  <a:srgbClr val="DE7CC7"/>
+                </a:solidFill>
+              </a:rPr>
+              <a:t>1</a:t>
+            </a:r>
+          </a:p>
+        </p:txBody>
+      </p:sp>
+      <p:sp>
+        <p:nvSpPr>
+          <p:cNvPr id="70" name="Rectángulo 69">
+            <a:extLst>
+              <a:ext uri="{FF2B5EF4-FFF2-40B4-BE49-F238E27FC236}">
+                <a16:creationId xmlns:a16="http://schemas.microsoft.com/office/drawing/2014/main" id="{C161CFC5-56DA-439E-A7FD-239881ACEDAB}"/>
+              </a:ext>
+            </a:extLst>
+          </p:cNvPr>
+          <p:cNvSpPr/>
+          <p:nvPr/>
+        </p:nvSpPr>
+        <p:spPr>
+          <a:xfrm>
+            <a:off x="2165009" y="4981704"/>
+            <a:ext cx="360000" cy="360000"/>
+          </a:xfrm>
+          <a:prstGeom prst="rect">
+            <a:avLst/>
+          </a:prstGeom>
+          <a:solidFill>
+            <a:schemeClr val="accent5">
+              <a:lumMod val="20000"/>
+              <a:lumOff val="80000"/>
+            </a:schemeClr>
+          </a:solidFill>
+        </p:spPr>
+        <p:style>
+          <a:lnRef idx="2">
+            <a:schemeClr val="dk1"/>
+          </a:lnRef>
+          <a:fillRef idx="1">
+            <a:schemeClr val="lt1"/>
+          </a:fillRef>
+          <a:effectRef idx="0">
+            <a:schemeClr val="dk1"/>
+          </a:effectRef>
+          <a:fontRef idx="minor">
+            <a:schemeClr val="dk1"/>
+          </a:fontRef>
+        </p:style>
+        <p:txBody>
+          <a:bodyPr lIns="0" tIns="0" rIns="0" bIns="0" rtlCol="0" anchor="ctr"/>
+          <a:lstStyle/>
+          <a:p>
+            <a:pPr algn="ctr"/>
+            <a:r>
+              <a:rPr lang="es-ES" b="1">
+                <a:solidFill>
+                  <a:srgbClr val="0070C0"/>
+                </a:solidFill>
+              </a:rPr>
+              <a:t>1</a:t>
+            </a:r>
+          </a:p>
+        </p:txBody>
+      </p:sp>
+      <p:sp>
+        <p:nvSpPr>
+          <p:cNvPr id="71" name="Rectángulo 70">
+            <a:extLst>
+              <a:ext uri="{FF2B5EF4-FFF2-40B4-BE49-F238E27FC236}">
+                <a16:creationId xmlns:a16="http://schemas.microsoft.com/office/drawing/2014/main" id="{98FF3960-B744-446F-BAC0-5595F9B69966}"/>
+              </a:ext>
+            </a:extLst>
+          </p:cNvPr>
+          <p:cNvSpPr/>
+          <p:nvPr/>
+        </p:nvSpPr>
+        <p:spPr>
+          <a:xfrm>
+            <a:off x="2578574" y="4579269"/>
             <a:ext cx="2329654" cy="360000"/>
           </a:xfrm>
           <a:prstGeom prst="rect">
             <a:avLst/>
           </a:prstGeom>
+          <a:noFill/>
           <a:ln>
             <a:noFill/>
           </a:ln>
@@ -6339,36 +6567,37 @@
           <a:lstStyle/>
           <a:p>
             <a:r>
-              <a:rPr lang="es-ES">
+              <a:rPr lang="es-ES" sz="1100" b="1">
                 <a:solidFill>
                   <a:schemeClr val="tx1"/>
                 </a:solidFill>
               </a:rPr>
-              <a:t>Dissabte</a:t>
-            </a:r>
-          </a:p>
-        </p:txBody>
-      </p:sp>
-      <p:sp>
-        <p:nvSpPr>
-          <p:cNvPr id="67" name="Rectángulo 66">
-            <a:extLst>
-              <a:ext uri="{FF2B5EF4-FFF2-40B4-BE49-F238E27FC236}">
-                <a16:creationId xmlns:a16="http://schemas.microsoft.com/office/drawing/2014/main" id="{37786EE2-6C0B-4514-A988-96A7A13A211F}"/>
-              </a:ext>
-            </a:extLst>
-          </p:cNvPr>
-          <p:cNvSpPr/>
-          <p:nvPr/>
-        </p:nvSpPr>
-        <p:spPr>
-          <a:xfrm>
-            <a:off x="6184426" y="3562887"/>
-            <a:ext cx="2329654" cy="360000"/>
-          </a:xfrm>
-          <a:prstGeom prst="rect">
-            <a:avLst/>
-          </a:prstGeom>
+              <a:t>N – Torn de nit cap de setmana i festius</a:t>
+            </a:r>
+          </a:p>
+        </p:txBody>
+      </p:sp>
+      <p:sp>
+        <p:nvSpPr>
+          <p:cNvPr id="72" name="Rectángulo 71">
+            <a:extLst>
+              <a:ext uri="{FF2B5EF4-FFF2-40B4-BE49-F238E27FC236}">
+                <a16:creationId xmlns:a16="http://schemas.microsoft.com/office/drawing/2014/main" id="{88971402-0DD9-4A77-84EC-B1640907BFB5}"/>
+              </a:ext>
+            </a:extLst>
+          </p:cNvPr>
+          <p:cNvSpPr/>
+          <p:nvPr/>
+        </p:nvSpPr>
+        <p:spPr>
+          <a:xfrm>
+            <a:off x="2578574" y="4981704"/>
+            <a:ext cx="1094266" cy="360000"/>
+          </a:xfrm>
+          <a:prstGeom prst="rect">
+            <a:avLst/>
+          </a:prstGeom>
+          <a:noFill/>
           <a:ln>
             <a:noFill/>
           </a:ln>
@@ -6392,36 +6621,94 @@
           <a:lstStyle/>
           <a:p>
             <a:r>
-              <a:rPr lang="es-ES">
+              <a:rPr lang="es-ES" sz="1100" b="1">
                 <a:solidFill>
                   <a:schemeClr val="tx1"/>
                 </a:solidFill>
               </a:rPr>
-              <a:t>Diumenge</a:t>
-            </a:r>
-          </a:p>
-        </p:txBody>
-      </p:sp>
-      <p:sp>
-        <p:nvSpPr>
-          <p:cNvPr id="68" name="Rectángulo 67">
-            <a:extLst>
-              <a:ext uri="{FF2B5EF4-FFF2-40B4-BE49-F238E27FC236}">
-                <a16:creationId xmlns:a16="http://schemas.microsoft.com/office/drawing/2014/main" id="{D9CC2BEE-8780-476D-85C5-E9DC7BE6B573}"/>
-              </a:ext>
-            </a:extLst>
-          </p:cNvPr>
-          <p:cNvSpPr/>
-          <p:nvPr/>
-        </p:nvSpPr>
-        <p:spPr>
-          <a:xfrm>
-            <a:off x="6184426" y="3969500"/>
-            <a:ext cx="2329654" cy="360000"/>
-          </a:xfrm>
-          <a:prstGeom prst="rect">
-            <a:avLst/>
-          </a:prstGeom>
+              <a:t>M – Torn de matí</a:t>
+            </a:r>
+          </a:p>
+        </p:txBody>
+      </p:sp>
+      <p:sp>
+        <p:nvSpPr>
+          <p:cNvPr id="73" name="Rectángulo 72">
+            <a:extLst>
+              <a:ext uri="{FF2B5EF4-FFF2-40B4-BE49-F238E27FC236}">
+                <a16:creationId xmlns:a16="http://schemas.microsoft.com/office/drawing/2014/main" id="{AA575CB0-0C76-40FE-B22A-93A20FD1E5F0}"/>
+              </a:ext>
+            </a:extLst>
+          </p:cNvPr>
+          <p:cNvSpPr/>
+          <p:nvPr/>
+        </p:nvSpPr>
+        <p:spPr>
+          <a:xfrm>
+            <a:off x="2165009" y="5392101"/>
+            <a:ext cx="360000" cy="360000"/>
+          </a:xfrm>
+          <a:prstGeom prst="rect">
+            <a:avLst/>
+          </a:prstGeom>
+          <a:solidFill>
+            <a:schemeClr val="accent5">
+              <a:lumMod val="40000"/>
+              <a:lumOff val="60000"/>
+            </a:schemeClr>
+          </a:solidFill>
+        </p:spPr>
+        <p:style>
+          <a:lnRef idx="2">
+            <a:schemeClr val="dk1"/>
+          </a:lnRef>
+          <a:fillRef idx="1">
+            <a:schemeClr val="lt1"/>
+          </a:fillRef>
+          <a:effectRef idx="0">
+            <a:schemeClr val="dk1"/>
+          </a:effectRef>
+          <a:fontRef idx="minor">
+            <a:schemeClr val="dk1"/>
+          </a:fontRef>
+        </p:style>
+        <p:txBody>
+          <a:bodyPr lIns="0" tIns="0" rIns="0" bIns="0" rtlCol="0" anchor="ctr"/>
+          <a:lstStyle/>
+          <a:p>
+            <a:pPr algn="ctr"/>
+            <a:r>
+              <a:rPr lang="es-ES" b="1">
+                <a:solidFill>
+                  <a:srgbClr val="0070C0"/>
+                </a:solidFill>
+              </a:rPr>
+              <a:t>1</a:t>
+            </a:r>
+          </a:p>
+        </p:txBody>
+      </p:sp>
+      <p:sp>
+        <p:nvSpPr>
+          <p:cNvPr id="74" name="Rectángulo 73">
+            <a:extLst>
+              <a:ext uri="{FF2B5EF4-FFF2-40B4-BE49-F238E27FC236}">
+                <a16:creationId xmlns:a16="http://schemas.microsoft.com/office/drawing/2014/main" id="{8168123F-8837-4577-824C-33ECFAA26D9A}"/>
+              </a:ext>
+            </a:extLst>
+          </p:cNvPr>
+          <p:cNvSpPr/>
+          <p:nvPr/>
+        </p:nvSpPr>
+        <p:spPr>
+          <a:xfrm>
+            <a:off x="2578574" y="5392101"/>
+            <a:ext cx="1094266" cy="360000"/>
+          </a:xfrm>
+          <a:prstGeom prst="rect">
+            <a:avLst/>
+          </a:prstGeom>
+          <a:noFill/>
           <a:ln>
             <a:noFill/>
           </a:ln>
@@ -6445,12 +6732,2228 @@
           <a:lstStyle/>
           <a:p>
             <a:r>
+              <a:rPr lang="es-ES" sz="1100" b="1">
+                <a:solidFill>
+                  <a:schemeClr val="tx1"/>
+                </a:solidFill>
+              </a:rPr>
+              <a:t>T – Torn de tarda</a:t>
+            </a:r>
+          </a:p>
+        </p:txBody>
+      </p:sp>
+      <p:sp>
+        <p:nvSpPr>
+          <p:cNvPr id="75" name="Rectángulo 74">
+            <a:extLst>
+              <a:ext uri="{FF2B5EF4-FFF2-40B4-BE49-F238E27FC236}">
+                <a16:creationId xmlns:a16="http://schemas.microsoft.com/office/drawing/2014/main" id="{F69AAD15-432A-4A58-9325-641992DD866C}"/>
+              </a:ext>
+            </a:extLst>
+          </p:cNvPr>
+          <p:cNvSpPr/>
+          <p:nvPr/>
+        </p:nvSpPr>
+        <p:spPr>
+          <a:xfrm>
+            <a:off x="2165009" y="5799105"/>
+            <a:ext cx="360000" cy="360000"/>
+          </a:xfrm>
+          <a:prstGeom prst="rect">
+            <a:avLst/>
+          </a:prstGeom>
+          <a:solidFill>
+            <a:schemeClr val="accent5">
+              <a:lumMod val="60000"/>
+              <a:lumOff val="40000"/>
+            </a:schemeClr>
+          </a:solidFill>
+        </p:spPr>
+        <p:style>
+          <a:lnRef idx="2">
+            <a:schemeClr val="dk1"/>
+          </a:lnRef>
+          <a:fillRef idx="1">
+            <a:schemeClr val="lt1"/>
+          </a:fillRef>
+          <a:effectRef idx="0">
+            <a:schemeClr val="dk1"/>
+          </a:effectRef>
+          <a:fontRef idx="minor">
+            <a:schemeClr val="dk1"/>
+          </a:fontRef>
+        </p:style>
+        <p:txBody>
+          <a:bodyPr lIns="0" tIns="0" rIns="0" bIns="0" rtlCol="0" anchor="ctr"/>
+          <a:lstStyle/>
+          <a:p>
+            <a:pPr algn="ctr"/>
+            <a:r>
+              <a:rPr lang="es-ES" b="1">
+                <a:solidFill>
+                  <a:srgbClr val="0070C0"/>
+                </a:solidFill>
+              </a:rPr>
+              <a:t>1</a:t>
+            </a:r>
+          </a:p>
+        </p:txBody>
+      </p:sp>
+      <p:sp>
+        <p:nvSpPr>
+          <p:cNvPr id="76" name="Rectángulo 75">
+            <a:extLst>
+              <a:ext uri="{FF2B5EF4-FFF2-40B4-BE49-F238E27FC236}">
+                <a16:creationId xmlns:a16="http://schemas.microsoft.com/office/drawing/2014/main" id="{73C5FE81-5848-4FA1-B5CF-647ECB33513C}"/>
+              </a:ext>
+            </a:extLst>
+          </p:cNvPr>
+          <p:cNvSpPr/>
+          <p:nvPr/>
+        </p:nvSpPr>
+        <p:spPr>
+          <a:xfrm>
+            <a:off x="2578574" y="5799105"/>
+            <a:ext cx="953850" cy="360000"/>
+          </a:xfrm>
+          <a:prstGeom prst="rect">
+            <a:avLst/>
+          </a:prstGeom>
+          <a:noFill/>
+          <a:ln>
+            <a:noFill/>
+          </a:ln>
+        </p:spPr>
+        <p:style>
+          <a:lnRef idx="2">
+            <a:schemeClr val="dk1"/>
+          </a:lnRef>
+          <a:fillRef idx="1">
+            <a:schemeClr val="lt1"/>
+          </a:fillRef>
+          <a:effectRef idx="0">
+            <a:schemeClr val="dk1"/>
+          </a:effectRef>
+          <a:fontRef idx="minor">
+            <a:schemeClr val="dk1"/>
+          </a:fontRef>
+        </p:style>
+        <p:txBody>
+          <a:bodyPr lIns="0" tIns="0" rIns="0" bIns="0" rtlCol="0" anchor="ctr"/>
+          <a:lstStyle/>
+          <a:p>
+            <a:r>
+              <a:rPr lang="es-ES" sz="1100" b="1">
+                <a:solidFill>
+                  <a:schemeClr val="tx1"/>
+                </a:solidFill>
+              </a:rPr>
+              <a:t>N – Torn de nit</a:t>
+            </a:r>
+          </a:p>
+        </p:txBody>
+      </p:sp>
+      <p:sp>
+        <p:nvSpPr>
+          <p:cNvPr id="77" name="Rectángulo 76">
+            <a:extLst>
+              <a:ext uri="{FF2B5EF4-FFF2-40B4-BE49-F238E27FC236}">
+                <a16:creationId xmlns:a16="http://schemas.microsoft.com/office/drawing/2014/main" id="{36371CB3-64CA-43F5-B03F-E0A8A6059FBD}"/>
+              </a:ext>
+            </a:extLst>
+          </p:cNvPr>
+          <p:cNvSpPr/>
+          <p:nvPr/>
+        </p:nvSpPr>
+        <p:spPr>
+          <a:xfrm>
+            <a:off x="2408841" y="5227353"/>
+            <a:ext cx="108000" cy="108000"/>
+          </a:xfrm>
+          <a:prstGeom prst="rect">
+            <a:avLst/>
+          </a:prstGeom>
+          <a:solidFill>
+            <a:schemeClr val="accent5">
+              <a:lumMod val="20000"/>
+              <a:lumOff val="80000"/>
+            </a:schemeClr>
+          </a:solidFill>
+          <a:ln>
+            <a:noFill/>
+          </a:ln>
+        </p:spPr>
+        <p:style>
+          <a:lnRef idx="2">
+            <a:schemeClr val="dk1"/>
+          </a:lnRef>
+          <a:fillRef idx="1">
+            <a:schemeClr val="lt1"/>
+          </a:fillRef>
+          <a:effectRef idx="0">
+            <a:schemeClr val="dk1"/>
+          </a:effectRef>
+          <a:fontRef idx="minor">
+            <a:schemeClr val="dk1"/>
+          </a:fontRef>
+        </p:style>
+        <p:txBody>
+          <a:bodyPr lIns="0" tIns="0" rIns="0" bIns="0" rtlCol="0" anchor="ctr"/>
+          <a:lstStyle/>
+          <a:p>
+            <a:pPr algn="ctr"/>
+            <a:r>
+              <a:rPr lang="es-ES" sz="800" b="1">
+                <a:solidFill>
+                  <a:srgbClr val="0070C0"/>
+                </a:solidFill>
+              </a:rPr>
+              <a:t>M</a:t>
+            </a:r>
+          </a:p>
+        </p:txBody>
+      </p:sp>
+      <p:sp>
+        <p:nvSpPr>
+          <p:cNvPr id="78" name="Rectángulo 77">
+            <a:extLst>
+              <a:ext uri="{FF2B5EF4-FFF2-40B4-BE49-F238E27FC236}">
+                <a16:creationId xmlns:a16="http://schemas.microsoft.com/office/drawing/2014/main" id="{8ECAA005-DF1C-44EC-9D29-A8F194EB679B}"/>
+              </a:ext>
+            </a:extLst>
+          </p:cNvPr>
+          <p:cNvSpPr/>
+          <p:nvPr/>
+        </p:nvSpPr>
+        <p:spPr>
+          <a:xfrm>
+            <a:off x="2408841" y="5638677"/>
+            <a:ext cx="108000" cy="108000"/>
+          </a:xfrm>
+          <a:prstGeom prst="rect">
+            <a:avLst/>
+          </a:prstGeom>
+          <a:solidFill>
+            <a:schemeClr val="accent5">
+              <a:lumMod val="40000"/>
+              <a:lumOff val="60000"/>
+            </a:schemeClr>
+          </a:solidFill>
+          <a:ln>
+            <a:noFill/>
+          </a:ln>
+        </p:spPr>
+        <p:style>
+          <a:lnRef idx="2">
+            <a:schemeClr val="dk1"/>
+          </a:lnRef>
+          <a:fillRef idx="1">
+            <a:schemeClr val="lt1"/>
+          </a:fillRef>
+          <a:effectRef idx="0">
+            <a:schemeClr val="dk1"/>
+          </a:effectRef>
+          <a:fontRef idx="minor">
+            <a:schemeClr val="dk1"/>
+          </a:fontRef>
+        </p:style>
+        <p:txBody>
+          <a:bodyPr lIns="0" tIns="0" rIns="0" bIns="0" rtlCol="0" anchor="ctr"/>
+          <a:lstStyle/>
+          <a:p>
+            <a:pPr algn="ctr"/>
+            <a:r>
+              <a:rPr lang="es-ES" sz="800" b="1">
+                <a:solidFill>
+                  <a:srgbClr val="0070C0"/>
+                </a:solidFill>
+              </a:rPr>
+              <a:t>T</a:t>
+            </a:r>
+          </a:p>
+        </p:txBody>
+      </p:sp>
+      <p:sp>
+        <p:nvSpPr>
+          <p:cNvPr id="79" name="Rectángulo 78">
+            <a:extLst>
+              <a:ext uri="{FF2B5EF4-FFF2-40B4-BE49-F238E27FC236}">
+                <a16:creationId xmlns:a16="http://schemas.microsoft.com/office/drawing/2014/main" id="{AB2D7DD2-0214-4117-940A-8BFE6745E10B}"/>
+              </a:ext>
+            </a:extLst>
+          </p:cNvPr>
+          <p:cNvSpPr/>
+          <p:nvPr/>
+        </p:nvSpPr>
+        <p:spPr>
+          <a:xfrm>
+            <a:off x="2408841" y="6044753"/>
+            <a:ext cx="108000" cy="108000"/>
+          </a:xfrm>
+          <a:prstGeom prst="rect">
+            <a:avLst/>
+          </a:prstGeom>
+          <a:solidFill>
+            <a:schemeClr val="accent5">
+              <a:lumMod val="60000"/>
+              <a:lumOff val="40000"/>
+            </a:schemeClr>
+          </a:solidFill>
+          <a:ln>
+            <a:noFill/>
+          </a:ln>
+        </p:spPr>
+        <p:style>
+          <a:lnRef idx="2">
+            <a:schemeClr val="dk1"/>
+          </a:lnRef>
+          <a:fillRef idx="1">
+            <a:schemeClr val="lt1"/>
+          </a:fillRef>
+          <a:effectRef idx="0">
+            <a:schemeClr val="dk1"/>
+          </a:effectRef>
+          <a:fontRef idx="minor">
+            <a:schemeClr val="dk1"/>
+          </a:fontRef>
+        </p:style>
+        <p:txBody>
+          <a:bodyPr lIns="0" tIns="0" rIns="0" bIns="0" rtlCol="0" anchor="ctr"/>
+          <a:lstStyle/>
+          <a:p>
+            <a:pPr algn="ctr"/>
+            <a:r>
+              <a:rPr lang="es-ES" sz="800" b="1">
+                <a:solidFill>
+                  <a:srgbClr val="0070C0"/>
+                </a:solidFill>
+              </a:rPr>
+              <a:t>N</a:t>
+            </a:r>
+          </a:p>
+        </p:txBody>
+      </p:sp>
+      <p:sp>
+        <p:nvSpPr>
+          <p:cNvPr id="80" name="Rectángulo 79">
+            <a:extLst>
+              <a:ext uri="{FF2B5EF4-FFF2-40B4-BE49-F238E27FC236}">
+                <a16:creationId xmlns:a16="http://schemas.microsoft.com/office/drawing/2014/main" id="{42F2038D-1E85-4062-8B27-E9A7C292FD2A}"/>
+              </a:ext>
+            </a:extLst>
+          </p:cNvPr>
+          <p:cNvSpPr/>
+          <p:nvPr/>
+        </p:nvSpPr>
+        <p:spPr>
+          <a:xfrm>
+            <a:off x="3583224" y="2204473"/>
+            <a:ext cx="360000" cy="360000"/>
+          </a:xfrm>
+          <a:prstGeom prst="rect">
+            <a:avLst/>
+          </a:prstGeom>
+          <a:solidFill>
+            <a:schemeClr val="accent5">
+              <a:lumMod val="40000"/>
+              <a:lumOff val="60000"/>
+            </a:schemeClr>
+          </a:solidFill>
+          <a:ln>
+            <a:solidFill>
+              <a:schemeClr val="bg1">
+                <a:lumMod val="75000"/>
+              </a:schemeClr>
+            </a:solidFill>
+          </a:ln>
+        </p:spPr>
+        <p:style>
+          <a:lnRef idx="2">
+            <a:schemeClr val="dk1"/>
+          </a:lnRef>
+          <a:fillRef idx="1">
+            <a:schemeClr val="lt1"/>
+          </a:fillRef>
+          <a:effectRef idx="0">
+            <a:schemeClr val="dk1"/>
+          </a:effectRef>
+          <a:fontRef idx="minor">
+            <a:schemeClr val="dk1"/>
+          </a:fontRef>
+        </p:style>
+        <p:txBody>
+          <a:bodyPr lIns="0" tIns="0" rIns="0" bIns="0" rtlCol="0" anchor="ctr"/>
+          <a:lstStyle/>
+          <a:p>
+            <a:pPr algn="ctr"/>
+            <a:r>
+              <a:rPr lang="es-ES" b="1">
+                <a:solidFill>
+                  <a:srgbClr val="0070C0"/>
+                </a:solidFill>
+              </a:rPr>
+              <a:t>3</a:t>
+            </a:r>
+          </a:p>
+        </p:txBody>
+      </p:sp>
+      <p:sp>
+        <p:nvSpPr>
+          <p:cNvPr id="82" name="Rectángulo 81">
+            <a:extLst>
+              <a:ext uri="{FF2B5EF4-FFF2-40B4-BE49-F238E27FC236}">
+                <a16:creationId xmlns:a16="http://schemas.microsoft.com/office/drawing/2014/main" id="{84137E3C-89D5-483D-B253-910948E92A6C}"/>
+              </a:ext>
+            </a:extLst>
+          </p:cNvPr>
+          <p:cNvSpPr/>
+          <p:nvPr/>
+        </p:nvSpPr>
+        <p:spPr>
+          <a:xfrm>
+            <a:off x="3827056" y="2449461"/>
+            <a:ext cx="108000" cy="108000"/>
+          </a:xfrm>
+          <a:prstGeom prst="rect">
+            <a:avLst/>
+          </a:prstGeom>
+          <a:noFill/>
+          <a:ln>
+            <a:noFill/>
+          </a:ln>
+        </p:spPr>
+        <p:style>
+          <a:lnRef idx="2">
+            <a:schemeClr val="dk1"/>
+          </a:lnRef>
+          <a:fillRef idx="1">
+            <a:schemeClr val="lt1"/>
+          </a:fillRef>
+          <a:effectRef idx="0">
+            <a:schemeClr val="dk1"/>
+          </a:effectRef>
+          <a:fontRef idx="minor">
+            <a:schemeClr val="dk1"/>
+          </a:fontRef>
+        </p:style>
+        <p:txBody>
+          <a:bodyPr lIns="0" tIns="0" rIns="0" bIns="0" rtlCol="0" anchor="ctr"/>
+          <a:lstStyle/>
+          <a:p>
+            <a:pPr algn="ctr"/>
+            <a:r>
+              <a:rPr lang="es-ES" sz="800" b="1">
+                <a:solidFill>
+                  <a:srgbClr val="0070C0"/>
+                </a:solidFill>
+              </a:rPr>
+              <a:t>T</a:t>
+            </a:r>
+          </a:p>
+        </p:txBody>
+      </p:sp>
+      <p:sp>
+        <p:nvSpPr>
+          <p:cNvPr id="83" name="Rectángulo 82">
+            <a:extLst>
+              <a:ext uri="{FF2B5EF4-FFF2-40B4-BE49-F238E27FC236}">
+                <a16:creationId xmlns:a16="http://schemas.microsoft.com/office/drawing/2014/main" id="{D4BA78B2-55D9-4C11-9B7F-852537C24AB9}"/>
+              </a:ext>
+            </a:extLst>
+          </p:cNvPr>
+          <p:cNvSpPr/>
+          <p:nvPr/>
+        </p:nvSpPr>
+        <p:spPr>
+          <a:xfrm>
+            <a:off x="2755130" y="2810004"/>
+            <a:ext cx="108000" cy="108000"/>
+          </a:xfrm>
+          <a:prstGeom prst="rect">
+            <a:avLst/>
+          </a:prstGeom>
+          <a:noFill/>
+          <a:ln>
+            <a:noFill/>
+          </a:ln>
+        </p:spPr>
+        <p:style>
+          <a:lnRef idx="2">
+            <a:schemeClr val="dk1"/>
+          </a:lnRef>
+          <a:fillRef idx="1">
+            <a:schemeClr val="lt1"/>
+          </a:fillRef>
+          <a:effectRef idx="0">
+            <a:schemeClr val="dk1"/>
+          </a:effectRef>
+          <a:fontRef idx="minor">
+            <a:schemeClr val="dk1"/>
+          </a:fontRef>
+        </p:style>
+        <p:txBody>
+          <a:bodyPr lIns="0" tIns="0" rIns="0" bIns="0" rtlCol="0" anchor="ctr"/>
+          <a:lstStyle/>
+          <a:p>
+            <a:pPr algn="ctr"/>
+            <a:r>
+              <a:rPr lang="es-ES" sz="800" b="1">
+                <a:solidFill>
+                  <a:srgbClr val="0070C0"/>
+                </a:solidFill>
+              </a:rPr>
+              <a:t>T</a:t>
+            </a:r>
+          </a:p>
+        </p:txBody>
+      </p:sp>
+      <p:sp>
+        <p:nvSpPr>
+          <p:cNvPr id="84" name="Rectángulo 83">
+            <a:extLst>
+              <a:ext uri="{FF2B5EF4-FFF2-40B4-BE49-F238E27FC236}">
+                <a16:creationId xmlns:a16="http://schemas.microsoft.com/office/drawing/2014/main" id="{B07BB995-E51A-41B5-A018-4FB5A8F5A5E8}"/>
+              </a:ext>
+            </a:extLst>
+          </p:cNvPr>
+          <p:cNvSpPr/>
+          <p:nvPr/>
+        </p:nvSpPr>
+        <p:spPr>
+          <a:xfrm>
+            <a:off x="3468570" y="2811409"/>
+            <a:ext cx="108000" cy="108000"/>
+          </a:xfrm>
+          <a:prstGeom prst="rect">
+            <a:avLst/>
+          </a:prstGeom>
+          <a:noFill/>
+          <a:ln>
+            <a:noFill/>
+          </a:ln>
+        </p:spPr>
+        <p:style>
+          <a:lnRef idx="2">
+            <a:schemeClr val="dk1"/>
+          </a:lnRef>
+          <a:fillRef idx="1">
+            <a:schemeClr val="lt1"/>
+          </a:fillRef>
+          <a:effectRef idx="0">
+            <a:schemeClr val="dk1"/>
+          </a:effectRef>
+          <a:fontRef idx="minor">
+            <a:schemeClr val="dk1"/>
+          </a:fontRef>
+        </p:style>
+        <p:txBody>
+          <a:bodyPr lIns="0" tIns="0" rIns="0" bIns="0" rtlCol="0" anchor="ctr"/>
+          <a:lstStyle/>
+          <a:p>
+            <a:pPr algn="ctr"/>
+            <a:r>
+              <a:rPr lang="es-ES" sz="800" b="1">
+                <a:solidFill>
+                  <a:srgbClr val="0070C0"/>
+                </a:solidFill>
+              </a:rPr>
+              <a:t>T</a:t>
+            </a:r>
+          </a:p>
+        </p:txBody>
+      </p:sp>
+      <p:sp>
+        <p:nvSpPr>
+          <p:cNvPr id="85" name="Rectángulo 84">
+            <a:extLst>
+              <a:ext uri="{FF2B5EF4-FFF2-40B4-BE49-F238E27FC236}">
+                <a16:creationId xmlns:a16="http://schemas.microsoft.com/office/drawing/2014/main" id="{1E6DEA65-7D59-4FE9-8F98-497689AAFE46}"/>
+              </a:ext>
+            </a:extLst>
+          </p:cNvPr>
+          <p:cNvSpPr/>
+          <p:nvPr/>
+        </p:nvSpPr>
+        <p:spPr>
+          <a:xfrm>
+            <a:off x="3824126" y="2811409"/>
+            <a:ext cx="108000" cy="108000"/>
+          </a:xfrm>
+          <a:prstGeom prst="rect">
+            <a:avLst/>
+          </a:prstGeom>
+          <a:noFill/>
+          <a:ln>
+            <a:noFill/>
+          </a:ln>
+        </p:spPr>
+        <p:style>
+          <a:lnRef idx="2">
+            <a:schemeClr val="dk1"/>
+          </a:lnRef>
+          <a:fillRef idx="1">
+            <a:schemeClr val="lt1"/>
+          </a:fillRef>
+          <a:effectRef idx="0">
+            <a:schemeClr val="dk1"/>
+          </a:effectRef>
+          <a:fontRef idx="minor">
+            <a:schemeClr val="dk1"/>
+          </a:fontRef>
+        </p:style>
+        <p:txBody>
+          <a:bodyPr lIns="0" tIns="0" rIns="0" bIns="0" rtlCol="0" anchor="ctr"/>
+          <a:lstStyle/>
+          <a:p>
+            <a:pPr algn="ctr"/>
+            <a:r>
+              <a:rPr lang="es-ES" sz="800" b="1">
+                <a:solidFill>
+                  <a:srgbClr val="0070C0"/>
+                </a:solidFill>
+              </a:rPr>
+              <a:t>T</a:t>
+            </a:r>
+          </a:p>
+        </p:txBody>
+      </p:sp>
+      <p:sp>
+        <p:nvSpPr>
+          <p:cNvPr id="86" name="Rectángulo 85">
+            <a:extLst>
+              <a:ext uri="{FF2B5EF4-FFF2-40B4-BE49-F238E27FC236}">
+                <a16:creationId xmlns:a16="http://schemas.microsoft.com/office/drawing/2014/main" id="{B35F9737-6807-48EA-9DC4-BDA5B6FE6507}"/>
+              </a:ext>
+            </a:extLst>
+          </p:cNvPr>
+          <p:cNvSpPr/>
+          <p:nvPr/>
+        </p:nvSpPr>
+        <p:spPr>
+          <a:xfrm>
+            <a:off x="2396782" y="3170132"/>
+            <a:ext cx="108000" cy="108000"/>
+          </a:xfrm>
+          <a:prstGeom prst="rect">
+            <a:avLst/>
+          </a:prstGeom>
+          <a:noFill/>
+          <a:ln>
+            <a:noFill/>
+          </a:ln>
+        </p:spPr>
+        <p:style>
+          <a:lnRef idx="2">
+            <a:schemeClr val="dk1"/>
+          </a:lnRef>
+          <a:fillRef idx="1">
+            <a:schemeClr val="lt1"/>
+          </a:fillRef>
+          <a:effectRef idx="0">
+            <a:schemeClr val="dk1"/>
+          </a:effectRef>
+          <a:fontRef idx="minor">
+            <a:schemeClr val="dk1"/>
+          </a:fontRef>
+        </p:style>
+        <p:txBody>
+          <a:bodyPr lIns="0" tIns="0" rIns="0" bIns="0" rtlCol="0" anchor="ctr"/>
+          <a:lstStyle/>
+          <a:p>
+            <a:pPr algn="ctr"/>
+            <a:r>
+              <a:rPr lang="es-ES" sz="800" b="1">
+                <a:solidFill>
+                  <a:srgbClr val="0070C0"/>
+                </a:solidFill>
+              </a:rPr>
+              <a:t>T</a:t>
+            </a:r>
+          </a:p>
+        </p:txBody>
+      </p:sp>
+      <p:sp>
+        <p:nvSpPr>
+          <p:cNvPr id="87" name="Rectángulo 86">
+            <a:extLst>
+              <a:ext uri="{FF2B5EF4-FFF2-40B4-BE49-F238E27FC236}">
+                <a16:creationId xmlns:a16="http://schemas.microsoft.com/office/drawing/2014/main" id="{419A5545-C66F-4FA6-B71F-0EA5C9CC43F9}"/>
+              </a:ext>
+            </a:extLst>
+          </p:cNvPr>
+          <p:cNvSpPr/>
+          <p:nvPr/>
+        </p:nvSpPr>
+        <p:spPr>
+          <a:xfrm>
+            <a:off x="3114002" y="3170132"/>
+            <a:ext cx="108000" cy="108000"/>
+          </a:xfrm>
+          <a:prstGeom prst="rect">
+            <a:avLst/>
+          </a:prstGeom>
+          <a:noFill/>
+          <a:ln>
+            <a:noFill/>
+          </a:ln>
+        </p:spPr>
+        <p:style>
+          <a:lnRef idx="2">
+            <a:schemeClr val="dk1"/>
+          </a:lnRef>
+          <a:fillRef idx="1">
+            <a:schemeClr val="lt1"/>
+          </a:fillRef>
+          <a:effectRef idx="0">
+            <a:schemeClr val="dk1"/>
+          </a:effectRef>
+          <a:fontRef idx="minor">
+            <a:schemeClr val="dk1"/>
+          </a:fontRef>
+        </p:style>
+        <p:txBody>
+          <a:bodyPr lIns="0" tIns="0" rIns="0" bIns="0" rtlCol="0" anchor="ctr"/>
+          <a:lstStyle/>
+          <a:p>
+            <a:pPr algn="ctr"/>
+            <a:r>
+              <a:rPr lang="es-ES" sz="800" b="1">
+                <a:solidFill>
+                  <a:srgbClr val="0070C0"/>
+                </a:solidFill>
+              </a:rPr>
+              <a:t>T</a:t>
+            </a:r>
+          </a:p>
+        </p:txBody>
+      </p:sp>
+      <p:sp>
+        <p:nvSpPr>
+          <p:cNvPr id="88" name="Rectángulo 87">
+            <a:extLst>
+              <a:ext uri="{FF2B5EF4-FFF2-40B4-BE49-F238E27FC236}">
+                <a16:creationId xmlns:a16="http://schemas.microsoft.com/office/drawing/2014/main" id="{2A1D81F7-65D6-4391-AED0-945800B526FF}"/>
+              </a:ext>
+            </a:extLst>
+          </p:cNvPr>
+          <p:cNvSpPr/>
+          <p:nvPr/>
+        </p:nvSpPr>
+        <p:spPr>
+          <a:xfrm>
+            <a:off x="3824161" y="3170363"/>
+            <a:ext cx="108000" cy="108000"/>
+          </a:xfrm>
+          <a:prstGeom prst="rect">
+            <a:avLst/>
+          </a:prstGeom>
+          <a:noFill/>
+          <a:ln>
+            <a:noFill/>
+          </a:ln>
+        </p:spPr>
+        <p:style>
+          <a:lnRef idx="2">
+            <a:schemeClr val="dk1"/>
+          </a:lnRef>
+          <a:fillRef idx="1">
+            <a:schemeClr val="lt1"/>
+          </a:fillRef>
+          <a:effectRef idx="0">
+            <a:schemeClr val="dk1"/>
+          </a:effectRef>
+          <a:fontRef idx="minor">
+            <a:schemeClr val="dk1"/>
+          </a:fontRef>
+        </p:style>
+        <p:txBody>
+          <a:bodyPr lIns="0" tIns="0" rIns="0" bIns="0" rtlCol="0" anchor="ctr"/>
+          <a:lstStyle/>
+          <a:p>
+            <a:pPr algn="ctr"/>
+            <a:r>
+              <a:rPr lang="es-ES" sz="800" b="1">
+                <a:solidFill>
+                  <a:srgbClr val="0070C0"/>
+                </a:solidFill>
+              </a:rPr>
+              <a:t>T</a:t>
+            </a:r>
+          </a:p>
+        </p:txBody>
+      </p:sp>
+      <p:sp>
+        <p:nvSpPr>
+          <p:cNvPr id="89" name="Rectángulo 88">
+            <a:extLst>
+              <a:ext uri="{FF2B5EF4-FFF2-40B4-BE49-F238E27FC236}">
+                <a16:creationId xmlns:a16="http://schemas.microsoft.com/office/drawing/2014/main" id="{3E88E2D2-0338-41A8-B2DF-3BF06CC17272}"/>
+              </a:ext>
+            </a:extLst>
+          </p:cNvPr>
+          <p:cNvSpPr/>
+          <p:nvPr/>
+        </p:nvSpPr>
+        <p:spPr>
+          <a:xfrm>
+            <a:off x="2165009" y="4163512"/>
+            <a:ext cx="360000" cy="360000"/>
+          </a:xfrm>
+          <a:prstGeom prst="rect">
+            <a:avLst/>
+          </a:prstGeom>
+          <a:solidFill>
+            <a:schemeClr val="bg1">
+              <a:lumMod val="95000"/>
+            </a:schemeClr>
+          </a:solidFill>
+        </p:spPr>
+        <p:style>
+          <a:lnRef idx="2">
+            <a:schemeClr val="dk1"/>
+          </a:lnRef>
+          <a:fillRef idx="1">
+            <a:schemeClr val="lt1"/>
+          </a:fillRef>
+          <a:effectRef idx="0">
+            <a:schemeClr val="dk1"/>
+          </a:effectRef>
+          <a:fontRef idx="minor">
+            <a:schemeClr val="dk1"/>
+          </a:fontRef>
+        </p:style>
+        <p:txBody>
+          <a:bodyPr lIns="0" tIns="0" rIns="0" bIns="0" rtlCol="0" anchor="ctr"/>
+          <a:lstStyle/>
+          <a:p>
+            <a:pPr algn="ctr"/>
+            <a:r>
+              <a:rPr lang="es-ES" b="1">
+                <a:solidFill>
+                  <a:srgbClr val="DE7CC7"/>
+                </a:solidFill>
+              </a:rPr>
+              <a:t>1</a:t>
+            </a:r>
+          </a:p>
+        </p:txBody>
+      </p:sp>
+      <p:sp>
+        <p:nvSpPr>
+          <p:cNvPr id="90" name="Rectángulo 89">
+            <a:extLst>
+              <a:ext uri="{FF2B5EF4-FFF2-40B4-BE49-F238E27FC236}">
+                <a16:creationId xmlns:a16="http://schemas.microsoft.com/office/drawing/2014/main" id="{9BBB1458-746D-4AF7-8F86-6F53C856F19B}"/>
+              </a:ext>
+            </a:extLst>
+          </p:cNvPr>
+          <p:cNvSpPr/>
+          <p:nvPr/>
+        </p:nvSpPr>
+        <p:spPr>
+          <a:xfrm>
+            <a:off x="2578574" y="4166192"/>
+            <a:ext cx="2409351" cy="360000"/>
+          </a:xfrm>
+          <a:prstGeom prst="rect">
+            <a:avLst/>
+          </a:prstGeom>
+          <a:noFill/>
+          <a:ln>
+            <a:noFill/>
+          </a:ln>
+        </p:spPr>
+        <p:style>
+          <a:lnRef idx="2">
+            <a:schemeClr val="dk1"/>
+          </a:lnRef>
+          <a:fillRef idx="1">
+            <a:schemeClr val="lt1"/>
+          </a:fillRef>
+          <a:effectRef idx="0">
+            <a:schemeClr val="dk1"/>
+          </a:effectRef>
+          <a:fontRef idx="minor">
+            <a:schemeClr val="dk1"/>
+          </a:fontRef>
+        </p:style>
+        <p:txBody>
+          <a:bodyPr lIns="0" tIns="0" rIns="0" bIns="0" rtlCol="0" anchor="ctr"/>
+          <a:lstStyle/>
+          <a:p>
+            <a:r>
+              <a:rPr lang="es-ES" sz="1100" b="1">
+                <a:solidFill>
+                  <a:schemeClr val="tx1"/>
+                </a:solidFill>
+              </a:rPr>
+              <a:t>M – Torn de dia cap de setmana i festius</a:t>
+            </a:r>
+          </a:p>
+        </p:txBody>
+      </p:sp>
+      <p:sp>
+        <p:nvSpPr>
+          <p:cNvPr id="91" name="Rectángulo 90">
+            <a:extLst>
+              <a:ext uri="{FF2B5EF4-FFF2-40B4-BE49-F238E27FC236}">
+                <a16:creationId xmlns:a16="http://schemas.microsoft.com/office/drawing/2014/main" id="{F6EC5D5C-EEC6-48B2-BC56-816E36C3BAA4}"/>
+              </a:ext>
+            </a:extLst>
+          </p:cNvPr>
+          <p:cNvSpPr/>
+          <p:nvPr/>
+        </p:nvSpPr>
+        <p:spPr>
+          <a:xfrm>
+            <a:off x="2408841" y="4407241"/>
+            <a:ext cx="108000" cy="108000"/>
+          </a:xfrm>
+          <a:prstGeom prst="rect">
+            <a:avLst/>
+          </a:prstGeom>
+          <a:noFill/>
+          <a:ln>
+            <a:noFill/>
+          </a:ln>
+        </p:spPr>
+        <p:style>
+          <a:lnRef idx="2">
+            <a:schemeClr val="dk1"/>
+          </a:lnRef>
+          <a:fillRef idx="1">
+            <a:schemeClr val="lt1"/>
+          </a:fillRef>
+          <a:effectRef idx="0">
+            <a:schemeClr val="dk1"/>
+          </a:effectRef>
+          <a:fontRef idx="minor">
+            <a:schemeClr val="dk1"/>
+          </a:fontRef>
+        </p:style>
+        <p:txBody>
+          <a:bodyPr lIns="0" tIns="0" rIns="0" bIns="0" rtlCol="0" anchor="ctr"/>
+          <a:lstStyle/>
+          <a:p>
+            <a:pPr algn="ctr"/>
+            <a:r>
+              <a:rPr lang="es-ES" sz="800" b="1">
+                <a:solidFill>
+                  <a:srgbClr val="DE7CC7"/>
+                </a:solidFill>
+              </a:rPr>
+              <a:t>M</a:t>
+            </a:r>
+          </a:p>
+        </p:txBody>
+      </p:sp>
+      <p:sp>
+        <p:nvSpPr>
+          <p:cNvPr id="92" name="Rectángulo 91">
+            <a:extLst>
+              <a:ext uri="{FF2B5EF4-FFF2-40B4-BE49-F238E27FC236}">
+                <a16:creationId xmlns:a16="http://schemas.microsoft.com/office/drawing/2014/main" id="{1A5FF21E-4412-4A9C-81D1-C54BA1CC3AC8}"/>
+              </a:ext>
+            </a:extLst>
+          </p:cNvPr>
+          <p:cNvSpPr/>
+          <p:nvPr/>
+        </p:nvSpPr>
+        <p:spPr>
+          <a:xfrm>
+            <a:off x="2410429" y="4821719"/>
+            <a:ext cx="108000" cy="108000"/>
+          </a:xfrm>
+          <a:prstGeom prst="rect">
+            <a:avLst/>
+          </a:prstGeom>
+          <a:noFill/>
+          <a:ln>
+            <a:noFill/>
+          </a:ln>
+        </p:spPr>
+        <p:style>
+          <a:lnRef idx="2">
+            <a:schemeClr val="dk1"/>
+          </a:lnRef>
+          <a:fillRef idx="1">
+            <a:schemeClr val="lt1"/>
+          </a:fillRef>
+          <a:effectRef idx="0">
+            <a:schemeClr val="dk1"/>
+          </a:effectRef>
+          <a:fontRef idx="minor">
+            <a:schemeClr val="dk1"/>
+          </a:fontRef>
+        </p:style>
+        <p:txBody>
+          <a:bodyPr lIns="0" tIns="0" rIns="0" bIns="0" rtlCol="0" anchor="ctr"/>
+          <a:lstStyle/>
+          <a:p>
+            <a:pPr algn="ctr"/>
+            <a:r>
+              <a:rPr lang="es-ES" sz="800" b="1">
+                <a:solidFill>
+                  <a:srgbClr val="DE7CC7"/>
+                </a:solidFill>
+              </a:rPr>
+              <a:t>N</a:t>
+            </a:r>
+          </a:p>
+        </p:txBody>
+      </p:sp>
+      <p:sp>
+        <p:nvSpPr>
+          <p:cNvPr id="93" name="Rectángulo 92">
+            <a:extLst>
+              <a:ext uri="{FF2B5EF4-FFF2-40B4-BE49-F238E27FC236}">
+                <a16:creationId xmlns:a16="http://schemas.microsoft.com/office/drawing/2014/main" id="{7E307BD5-9EFC-432B-97BA-3FE13C47F965}"/>
+              </a:ext>
+            </a:extLst>
+          </p:cNvPr>
+          <p:cNvSpPr/>
+          <p:nvPr/>
+        </p:nvSpPr>
+        <p:spPr>
+          <a:xfrm>
+            <a:off x="4185696" y="2451932"/>
+            <a:ext cx="108000" cy="108000"/>
+          </a:xfrm>
+          <a:prstGeom prst="rect">
+            <a:avLst/>
+          </a:prstGeom>
+          <a:solidFill>
+            <a:srgbClr val="E8E8E8"/>
+          </a:solidFill>
+          <a:ln>
+            <a:noFill/>
+          </a:ln>
+        </p:spPr>
+        <p:style>
+          <a:lnRef idx="2">
+            <a:schemeClr val="dk1"/>
+          </a:lnRef>
+          <a:fillRef idx="1">
+            <a:schemeClr val="lt1"/>
+          </a:fillRef>
+          <a:effectRef idx="0">
+            <a:schemeClr val="dk1"/>
+          </a:effectRef>
+          <a:fontRef idx="minor">
+            <a:schemeClr val="dk1"/>
+          </a:fontRef>
+        </p:style>
+        <p:txBody>
+          <a:bodyPr lIns="0" tIns="0" rIns="0" bIns="0" rtlCol="0" anchor="ctr"/>
+          <a:lstStyle/>
+          <a:p>
+            <a:pPr algn="ctr"/>
+            <a:r>
+              <a:rPr lang="es-ES" sz="800" b="1">
+                <a:solidFill>
+                  <a:srgbClr val="DE7CC7"/>
+                </a:solidFill>
+              </a:rPr>
+              <a:t>M</a:t>
+            </a:r>
+          </a:p>
+        </p:txBody>
+      </p:sp>
+      <p:sp>
+        <p:nvSpPr>
+          <p:cNvPr id="95" name="Rectángulo 94">
+            <a:extLst>
+              <a:ext uri="{FF2B5EF4-FFF2-40B4-BE49-F238E27FC236}">
+                <a16:creationId xmlns:a16="http://schemas.microsoft.com/office/drawing/2014/main" id="{24233C9E-E35A-4B27-BC96-984CC52B20E7}"/>
+              </a:ext>
+            </a:extLst>
+          </p:cNvPr>
+          <p:cNvSpPr/>
+          <p:nvPr/>
+        </p:nvSpPr>
+        <p:spPr>
+          <a:xfrm>
+            <a:off x="4183476" y="3173190"/>
+            <a:ext cx="108000" cy="108000"/>
+          </a:xfrm>
+          <a:prstGeom prst="rect">
+            <a:avLst/>
+          </a:prstGeom>
+          <a:solidFill>
+            <a:srgbClr val="E8E8E8"/>
+          </a:solidFill>
+          <a:ln>
+            <a:noFill/>
+          </a:ln>
+        </p:spPr>
+        <p:style>
+          <a:lnRef idx="2">
+            <a:schemeClr val="dk1"/>
+          </a:lnRef>
+          <a:fillRef idx="1">
+            <a:schemeClr val="lt1"/>
+          </a:fillRef>
+          <a:effectRef idx="0">
+            <a:schemeClr val="dk1"/>
+          </a:effectRef>
+          <a:fontRef idx="minor">
+            <a:schemeClr val="dk1"/>
+          </a:fontRef>
+        </p:style>
+        <p:txBody>
+          <a:bodyPr lIns="0" tIns="0" rIns="0" bIns="0" rtlCol="0" anchor="ctr"/>
+          <a:lstStyle/>
+          <a:p>
+            <a:pPr algn="ctr"/>
+            <a:r>
+              <a:rPr lang="es-ES" sz="800" b="1">
+                <a:solidFill>
+                  <a:srgbClr val="DE7CC7"/>
+                </a:solidFill>
+              </a:rPr>
+              <a:t>M</a:t>
+            </a:r>
+          </a:p>
+        </p:txBody>
+      </p:sp>
+      <p:sp>
+        <p:nvSpPr>
+          <p:cNvPr id="96" name="Rectángulo 95">
+            <a:extLst>
+              <a:ext uri="{FF2B5EF4-FFF2-40B4-BE49-F238E27FC236}">
+                <a16:creationId xmlns:a16="http://schemas.microsoft.com/office/drawing/2014/main" id="{47F615A7-AEB9-4AA7-ACA7-88280AFC1EF4}"/>
+              </a:ext>
+            </a:extLst>
+          </p:cNvPr>
+          <p:cNvSpPr/>
+          <p:nvPr/>
+        </p:nvSpPr>
+        <p:spPr>
+          <a:xfrm>
+            <a:off x="4544136" y="3173190"/>
+            <a:ext cx="108000" cy="108000"/>
+          </a:xfrm>
+          <a:prstGeom prst="rect">
+            <a:avLst/>
+          </a:prstGeom>
+          <a:solidFill>
+            <a:srgbClr val="E8E8E8"/>
+          </a:solidFill>
+          <a:ln>
+            <a:noFill/>
+          </a:ln>
+        </p:spPr>
+        <p:style>
+          <a:lnRef idx="2">
+            <a:schemeClr val="dk1"/>
+          </a:lnRef>
+          <a:fillRef idx="1">
+            <a:schemeClr val="lt1"/>
+          </a:fillRef>
+          <a:effectRef idx="0">
+            <a:schemeClr val="dk1"/>
+          </a:effectRef>
+          <a:fontRef idx="minor">
+            <a:schemeClr val="dk1"/>
+          </a:fontRef>
+        </p:style>
+        <p:txBody>
+          <a:bodyPr lIns="0" tIns="0" rIns="0" bIns="0" rtlCol="0" anchor="ctr"/>
+          <a:lstStyle/>
+          <a:p>
+            <a:pPr algn="ctr"/>
+            <a:r>
+              <a:rPr lang="es-ES" sz="800" b="1">
+                <a:solidFill>
+                  <a:srgbClr val="DE7CC7"/>
+                </a:solidFill>
+              </a:rPr>
+              <a:t>M</a:t>
+            </a:r>
+          </a:p>
+        </p:txBody>
+      </p:sp>
+      <p:sp>
+        <p:nvSpPr>
+          <p:cNvPr id="97" name="Rectángulo 96">
+            <a:extLst>
+              <a:ext uri="{FF2B5EF4-FFF2-40B4-BE49-F238E27FC236}">
+                <a16:creationId xmlns:a16="http://schemas.microsoft.com/office/drawing/2014/main" id="{1A74F08A-1A44-4BCD-A581-64550042D685}"/>
+              </a:ext>
+            </a:extLst>
+          </p:cNvPr>
+          <p:cNvSpPr/>
+          <p:nvPr/>
+        </p:nvSpPr>
+        <p:spPr>
+          <a:xfrm>
+            <a:off x="3113675" y="2811066"/>
+            <a:ext cx="108000" cy="108000"/>
+          </a:xfrm>
+          <a:prstGeom prst="rect">
+            <a:avLst/>
+          </a:prstGeom>
+          <a:noFill/>
+          <a:ln>
+            <a:noFill/>
+          </a:ln>
+        </p:spPr>
+        <p:style>
+          <a:lnRef idx="2">
+            <a:schemeClr val="dk1"/>
+          </a:lnRef>
+          <a:fillRef idx="1">
+            <a:schemeClr val="lt1"/>
+          </a:fillRef>
+          <a:effectRef idx="0">
+            <a:schemeClr val="dk1"/>
+          </a:effectRef>
+          <a:fontRef idx="minor">
+            <a:schemeClr val="dk1"/>
+          </a:fontRef>
+        </p:style>
+        <p:txBody>
+          <a:bodyPr lIns="0" tIns="0" rIns="0" bIns="0" rtlCol="0" anchor="ctr"/>
+          <a:lstStyle/>
+          <a:p>
+            <a:pPr algn="ctr"/>
+            <a:r>
+              <a:rPr lang="es-ES" sz="800" b="1">
+                <a:solidFill>
+                  <a:srgbClr val="DE7CC7"/>
+                </a:solidFill>
+              </a:rPr>
+              <a:t>M</a:t>
+            </a:r>
+          </a:p>
+        </p:txBody>
+      </p:sp>
+      <p:sp>
+        <p:nvSpPr>
+          <p:cNvPr id="16" name="Rectángulo 15">
+            <a:extLst>
+              <a:ext uri="{FF2B5EF4-FFF2-40B4-BE49-F238E27FC236}">
+                <a16:creationId xmlns:a16="http://schemas.microsoft.com/office/drawing/2014/main" id="{B482A2D3-AF02-46CA-9065-3F7F6D3FC4A4}"/>
+              </a:ext>
+            </a:extLst>
+          </p:cNvPr>
+          <p:cNvSpPr/>
+          <p:nvPr/>
+        </p:nvSpPr>
+        <p:spPr>
+          <a:xfrm>
+            <a:off x="4298547" y="2205400"/>
+            <a:ext cx="360000" cy="360000"/>
+          </a:xfrm>
+          <a:prstGeom prst="rect">
+            <a:avLst/>
+          </a:prstGeom>
+          <a:solidFill>
+            <a:srgbClr val="E8E8E8"/>
+          </a:solidFill>
+          <a:ln w="38100">
+            <a:solidFill>
+              <a:schemeClr val="accent6">
+                <a:lumMod val="60000"/>
+                <a:lumOff val="40000"/>
+              </a:schemeClr>
+            </a:solidFill>
+          </a:ln>
+        </p:spPr>
+        <p:style>
+          <a:lnRef idx="2">
+            <a:schemeClr val="dk1"/>
+          </a:lnRef>
+          <a:fillRef idx="1">
+            <a:schemeClr val="lt1"/>
+          </a:fillRef>
+          <a:effectRef idx="0">
+            <a:schemeClr val="dk1"/>
+          </a:effectRef>
+          <a:fontRef idx="minor">
+            <a:schemeClr val="dk1"/>
+          </a:fontRef>
+        </p:style>
+        <p:txBody>
+          <a:bodyPr lIns="0" tIns="0" rIns="0" bIns="0" rtlCol="0" anchor="ctr"/>
+          <a:lstStyle/>
+          <a:p>
+            <a:pPr algn="ctr"/>
+            <a:r>
+              <a:rPr lang="es-ES" b="1">
+                <a:solidFill>
+                  <a:srgbClr val="DE7CC7"/>
+                </a:solidFill>
+              </a:rPr>
+              <a:t>5</a:t>
+            </a:r>
+          </a:p>
+        </p:txBody>
+      </p:sp>
+      <p:sp>
+        <p:nvSpPr>
+          <p:cNvPr id="94" name="Rectángulo 93">
+            <a:extLst>
+              <a:ext uri="{FF2B5EF4-FFF2-40B4-BE49-F238E27FC236}">
+                <a16:creationId xmlns:a16="http://schemas.microsoft.com/office/drawing/2014/main" id="{143D025E-1E83-4339-994F-C5B256AC73D4}"/>
+              </a:ext>
+            </a:extLst>
+          </p:cNvPr>
+          <p:cNvSpPr/>
+          <p:nvPr/>
+        </p:nvSpPr>
+        <p:spPr>
+          <a:xfrm>
+            <a:off x="4544136" y="2450981"/>
+            <a:ext cx="108000" cy="108000"/>
+          </a:xfrm>
+          <a:prstGeom prst="rect">
+            <a:avLst/>
+          </a:prstGeom>
+          <a:solidFill>
+            <a:srgbClr val="E8E8E8"/>
+          </a:solidFill>
+          <a:ln>
+            <a:noFill/>
+          </a:ln>
+        </p:spPr>
+        <p:style>
+          <a:lnRef idx="2">
+            <a:schemeClr val="dk1"/>
+          </a:lnRef>
+          <a:fillRef idx="1">
+            <a:schemeClr val="lt1"/>
+          </a:fillRef>
+          <a:effectRef idx="0">
+            <a:schemeClr val="dk1"/>
+          </a:effectRef>
+          <a:fontRef idx="minor">
+            <a:schemeClr val="dk1"/>
+          </a:fontRef>
+        </p:style>
+        <p:txBody>
+          <a:bodyPr lIns="0" tIns="0" rIns="0" bIns="0" rtlCol="0" anchor="ctr"/>
+          <a:lstStyle/>
+          <a:p>
+            <a:pPr algn="ctr"/>
+            <a:r>
+              <a:rPr lang="es-ES" sz="800" b="1">
+                <a:solidFill>
+                  <a:srgbClr val="DE7CC7"/>
+                </a:solidFill>
+              </a:rPr>
+              <a:t>M</a:t>
+            </a:r>
+          </a:p>
+        </p:txBody>
+      </p:sp>
+      <p:sp>
+        <p:nvSpPr>
+          <p:cNvPr id="98" name="Rectángulo 97">
+            <a:extLst>
+              <a:ext uri="{FF2B5EF4-FFF2-40B4-BE49-F238E27FC236}">
+                <a16:creationId xmlns:a16="http://schemas.microsoft.com/office/drawing/2014/main" id="{C2C99118-570F-443F-8734-350A46535731}"/>
+              </a:ext>
+            </a:extLst>
+          </p:cNvPr>
+          <p:cNvSpPr/>
+          <p:nvPr/>
+        </p:nvSpPr>
+        <p:spPr>
+          <a:xfrm>
+            <a:off x="1847725" y="1256106"/>
+            <a:ext cx="1639896" cy="360000"/>
+          </a:xfrm>
+          <a:prstGeom prst="rect">
+            <a:avLst/>
+          </a:prstGeom>
+          <a:noFill/>
+          <a:ln>
+            <a:noFill/>
+          </a:ln>
+        </p:spPr>
+        <p:style>
+          <a:lnRef idx="2">
+            <a:schemeClr val="dk1"/>
+          </a:lnRef>
+          <a:fillRef idx="1">
+            <a:schemeClr val="lt1"/>
+          </a:fillRef>
+          <a:effectRef idx="0">
+            <a:schemeClr val="dk1"/>
+          </a:effectRef>
+          <a:fontRef idx="minor">
+            <a:schemeClr val="dk1"/>
+          </a:fontRef>
+        </p:style>
+        <p:txBody>
+          <a:bodyPr lIns="0" tIns="0" rIns="0" bIns="0" rtlCol="0" anchor="ctr"/>
+          <a:lstStyle/>
+          <a:p>
+            <a:r>
+              <a:rPr lang="es-ES" sz="1400" b="1">
+                <a:solidFill>
+                  <a:schemeClr val="accent5">
+                    <a:lumMod val="50000"/>
+                  </a:schemeClr>
+                </a:solidFill>
+              </a:rPr>
+              <a:t>HGC</a:t>
+            </a:r>
+          </a:p>
+          <a:p>
+            <a:r>
+              <a:rPr lang="es-ES" sz="1400">
+                <a:solidFill>
+                  <a:schemeClr val="accent5">
+                    <a:lumMod val="50000"/>
+                  </a:schemeClr>
+                </a:solidFill>
+              </a:rPr>
+              <a:t>Rotacions - Elisenda</a:t>
+            </a:r>
+          </a:p>
+        </p:txBody>
+      </p:sp>
+      <p:sp>
+        <p:nvSpPr>
+          <p:cNvPr id="99" name="Rectángulo 98">
+            <a:extLst>
+              <a:ext uri="{FF2B5EF4-FFF2-40B4-BE49-F238E27FC236}">
+                <a16:creationId xmlns:a16="http://schemas.microsoft.com/office/drawing/2014/main" id="{332C5F20-1415-44DD-B05F-84391BF7E2AC}"/>
+              </a:ext>
+            </a:extLst>
+          </p:cNvPr>
+          <p:cNvSpPr/>
+          <p:nvPr/>
+        </p:nvSpPr>
+        <p:spPr>
+          <a:xfrm>
+            <a:off x="5715653" y="3566987"/>
+            <a:ext cx="360000" cy="360000"/>
+          </a:xfrm>
+          <a:prstGeom prst="rect">
+            <a:avLst/>
+          </a:prstGeom>
+          <a:solidFill>
+            <a:schemeClr val="bg1">
+              <a:lumMod val="95000"/>
+            </a:schemeClr>
+          </a:solidFill>
+        </p:spPr>
+        <p:style>
+          <a:lnRef idx="2">
+            <a:schemeClr val="dk1"/>
+          </a:lnRef>
+          <a:fillRef idx="1">
+            <a:schemeClr val="lt1"/>
+          </a:fillRef>
+          <a:effectRef idx="0">
+            <a:schemeClr val="dk1"/>
+          </a:effectRef>
+          <a:fontRef idx="minor">
+            <a:schemeClr val="dk1"/>
+          </a:fontRef>
+        </p:style>
+        <p:txBody>
+          <a:bodyPr lIns="0" tIns="0" rIns="0" bIns="0" rtlCol="0" anchor="ctr"/>
+          <a:lstStyle/>
+          <a:p>
+            <a:pPr algn="ctr"/>
+            <a:r>
+              <a:rPr lang="es-ES" b="1">
+                <a:solidFill>
+                  <a:srgbClr val="DE7CC7"/>
+                </a:solidFill>
+              </a:rPr>
+              <a:t>1</a:t>
+            </a:r>
+          </a:p>
+        </p:txBody>
+      </p:sp>
+      <p:sp>
+        <p:nvSpPr>
+          <p:cNvPr id="100" name="Rectángulo 99">
+            <a:extLst>
+              <a:ext uri="{FF2B5EF4-FFF2-40B4-BE49-F238E27FC236}">
+                <a16:creationId xmlns:a16="http://schemas.microsoft.com/office/drawing/2014/main" id="{C54A9FF3-1307-4056-8E6B-4174176FE954}"/>
+              </a:ext>
+            </a:extLst>
+          </p:cNvPr>
+          <p:cNvSpPr/>
+          <p:nvPr/>
+        </p:nvSpPr>
+        <p:spPr>
+          <a:xfrm>
+            <a:off x="5715653" y="3972102"/>
+            <a:ext cx="360000" cy="360000"/>
+          </a:xfrm>
+          <a:prstGeom prst="rect">
+            <a:avLst/>
+          </a:prstGeom>
+          <a:solidFill>
+            <a:schemeClr val="accent5">
+              <a:lumMod val="20000"/>
+              <a:lumOff val="80000"/>
+            </a:schemeClr>
+          </a:solidFill>
+        </p:spPr>
+        <p:style>
+          <a:lnRef idx="2">
+            <a:schemeClr val="dk1"/>
+          </a:lnRef>
+          <a:fillRef idx="1">
+            <a:schemeClr val="lt1"/>
+          </a:fillRef>
+          <a:effectRef idx="0">
+            <a:schemeClr val="dk1"/>
+          </a:effectRef>
+          <a:fontRef idx="minor">
+            <a:schemeClr val="dk1"/>
+          </a:fontRef>
+        </p:style>
+        <p:txBody>
+          <a:bodyPr lIns="0" tIns="0" rIns="0" bIns="0" rtlCol="0" anchor="ctr"/>
+          <a:lstStyle/>
+          <a:p>
+            <a:pPr algn="ctr"/>
+            <a:r>
+              <a:rPr lang="es-ES" b="1">
+                <a:solidFill>
+                  <a:srgbClr val="0070C0"/>
+                </a:solidFill>
+              </a:rPr>
+              <a:t>1</a:t>
+            </a:r>
+          </a:p>
+        </p:txBody>
+      </p:sp>
+      <p:sp>
+        <p:nvSpPr>
+          <p:cNvPr id="101" name="Rectángulo 100">
+            <a:extLst>
+              <a:ext uri="{FF2B5EF4-FFF2-40B4-BE49-F238E27FC236}">
+                <a16:creationId xmlns:a16="http://schemas.microsoft.com/office/drawing/2014/main" id="{83E05AE5-0366-4B31-A7B1-FADFE4338C81}"/>
+              </a:ext>
+            </a:extLst>
+          </p:cNvPr>
+          <p:cNvSpPr/>
+          <p:nvPr/>
+        </p:nvSpPr>
+        <p:spPr>
+          <a:xfrm>
+            <a:off x="6213887" y="3569667"/>
+            <a:ext cx="3836049" cy="360000"/>
+          </a:xfrm>
+          <a:prstGeom prst="rect">
+            <a:avLst/>
+          </a:prstGeom>
+          <a:noFill/>
+          <a:ln>
+            <a:noFill/>
+          </a:ln>
+        </p:spPr>
+        <p:style>
+          <a:lnRef idx="2">
+            <a:schemeClr val="dk1"/>
+          </a:lnRef>
+          <a:fillRef idx="1">
+            <a:schemeClr val="lt1"/>
+          </a:fillRef>
+          <a:effectRef idx="0">
+            <a:schemeClr val="dk1"/>
+          </a:effectRef>
+          <a:fontRef idx="minor">
+            <a:schemeClr val="dk1"/>
+          </a:fontRef>
+        </p:style>
+        <p:txBody>
+          <a:bodyPr lIns="0" tIns="0" rIns="0" bIns="0" rtlCol="0" anchor="ctr"/>
+          <a:lstStyle/>
+          <a:p>
+            <a:r>
               <a:rPr lang="es-ES">
                 <a:solidFill>
                   <a:schemeClr val="tx1"/>
                 </a:solidFill>
               </a:rPr>
-              <a:t>Dia festiu</a:t>
+              <a:t>N – Torn de nit cap de setmana i festius</a:t>
+            </a:r>
+          </a:p>
+        </p:txBody>
+      </p:sp>
+      <p:sp>
+        <p:nvSpPr>
+          <p:cNvPr id="102" name="Rectángulo 101">
+            <a:extLst>
+              <a:ext uri="{FF2B5EF4-FFF2-40B4-BE49-F238E27FC236}">
+                <a16:creationId xmlns:a16="http://schemas.microsoft.com/office/drawing/2014/main" id="{FF16F7F9-7ADB-46E0-8697-9EC460F10A04}"/>
+              </a:ext>
+            </a:extLst>
+          </p:cNvPr>
+          <p:cNvSpPr/>
+          <p:nvPr/>
+        </p:nvSpPr>
+        <p:spPr>
+          <a:xfrm>
+            <a:off x="6213888" y="3972102"/>
+            <a:ext cx="1801838" cy="360000"/>
+          </a:xfrm>
+          <a:prstGeom prst="rect">
+            <a:avLst/>
+          </a:prstGeom>
+          <a:noFill/>
+          <a:ln>
+            <a:noFill/>
+          </a:ln>
+        </p:spPr>
+        <p:style>
+          <a:lnRef idx="2">
+            <a:schemeClr val="dk1"/>
+          </a:lnRef>
+          <a:fillRef idx="1">
+            <a:schemeClr val="lt1"/>
+          </a:fillRef>
+          <a:effectRef idx="0">
+            <a:schemeClr val="dk1"/>
+          </a:effectRef>
+          <a:fontRef idx="minor">
+            <a:schemeClr val="dk1"/>
+          </a:fontRef>
+        </p:style>
+        <p:txBody>
+          <a:bodyPr lIns="0" tIns="0" rIns="0" bIns="0" rtlCol="0" anchor="ctr"/>
+          <a:lstStyle/>
+          <a:p>
+            <a:r>
+              <a:rPr lang="es-ES">
+                <a:solidFill>
+                  <a:schemeClr val="tx1"/>
+                </a:solidFill>
+              </a:rPr>
+              <a:t>M – Torn de matí</a:t>
+            </a:r>
+          </a:p>
+        </p:txBody>
+      </p:sp>
+      <p:sp>
+        <p:nvSpPr>
+          <p:cNvPr id="103" name="Rectángulo 102">
+            <a:extLst>
+              <a:ext uri="{FF2B5EF4-FFF2-40B4-BE49-F238E27FC236}">
+                <a16:creationId xmlns:a16="http://schemas.microsoft.com/office/drawing/2014/main" id="{56D6029B-E1D8-4859-8F2E-2675E6ACFD64}"/>
+              </a:ext>
+            </a:extLst>
+          </p:cNvPr>
+          <p:cNvSpPr/>
+          <p:nvPr/>
+        </p:nvSpPr>
+        <p:spPr>
+          <a:xfrm>
+            <a:off x="5715653" y="4382499"/>
+            <a:ext cx="360000" cy="360000"/>
+          </a:xfrm>
+          <a:prstGeom prst="rect">
+            <a:avLst/>
+          </a:prstGeom>
+          <a:solidFill>
+            <a:schemeClr val="accent5">
+              <a:lumMod val="40000"/>
+              <a:lumOff val="60000"/>
+            </a:schemeClr>
+          </a:solidFill>
+        </p:spPr>
+        <p:style>
+          <a:lnRef idx="2">
+            <a:schemeClr val="dk1"/>
+          </a:lnRef>
+          <a:fillRef idx="1">
+            <a:schemeClr val="lt1"/>
+          </a:fillRef>
+          <a:effectRef idx="0">
+            <a:schemeClr val="dk1"/>
+          </a:effectRef>
+          <a:fontRef idx="minor">
+            <a:schemeClr val="dk1"/>
+          </a:fontRef>
+        </p:style>
+        <p:txBody>
+          <a:bodyPr lIns="0" tIns="0" rIns="0" bIns="0" rtlCol="0" anchor="ctr"/>
+          <a:lstStyle/>
+          <a:p>
+            <a:pPr algn="ctr"/>
+            <a:r>
+              <a:rPr lang="es-ES" b="1">
+                <a:solidFill>
+                  <a:srgbClr val="0070C0"/>
+                </a:solidFill>
+              </a:rPr>
+              <a:t>1</a:t>
+            </a:r>
+          </a:p>
+        </p:txBody>
+      </p:sp>
+      <p:sp>
+        <p:nvSpPr>
+          <p:cNvPr id="104" name="Rectángulo 103">
+            <a:extLst>
+              <a:ext uri="{FF2B5EF4-FFF2-40B4-BE49-F238E27FC236}">
+                <a16:creationId xmlns:a16="http://schemas.microsoft.com/office/drawing/2014/main" id="{3EA61741-DF08-4FEA-AD75-0D4EA366E885}"/>
+              </a:ext>
+            </a:extLst>
+          </p:cNvPr>
+          <p:cNvSpPr/>
+          <p:nvPr/>
+        </p:nvSpPr>
+        <p:spPr>
+          <a:xfrm>
+            <a:off x="6213888" y="4382499"/>
+            <a:ext cx="1801838" cy="360000"/>
+          </a:xfrm>
+          <a:prstGeom prst="rect">
+            <a:avLst/>
+          </a:prstGeom>
+          <a:noFill/>
+          <a:ln>
+            <a:noFill/>
+          </a:ln>
+        </p:spPr>
+        <p:style>
+          <a:lnRef idx="2">
+            <a:schemeClr val="dk1"/>
+          </a:lnRef>
+          <a:fillRef idx="1">
+            <a:schemeClr val="lt1"/>
+          </a:fillRef>
+          <a:effectRef idx="0">
+            <a:schemeClr val="dk1"/>
+          </a:effectRef>
+          <a:fontRef idx="minor">
+            <a:schemeClr val="dk1"/>
+          </a:fontRef>
+        </p:style>
+        <p:txBody>
+          <a:bodyPr lIns="0" tIns="0" rIns="0" bIns="0" rtlCol="0" anchor="ctr"/>
+          <a:lstStyle/>
+          <a:p>
+            <a:r>
+              <a:rPr lang="es-ES">
+                <a:solidFill>
+                  <a:schemeClr val="tx1"/>
+                </a:solidFill>
+              </a:rPr>
+              <a:t>T – Torn de tarda</a:t>
+            </a:r>
+          </a:p>
+        </p:txBody>
+      </p:sp>
+      <p:sp>
+        <p:nvSpPr>
+          <p:cNvPr id="105" name="Rectángulo 104">
+            <a:extLst>
+              <a:ext uri="{FF2B5EF4-FFF2-40B4-BE49-F238E27FC236}">
+                <a16:creationId xmlns:a16="http://schemas.microsoft.com/office/drawing/2014/main" id="{75C1BDE7-A14E-4736-96B3-438076421DDB}"/>
+              </a:ext>
+            </a:extLst>
+          </p:cNvPr>
+          <p:cNvSpPr/>
+          <p:nvPr/>
+        </p:nvSpPr>
+        <p:spPr>
+          <a:xfrm>
+            <a:off x="5715653" y="4789503"/>
+            <a:ext cx="360000" cy="360000"/>
+          </a:xfrm>
+          <a:prstGeom prst="rect">
+            <a:avLst/>
+          </a:prstGeom>
+          <a:solidFill>
+            <a:schemeClr val="accent5">
+              <a:lumMod val="60000"/>
+              <a:lumOff val="40000"/>
+            </a:schemeClr>
+          </a:solidFill>
+        </p:spPr>
+        <p:style>
+          <a:lnRef idx="2">
+            <a:schemeClr val="dk1"/>
+          </a:lnRef>
+          <a:fillRef idx="1">
+            <a:schemeClr val="lt1"/>
+          </a:fillRef>
+          <a:effectRef idx="0">
+            <a:schemeClr val="dk1"/>
+          </a:effectRef>
+          <a:fontRef idx="minor">
+            <a:schemeClr val="dk1"/>
+          </a:fontRef>
+        </p:style>
+        <p:txBody>
+          <a:bodyPr lIns="0" tIns="0" rIns="0" bIns="0" rtlCol="0" anchor="ctr"/>
+          <a:lstStyle/>
+          <a:p>
+            <a:pPr algn="ctr"/>
+            <a:r>
+              <a:rPr lang="es-ES" b="1">
+                <a:solidFill>
+                  <a:srgbClr val="0070C0"/>
+                </a:solidFill>
+              </a:rPr>
+              <a:t>1</a:t>
+            </a:r>
+          </a:p>
+        </p:txBody>
+      </p:sp>
+      <p:sp>
+        <p:nvSpPr>
+          <p:cNvPr id="106" name="Rectángulo 105">
+            <a:extLst>
+              <a:ext uri="{FF2B5EF4-FFF2-40B4-BE49-F238E27FC236}">
+                <a16:creationId xmlns:a16="http://schemas.microsoft.com/office/drawing/2014/main" id="{0E83B736-1520-423A-AEBE-713F0A88DB92}"/>
+              </a:ext>
+            </a:extLst>
+          </p:cNvPr>
+          <p:cNvSpPr/>
+          <p:nvPr/>
+        </p:nvSpPr>
+        <p:spPr>
+          <a:xfrm>
+            <a:off x="6213888" y="4789503"/>
+            <a:ext cx="1570626" cy="360000"/>
+          </a:xfrm>
+          <a:prstGeom prst="rect">
+            <a:avLst/>
+          </a:prstGeom>
+          <a:noFill/>
+          <a:ln>
+            <a:noFill/>
+          </a:ln>
+        </p:spPr>
+        <p:style>
+          <a:lnRef idx="2">
+            <a:schemeClr val="dk1"/>
+          </a:lnRef>
+          <a:fillRef idx="1">
+            <a:schemeClr val="lt1"/>
+          </a:fillRef>
+          <a:effectRef idx="0">
+            <a:schemeClr val="dk1"/>
+          </a:effectRef>
+          <a:fontRef idx="minor">
+            <a:schemeClr val="dk1"/>
+          </a:fontRef>
+        </p:style>
+        <p:txBody>
+          <a:bodyPr lIns="0" tIns="0" rIns="0" bIns="0" rtlCol="0" anchor="ctr"/>
+          <a:lstStyle/>
+          <a:p>
+            <a:r>
+              <a:rPr lang="es-ES">
+                <a:solidFill>
+                  <a:schemeClr val="tx1"/>
+                </a:solidFill>
+              </a:rPr>
+              <a:t>N – Torn de nit</a:t>
+            </a:r>
+          </a:p>
+        </p:txBody>
+      </p:sp>
+      <p:sp>
+        <p:nvSpPr>
+          <p:cNvPr id="107" name="Rectángulo 106">
+            <a:extLst>
+              <a:ext uri="{FF2B5EF4-FFF2-40B4-BE49-F238E27FC236}">
+                <a16:creationId xmlns:a16="http://schemas.microsoft.com/office/drawing/2014/main" id="{E0B4D046-2CA9-4075-8DF2-964ED1B5DA09}"/>
+              </a:ext>
+            </a:extLst>
+          </p:cNvPr>
+          <p:cNvSpPr/>
+          <p:nvPr/>
+        </p:nvSpPr>
+        <p:spPr>
+          <a:xfrm>
+            <a:off x="5959485" y="4217751"/>
+            <a:ext cx="108000" cy="108000"/>
+          </a:xfrm>
+          <a:prstGeom prst="rect">
+            <a:avLst/>
+          </a:prstGeom>
+          <a:solidFill>
+            <a:schemeClr val="accent5">
+              <a:lumMod val="20000"/>
+              <a:lumOff val="80000"/>
+            </a:schemeClr>
+          </a:solidFill>
+          <a:ln>
+            <a:noFill/>
+          </a:ln>
+        </p:spPr>
+        <p:style>
+          <a:lnRef idx="2">
+            <a:schemeClr val="dk1"/>
+          </a:lnRef>
+          <a:fillRef idx="1">
+            <a:schemeClr val="lt1"/>
+          </a:fillRef>
+          <a:effectRef idx="0">
+            <a:schemeClr val="dk1"/>
+          </a:effectRef>
+          <a:fontRef idx="minor">
+            <a:schemeClr val="dk1"/>
+          </a:fontRef>
+        </p:style>
+        <p:txBody>
+          <a:bodyPr lIns="0" tIns="0" rIns="0" bIns="0" rtlCol="0" anchor="ctr"/>
+          <a:lstStyle/>
+          <a:p>
+            <a:pPr algn="ctr"/>
+            <a:r>
+              <a:rPr lang="es-ES" sz="800" b="1">
+                <a:solidFill>
+                  <a:srgbClr val="0070C0"/>
+                </a:solidFill>
+              </a:rPr>
+              <a:t>M</a:t>
+            </a:r>
+          </a:p>
+        </p:txBody>
+      </p:sp>
+      <p:sp>
+        <p:nvSpPr>
+          <p:cNvPr id="108" name="Rectángulo 107">
+            <a:extLst>
+              <a:ext uri="{FF2B5EF4-FFF2-40B4-BE49-F238E27FC236}">
+                <a16:creationId xmlns:a16="http://schemas.microsoft.com/office/drawing/2014/main" id="{6E7FE543-9862-410F-B2B7-58F01259BC5B}"/>
+              </a:ext>
+            </a:extLst>
+          </p:cNvPr>
+          <p:cNvSpPr/>
+          <p:nvPr/>
+        </p:nvSpPr>
+        <p:spPr>
+          <a:xfrm>
+            <a:off x="5959485" y="4629075"/>
+            <a:ext cx="108000" cy="108000"/>
+          </a:xfrm>
+          <a:prstGeom prst="rect">
+            <a:avLst/>
+          </a:prstGeom>
+          <a:solidFill>
+            <a:schemeClr val="accent5">
+              <a:lumMod val="40000"/>
+              <a:lumOff val="60000"/>
+            </a:schemeClr>
+          </a:solidFill>
+          <a:ln>
+            <a:noFill/>
+          </a:ln>
+        </p:spPr>
+        <p:style>
+          <a:lnRef idx="2">
+            <a:schemeClr val="dk1"/>
+          </a:lnRef>
+          <a:fillRef idx="1">
+            <a:schemeClr val="lt1"/>
+          </a:fillRef>
+          <a:effectRef idx="0">
+            <a:schemeClr val="dk1"/>
+          </a:effectRef>
+          <a:fontRef idx="minor">
+            <a:schemeClr val="dk1"/>
+          </a:fontRef>
+        </p:style>
+        <p:txBody>
+          <a:bodyPr lIns="0" tIns="0" rIns="0" bIns="0" rtlCol="0" anchor="ctr"/>
+          <a:lstStyle/>
+          <a:p>
+            <a:pPr algn="ctr"/>
+            <a:r>
+              <a:rPr lang="es-ES" sz="800" b="1">
+                <a:solidFill>
+                  <a:srgbClr val="0070C0"/>
+                </a:solidFill>
+              </a:rPr>
+              <a:t>T</a:t>
+            </a:r>
+          </a:p>
+        </p:txBody>
+      </p:sp>
+      <p:sp>
+        <p:nvSpPr>
+          <p:cNvPr id="109" name="Rectángulo 108">
+            <a:extLst>
+              <a:ext uri="{FF2B5EF4-FFF2-40B4-BE49-F238E27FC236}">
+                <a16:creationId xmlns:a16="http://schemas.microsoft.com/office/drawing/2014/main" id="{5B3F0E25-602D-4F97-AE67-C1EDB3AF770F}"/>
+              </a:ext>
+            </a:extLst>
+          </p:cNvPr>
+          <p:cNvSpPr/>
+          <p:nvPr/>
+        </p:nvSpPr>
+        <p:spPr>
+          <a:xfrm>
+            <a:off x="5959485" y="5035151"/>
+            <a:ext cx="108000" cy="108000"/>
+          </a:xfrm>
+          <a:prstGeom prst="rect">
+            <a:avLst/>
+          </a:prstGeom>
+          <a:solidFill>
+            <a:schemeClr val="accent5">
+              <a:lumMod val="60000"/>
+              <a:lumOff val="40000"/>
+            </a:schemeClr>
+          </a:solidFill>
+          <a:ln>
+            <a:noFill/>
+          </a:ln>
+        </p:spPr>
+        <p:style>
+          <a:lnRef idx="2">
+            <a:schemeClr val="dk1"/>
+          </a:lnRef>
+          <a:fillRef idx="1">
+            <a:schemeClr val="lt1"/>
+          </a:fillRef>
+          <a:effectRef idx="0">
+            <a:schemeClr val="dk1"/>
+          </a:effectRef>
+          <a:fontRef idx="minor">
+            <a:schemeClr val="dk1"/>
+          </a:fontRef>
+        </p:style>
+        <p:txBody>
+          <a:bodyPr lIns="0" tIns="0" rIns="0" bIns="0" rtlCol="0" anchor="ctr"/>
+          <a:lstStyle/>
+          <a:p>
+            <a:pPr algn="ctr"/>
+            <a:r>
+              <a:rPr lang="es-ES" sz="800" b="1">
+                <a:solidFill>
+                  <a:srgbClr val="0070C0"/>
+                </a:solidFill>
+              </a:rPr>
+              <a:t>N</a:t>
+            </a:r>
+          </a:p>
+        </p:txBody>
+      </p:sp>
+      <p:sp>
+        <p:nvSpPr>
+          <p:cNvPr id="110" name="Rectángulo 109">
+            <a:extLst>
+              <a:ext uri="{FF2B5EF4-FFF2-40B4-BE49-F238E27FC236}">
+                <a16:creationId xmlns:a16="http://schemas.microsoft.com/office/drawing/2014/main" id="{530AC369-7698-40F8-BB64-D040E95CCA28}"/>
+              </a:ext>
+            </a:extLst>
+          </p:cNvPr>
+          <p:cNvSpPr/>
+          <p:nvPr/>
+        </p:nvSpPr>
+        <p:spPr>
+          <a:xfrm>
+            <a:off x="5715653" y="3153910"/>
+            <a:ext cx="360000" cy="360000"/>
+          </a:xfrm>
+          <a:prstGeom prst="rect">
+            <a:avLst/>
+          </a:prstGeom>
+          <a:solidFill>
+            <a:schemeClr val="bg1">
+              <a:lumMod val="95000"/>
+            </a:schemeClr>
+          </a:solidFill>
+        </p:spPr>
+        <p:style>
+          <a:lnRef idx="2">
+            <a:schemeClr val="dk1"/>
+          </a:lnRef>
+          <a:fillRef idx="1">
+            <a:schemeClr val="lt1"/>
+          </a:fillRef>
+          <a:effectRef idx="0">
+            <a:schemeClr val="dk1"/>
+          </a:effectRef>
+          <a:fontRef idx="minor">
+            <a:schemeClr val="dk1"/>
+          </a:fontRef>
+        </p:style>
+        <p:txBody>
+          <a:bodyPr lIns="0" tIns="0" rIns="0" bIns="0" rtlCol="0" anchor="ctr"/>
+          <a:lstStyle/>
+          <a:p>
+            <a:pPr algn="ctr"/>
+            <a:r>
+              <a:rPr lang="es-ES" b="1">
+                <a:solidFill>
+                  <a:srgbClr val="DE7CC7"/>
+                </a:solidFill>
+              </a:rPr>
+              <a:t>1</a:t>
+            </a:r>
+          </a:p>
+        </p:txBody>
+      </p:sp>
+      <p:sp>
+        <p:nvSpPr>
+          <p:cNvPr id="111" name="Rectángulo 110">
+            <a:extLst>
+              <a:ext uri="{FF2B5EF4-FFF2-40B4-BE49-F238E27FC236}">
+                <a16:creationId xmlns:a16="http://schemas.microsoft.com/office/drawing/2014/main" id="{83D13960-48F2-4996-A4AA-50845A31F895}"/>
+              </a:ext>
+            </a:extLst>
+          </p:cNvPr>
+          <p:cNvSpPr/>
+          <p:nvPr/>
+        </p:nvSpPr>
+        <p:spPr>
+          <a:xfrm>
+            <a:off x="6213888" y="3156590"/>
+            <a:ext cx="3967279" cy="360000"/>
+          </a:xfrm>
+          <a:prstGeom prst="rect">
+            <a:avLst/>
+          </a:prstGeom>
+          <a:noFill/>
+          <a:ln>
+            <a:noFill/>
+          </a:ln>
+        </p:spPr>
+        <p:style>
+          <a:lnRef idx="2">
+            <a:schemeClr val="dk1"/>
+          </a:lnRef>
+          <a:fillRef idx="1">
+            <a:schemeClr val="lt1"/>
+          </a:fillRef>
+          <a:effectRef idx="0">
+            <a:schemeClr val="dk1"/>
+          </a:effectRef>
+          <a:fontRef idx="minor">
+            <a:schemeClr val="dk1"/>
+          </a:fontRef>
+        </p:style>
+        <p:txBody>
+          <a:bodyPr lIns="0" tIns="0" rIns="0" bIns="0" rtlCol="0" anchor="ctr"/>
+          <a:lstStyle/>
+          <a:p>
+            <a:r>
+              <a:rPr lang="es-ES">
+                <a:solidFill>
+                  <a:schemeClr val="tx1"/>
+                </a:solidFill>
+              </a:rPr>
+              <a:t>M – Torn de dia cap de setmana i festius</a:t>
+            </a:r>
+          </a:p>
+        </p:txBody>
+      </p:sp>
+      <p:sp>
+        <p:nvSpPr>
+          <p:cNvPr id="112" name="Rectángulo 111">
+            <a:extLst>
+              <a:ext uri="{FF2B5EF4-FFF2-40B4-BE49-F238E27FC236}">
+                <a16:creationId xmlns:a16="http://schemas.microsoft.com/office/drawing/2014/main" id="{638F9A8A-D8BB-4E75-A114-E6525608674E}"/>
+              </a:ext>
+            </a:extLst>
+          </p:cNvPr>
+          <p:cNvSpPr/>
+          <p:nvPr/>
+        </p:nvSpPr>
+        <p:spPr>
+          <a:xfrm>
+            <a:off x="5959485" y="3397639"/>
+            <a:ext cx="108000" cy="108000"/>
+          </a:xfrm>
+          <a:prstGeom prst="rect">
+            <a:avLst/>
+          </a:prstGeom>
+          <a:noFill/>
+          <a:ln>
+            <a:noFill/>
+          </a:ln>
+        </p:spPr>
+        <p:style>
+          <a:lnRef idx="2">
+            <a:schemeClr val="dk1"/>
+          </a:lnRef>
+          <a:fillRef idx="1">
+            <a:schemeClr val="lt1"/>
+          </a:fillRef>
+          <a:effectRef idx="0">
+            <a:schemeClr val="dk1"/>
+          </a:effectRef>
+          <a:fontRef idx="minor">
+            <a:schemeClr val="dk1"/>
+          </a:fontRef>
+        </p:style>
+        <p:txBody>
+          <a:bodyPr lIns="0" tIns="0" rIns="0" bIns="0" rtlCol="0" anchor="ctr"/>
+          <a:lstStyle/>
+          <a:p>
+            <a:pPr algn="ctr"/>
+            <a:r>
+              <a:rPr lang="es-ES" sz="800" b="1">
+                <a:solidFill>
+                  <a:srgbClr val="DE7CC7"/>
+                </a:solidFill>
+              </a:rPr>
+              <a:t>M</a:t>
+            </a:r>
+          </a:p>
+        </p:txBody>
+      </p:sp>
+      <p:sp>
+        <p:nvSpPr>
+          <p:cNvPr id="113" name="Rectángulo 112">
+            <a:extLst>
+              <a:ext uri="{FF2B5EF4-FFF2-40B4-BE49-F238E27FC236}">
+                <a16:creationId xmlns:a16="http://schemas.microsoft.com/office/drawing/2014/main" id="{58FFB9D4-F94C-4E36-94FF-7D7FD7659102}"/>
+              </a:ext>
+            </a:extLst>
+          </p:cNvPr>
+          <p:cNvSpPr/>
+          <p:nvPr/>
+        </p:nvSpPr>
+        <p:spPr>
+          <a:xfrm>
+            <a:off x="5961073" y="3812117"/>
+            <a:ext cx="108000" cy="108000"/>
+          </a:xfrm>
+          <a:prstGeom prst="rect">
+            <a:avLst/>
+          </a:prstGeom>
+          <a:noFill/>
+          <a:ln>
+            <a:noFill/>
+          </a:ln>
+        </p:spPr>
+        <p:style>
+          <a:lnRef idx="2">
+            <a:schemeClr val="dk1"/>
+          </a:lnRef>
+          <a:fillRef idx="1">
+            <a:schemeClr val="lt1"/>
+          </a:fillRef>
+          <a:effectRef idx="0">
+            <a:schemeClr val="dk1"/>
+          </a:effectRef>
+          <a:fontRef idx="minor">
+            <a:schemeClr val="dk1"/>
+          </a:fontRef>
+        </p:style>
+        <p:txBody>
+          <a:bodyPr lIns="0" tIns="0" rIns="0" bIns="0" rtlCol="0" anchor="ctr"/>
+          <a:lstStyle/>
+          <a:p>
+            <a:pPr algn="ctr"/>
+            <a:r>
+              <a:rPr lang="es-ES" sz="800" b="1">
+                <a:solidFill>
+                  <a:srgbClr val="DE7CC7"/>
+                </a:solidFill>
+              </a:rPr>
+              <a:t>N</a:t>
             </a:r>
           </a:p>
         </p:txBody>

--- a/Documentació/CACACuidPers App.pptx
+++ b/Documentació/CACACuidPers App.pptx
@@ -6,6 +6,7 @@
   </p:sldMasterIdLst>
   <p:sldIdLst>
     <p:sldId id="256" r:id="rId2"/>
+    <p:sldId id="257" r:id="rId3"/>
   </p:sldIdLst>
   <p:sldSz cx="12192000" cy="6858000"/>
   <p:notesSz cx="6858000" cy="9144000"/>
@@ -259,7 +260,7 @@
           <a:p>
             <a:fld id="{43143E1E-E659-4054-BB16-CCB4A55F9C92}" type="datetimeFigureOut">
               <a:rPr lang="es-ES" smtClean="0"/>
-              <a:t>05/12/2021</a:t>
+              <a:t>07/12/2021</a:t>
             </a:fld>
             <a:endParaRPr lang="es-ES"/>
           </a:p>
@@ -457,7 +458,7 @@
           <a:p>
             <a:fld id="{43143E1E-E659-4054-BB16-CCB4A55F9C92}" type="datetimeFigureOut">
               <a:rPr lang="es-ES" smtClean="0"/>
-              <a:t>05/12/2021</a:t>
+              <a:t>07/12/2021</a:t>
             </a:fld>
             <a:endParaRPr lang="es-ES"/>
           </a:p>
@@ -665,7 +666,7 @@
           <a:p>
             <a:fld id="{43143E1E-E659-4054-BB16-CCB4A55F9C92}" type="datetimeFigureOut">
               <a:rPr lang="es-ES" smtClean="0"/>
-              <a:t>05/12/2021</a:t>
+              <a:t>07/12/2021</a:t>
             </a:fld>
             <a:endParaRPr lang="es-ES"/>
           </a:p>
@@ -863,7 +864,7 @@
           <a:p>
             <a:fld id="{43143E1E-E659-4054-BB16-CCB4A55F9C92}" type="datetimeFigureOut">
               <a:rPr lang="es-ES" smtClean="0"/>
-              <a:t>05/12/2021</a:t>
+              <a:t>07/12/2021</a:t>
             </a:fld>
             <a:endParaRPr lang="es-ES"/>
           </a:p>
@@ -1138,7 +1139,7 @@
           <a:p>
             <a:fld id="{43143E1E-E659-4054-BB16-CCB4A55F9C92}" type="datetimeFigureOut">
               <a:rPr lang="es-ES" smtClean="0"/>
-              <a:t>05/12/2021</a:t>
+              <a:t>07/12/2021</a:t>
             </a:fld>
             <a:endParaRPr lang="es-ES"/>
           </a:p>
@@ -1403,7 +1404,7 @@
           <a:p>
             <a:fld id="{43143E1E-E659-4054-BB16-CCB4A55F9C92}" type="datetimeFigureOut">
               <a:rPr lang="es-ES" smtClean="0"/>
-              <a:t>05/12/2021</a:t>
+              <a:t>07/12/2021</a:t>
             </a:fld>
             <a:endParaRPr lang="es-ES"/>
           </a:p>
@@ -1815,7 +1816,7 @@
           <a:p>
             <a:fld id="{43143E1E-E659-4054-BB16-CCB4A55F9C92}" type="datetimeFigureOut">
               <a:rPr lang="es-ES" smtClean="0"/>
-              <a:t>05/12/2021</a:t>
+              <a:t>07/12/2021</a:t>
             </a:fld>
             <a:endParaRPr lang="es-ES"/>
           </a:p>
@@ -1956,7 +1957,7 @@
           <a:p>
             <a:fld id="{43143E1E-E659-4054-BB16-CCB4A55F9C92}" type="datetimeFigureOut">
               <a:rPr lang="es-ES" smtClean="0"/>
-              <a:t>05/12/2021</a:t>
+              <a:t>07/12/2021</a:t>
             </a:fld>
             <a:endParaRPr lang="es-ES"/>
           </a:p>
@@ -2069,7 +2070,7 @@
           <a:p>
             <a:fld id="{43143E1E-E659-4054-BB16-CCB4A55F9C92}" type="datetimeFigureOut">
               <a:rPr lang="es-ES" smtClean="0"/>
-              <a:t>05/12/2021</a:t>
+              <a:t>07/12/2021</a:t>
             </a:fld>
             <a:endParaRPr lang="es-ES"/>
           </a:p>
@@ -2380,7 +2381,7 @@
           <a:p>
             <a:fld id="{43143E1E-E659-4054-BB16-CCB4A55F9C92}" type="datetimeFigureOut">
               <a:rPr lang="es-ES" smtClean="0"/>
-              <a:t>05/12/2021</a:t>
+              <a:t>07/12/2021</a:t>
             </a:fld>
             <a:endParaRPr lang="es-ES"/>
           </a:p>
@@ -2668,7 +2669,7 @@
           <a:p>
             <a:fld id="{43143E1E-E659-4054-BB16-CCB4A55F9C92}" type="datetimeFigureOut">
               <a:rPr lang="es-ES" smtClean="0"/>
-              <a:t>05/12/2021</a:t>
+              <a:t>07/12/2021</a:t>
             </a:fld>
             <a:endParaRPr lang="es-ES"/>
           </a:p>
@@ -2909,7 +2910,7 @@
           <a:p>
             <a:fld id="{43143E1E-E659-4054-BB16-CCB4A55F9C92}" type="datetimeFigureOut">
               <a:rPr lang="es-ES" smtClean="0"/>
-              <a:t>05/12/2021</a:t>
+              <a:t>07/12/2021</a:t>
             </a:fld>
             <a:endParaRPr lang="es-ES"/>
           </a:p>
@@ -8958,10 +8959,196 @@
           </a:p>
         </p:txBody>
       </p:sp>
+      <p:pic>
+        <p:nvPicPr>
+          <p:cNvPr id="114" name="Gráfico 113" descr="Persona comiendo con relleno sólido">
+            <a:extLst>
+              <a:ext uri="{FF2B5EF4-FFF2-40B4-BE49-F238E27FC236}">
+                <a16:creationId xmlns:a16="http://schemas.microsoft.com/office/drawing/2014/main" id="{E16ED9F7-31B7-4DD7-A8F2-9EB345F12653}"/>
+              </a:ext>
+            </a:extLst>
+          </p:cNvPr>
+          <p:cNvPicPr>
+            <a:picLocks noChangeAspect="1"/>
+          </p:cNvPicPr>
+          <p:nvPr/>
+        </p:nvPicPr>
+        <p:blipFill>
+          <a:blip r:embed="rId3">
+            <a:extLst>
+              <a:ext uri="{28A0092B-C50C-407E-A947-70E740481C1C}">
+                <a14:useLocalDpi xmlns:a14="http://schemas.microsoft.com/office/drawing/2010/main" val="0"/>
+              </a:ext>
+              <a:ext uri="{96DAC541-7B7A-43D3-8B79-37D633B846F1}">
+                <asvg:svgBlip xmlns:asvg="http://schemas.microsoft.com/office/drawing/2016/SVG/main" r:embed="rId4"/>
+              </a:ext>
+            </a:extLst>
+          </a:blip>
+          <a:stretch>
+            <a:fillRect/>
+          </a:stretch>
+        </p:blipFill>
+        <p:spPr>
+          <a:xfrm>
+            <a:off x="2386526" y="4163512"/>
+            <a:ext cx="144000" cy="144000"/>
+          </a:xfrm>
+          <a:prstGeom prst="rect">
+            <a:avLst/>
+          </a:prstGeom>
+        </p:spPr>
+      </p:pic>
+      <p:pic>
+        <p:nvPicPr>
+          <p:cNvPr id="115" name="Gráfico 114" descr="Persona comiendo contorno">
+            <a:extLst>
+              <a:ext uri="{FF2B5EF4-FFF2-40B4-BE49-F238E27FC236}">
+                <a16:creationId xmlns:a16="http://schemas.microsoft.com/office/drawing/2014/main" id="{A5E856E9-0E88-4ABC-B882-8E6B24633B1E}"/>
+              </a:ext>
+            </a:extLst>
+          </p:cNvPr>
+          <p:cNvPicPr>
+            <a:picLocks noChangeAspect="1"/>
+          </p:cNvPicPr>
+          <p:nvPr/>
+        </p:nvPicPr>
+        <p:blipFill>
+          <a:blip r:embed="rId5">
+            <a:extLst>
+              <a:ext uri="{28A0092B-C50C-407E-A947-70E740481C1C}">
+                <a14:useLocalDpi xmlns:a14="http://schemas.microsoft.com/office/drawing/2010/main" val="0"/>
+              </a:ext>
+              <a:ext uri="{96DAC541-7B7A-43D3-8B79-37D633B846F1}">
+                <asvg:svgBlip xmlns:asvg="http://schemas.microsoft.com/office/drawing/2016/SVG/main" r:embed="rId6"/>
+              </a:ext>
+            </a:extLst>
+          </a:blip>
+          <a:stretch>
+            <a:fillRect/>
+          </a:stretch>
+        </p:blipFill>
+        <p:spPr>
+          <a:xfrm>
+            <a:off x="2388884" y="4576522"/>
+            <a:ext cx="144000" cy="144000"/>
+          </a:xfrm>
+          <a:prstGeom prst="rect">
+            <a:avLst/>
+          </a:prstGeom>
+        </p:spPr>
+      </p:pic>
     </p:spTree>
     <p:extLst>
       <p:ext uri="{BB962C8B-B14F-4D97-AF65-F5344CB8AC3E}">
         <p14:creationId xmlns:p14="http://schemas.microsoft.com/office/powerpoint/2010/main" val="1058629092"/>
+      </p:ext>
+    </p:extLst>
+  </p:cSld>
+  <p:clrMapOvr>
+    <a:masterClrMapping/>
+  </p:clrMapOvr>
+</p:sld>
+</file>
+
+<file path=ppt/slides/slide2.xml><?xml version="1.0" encoding="utf-8"?>
+<p:sld xmlns:a="http://schemas.openxmlformats.org/drawingml/2006/main" xmlns:r="http://schemas.openxmlformats.org/officeDocument/2006/relationships" xmlns:p="http://schemas.openxmlformats.org/presentationml/2006/main">
+  <p:cSld>
+    <p:spTree>
+      <p:nvGrpSpPr>
+        <p:cNvPr id="1" name=""/>
+        <p:cNvGrpSpPr/>
+        <p:nvPr/>
+      </p:nvGrpSpPr>
+      <p:grpSpPr>
+        <a:xfrm>
+          <a:off x="0" y="0"/>
+          <a:ext cx="0" cy="0"/>
+          <a:chOff x="0" y="0"/>
+          <a:chExt cx="0" cy="0"/>
+        </a:xfrm>
+      </p:grpSpPr>
+      <p:pic>
+        <p:nvPicPr>
+          <p:cNvPr id="5" name="Gráfico 4" descr="Persona comiendo con relleno sólido">
+            <a:extLst>
+              <a:ext uri="{FF2B5EF4-FFF2-40B4-BE49-F238E27FC236}">
+                <a16:creationId xmlns:a16="http://schemas.microsoft.com/office/drawing/2014/main" id="{6458C9A1-3681-41EA-A94B-D4C122224ADF}"/>
+              </a:ext>
+            </a:extLst>
+          </p:cNvPr>
+          <p:cNvPicPr>
+            <a:picLocks noChangeAspect="1"/>
+          </p:cNvPicPr>
+          <p:nvPr/>
+        </p:nvPicPr>
+        <p:blipFill>
+          <a:blip r:embed="rId2">
+            <a:extLst>
+              <a:ext uri="{28A0092B-C50C-407E-A947-70E740481C1C}">
+                <a14:useLocalDpi xmlns:a14="http://schemas.microsoft.com/office/drawing/2010/main" val="0"/>
+              </a:ext>
+              <a:ext uri="{96DAC541-7B7A-43D3-8B79-37D633B846F1}">
+                <asvg:svgBlip xmlns:asvg="http://schemas.microsoft.com/office/drawing/2016/SVG/main" r:embed="rId3"/>
+              </a:ext>
+            </a:extLst>
+          </a:blip>
+          <a:stretch>
+            <a:fillRect/>
+          </a:stretch>
+        </p:blipFill>
+        <p:spPr>
+          <a:xfrm>
+            <a:off x="6214534" y="1337734"/>
+            <a:ext cx="3600000" cy="3600000"/>
+          </a:xfrm>
+          <a:prstGeom prst="rect">
+            <a:avLst/>
+          </a:prstGeom>
+        </p:spPr>
+      </p:pic>
+      <p:pic>
+        <p:nvPicPr>
+          <p:cNvPr id="7" name="Gráfico 6" descr="Persona comiendo contorno">
+            <a:extLst>
+              <a:ext uri="{FF2B5EF4-FFF2-40B4-BE49-F238E27FC236}">
+                <a16:creationId xmlns:a16="http://schemas.microsoft.com/office/drawing/2014/main" id="{5442511F-7066-42E1-87B3-F7677F6E57B2}"/>
+              </a:ext>
+            </a:extLst>
+          </p:cNvPr>
+          <p:cNvPicPr>
+            <a:picLocks noChangeAspect="1"/>
+          </p:cNvPicPr>
+          <p:nvPr/>
+        </p:nvPicPr>
+        <p:blipFill>
+          <a:blip r:embed="rId4">
+            <a:extLst>
+              <a:ext uri="{28A0092B-C50C-407E-A947-70E740481C1C}">
+                <a14:useLocalDpi xmlns:a14="http://schemas.microsoft.com/office/drawing/2010/main" val="0"/>
+              </a:ext>
+              <a:ext uri="{96DAC541-7B7A-43D3-8B79-37D633B846F1}">
+                <asvg:svgBlip xmlns:asvg="http://schemas.microsoft.com/office/drawing/2016/SVG/main" r:embed="rId5"/>
+              </a:ext>
+            </a:extLst>
+          </a:blip>
+          <a:stretch>
+            <a:fillRect/>
+          </a:stretch>
+        </p:blipFill>
+        <p:spPr>
+          <a:xfrm>
+            <a:off x="1667932" y="1337734"/>
+            <a:ext cx="3600000" cy="3600000"/>
+          </a:xfrm>
+          <a:prstGeom prst="rect">
+            <a:avLst/>
+          </a:prstGeom>
+        </p:spPr>
+      </p:pic>
+    </p:spTree>
+    <p:extLst>
+      <p:ext uri="{BB962C8B-B14F-4D97-AF65-F5344CB8AC3E}">
+        <p14:creationId xmlns:p14="http://schemas.microsoft.com/office/powerpoint/2010/main" val="4203640697"/>
       </p:ext>
     </p:extLst>
   </p:cSld>

--- a/Documentació/CACACuidPers App.pptx
+++ b/Documentació/CACACuidPers App.pptx
@@ -260,7 +260,7 @@
           <a:p>
             <a:fld id="{43143E1E-E659-4054-BB16-CCB4A55F9C92}" type="datetimeFigureOut">
               <a:rPr lang="es-ES" smtClean="0"/>
-              <a:t>07/12/2021</a:t>
+              <a:t>08/12/2021</a:t>
             </a:fld>
             <a:endParaRPr lang="es-ES"/>
           </a:p>
@@ -458,7 +458,7 @@
           <a:p>
             <a:fld id="{43143E1E-E659-4054-BB16-CCB4A55F9C92}" type="datetimeFigureOut">
               <a:rPr lang="es-ES" smtClean="0"/>
-              <a:t>07/12/2021</a:t>
+              <a:t>08/12/2021</a:t>
             </a:fld>
             <a:endParaRPr lang="es-ES"/>
           </a:p>
@@ -666,7 +666,7 @@
           <a:p>
             <a:fld id="{43143E1E-E659-4054-BB16-CCB4A55F9C92}" type="datetimeFigureOut">
               <a:rPr lang="es-ES" smtClean="0"/>
-              <a:t>07/12/2021</a:t>
+              <a:t>08/12/2021</a:t>
             </a:fld>
             <a:endParaRPr lang="es-ES"/>
           </a:p>
@@ -864,7 +864,7 @@
           <a:p>
             <a:fld id="{43143E1E-E659-4054-BB16-CCB4A55F9C92}" type="datetimeFigureOut">
               <a:rPr lang="es-ES" smtClean="0"/>
-              <a:t>07/12/2021</a:t>
+              <a:t>08/12/2021</a:t>
             </a:fld>
             <a:endParaRPr lang="es-ES"/>
           </a:p>
@@ -1139,7 +1139,7 @@
           <a:p>
             <a:fld id="{43143E1E-E659-4054-BB16-CCB4A55F9C92}" type="datetimeFigureOut">
               <a:rPr lang="es-ES" smtClean="0"/>
-              <a:t>07/12/2021</a:t>
+              <a:t>08/12/2021</a:t>
             </a:fld>
             <a:endParaRPr lang="es-ES"/>
           </a:p>
@@ -1404,7 +1404,7 @@
           <a:p>
             <a:fld id="{43143E1E-E659-4054-BB16-CCB4A55F9C92}" type="datetimeFigureOut">
               <a:rPr lang="es-ES" smtClean="0"/>
-              <a:t>07/12/2021</a:t>
+              <a:t>08/12/2021</a:t>
             </a:fld>
             <a:endParaRPr lang="es-ES"/>
           </a:p>
@@ -1816,7 +1816,7 @@
           <a:p>
             <a:fld id="{43143E1E-E659-4054-BB16-CCB4A55F9C92}" type="datetimeFigureOut">
               <a:rPr lang="es-ES" smtClean="0"/>
-              <a:t>07/12/2021</a:t>
+              <a:t>08/12/2021</a:t>
             </a:fld>
             <a:endParaRPr lang="es-ES"/>
           </a:p>
@@ -1957,7 +1957,7 @@
           <a:p>
             <a:fld id="{43143E1E-E659-4054-BB16-CCB4A55F9C92}" type="datetimeFigureOut">
               <a:rPr lang="es-ES" smtClean="0"/>
-              <a:t>07/12/2021</a:t>
+              <a:t>08/12/2021</a:t>
             </a:fld>
             <a:endParaRPr lang="es-ES"/>
           </a:p>
@@ -2070,7 +2070,7 @@
           <a:p>
             <a:fld id="{43143E1E-E659-4054-BB16-CCB4A55F9C92}" type="datetimeFigureOut">
               <a:rPr lang="es-ES" smtClean="0"/>
-              <a:t>07/12/2021</a:t>
+              <a:t>08/12/2021</a:t>
             </a:fld>
             <a:endParaRPr lang="es-ES"/>
           </a:p>
@@ -2381,7 +2381,7 @@
           <a:p>
             <a:fld id="{43143E1E-E659-4054-BB16-CCB4A55F9C92}" type="datetimeFigureOut">
               <a:rPr lang="es-ES" smtClean="0"/>
-              <a:t>07/12/2021</a:t>
+              <a:t>08/12/2021</a:t>
             </a:fld>
             <a:endParaRPr lang="es-ES"/>
           </a:p>
@@ -2669,7 +2669,7 @@
           <a:p>
             <a:fld id="{43143E1E-E659-4054-BB16-CCB4A55F9C92}" type="datetimeFigureOut">
               <a:rPr lang="es-ES" smtClean="0"/>
-              <a:t>07/12/2021</a:t>
+              <a:t>08/12/2021</a:t>
             </a:fld>
             <a:endParaRPr lang="es-ES"/>
           </a:p>
@@ -2910,7 +2910,7 @@
           <a:p>
             <a:fld id="{43143E1E-E659-4054-BB16-CCB4A55F9C92}" type="datetimeFigureOut">
               <a:rPr lang="es-ES" smtClean="0"/>
-              <a:t>07/12/2021</a:t>
+              <a:t>08/12/2021</a:t>
             </a:fld>
             <a:endParaRPr lang="es-ES"/>
           </a:p>
@@ -8844,7 +8844,7 @@
                   <a:schemeClr val="tx1"/>
                 </a:solidFill>
               </a:rPr>
-              <a:t>M – Torn de dia cap de setmana i festius</a:t>
+              <a:t>D – Torn de dia cap de setmana i festius</a:t>
             </a:r>
           </a:p>
         </p:txBody>

--- a/Documentació/CACACuidPers App.pptx
+++ b/Documentació/CACACuidPers App.pptx
@@ -4,9 +4,14 @@
   <p:sldMasterIdLst>
     <p:sldMasterId id="2147483648" r:id="rId1"/>
   </p:sldMasterIdLst>
+  <p:handoutMasterIdLst>
+    <p:handoutMasterId r:id="rId6"/>
+  </p:handoutMasterIdLst>
   <p:sldIdLst>
     <p:sldId id="256" r:id="rId2"/>
     <p:sldId id="257" r:id="rId3"/>
+    <p:sldId id="258" r:id="rId4"/>
+    <p:sldId id="259" r:id="rId5"/>
   </p:sldIdLst>
   <p:sldSz cx="12192000" cy="6858000"/>
   <p:notesSz cx="6858000" cy="9144000"/>
@@ -113,6 +118,195 @@
 </p:presentation>
 </file>
 
+<file path=ppt/handoutMasters/handoutMaster1.xml><?xml version="1.0" encoding="utf-8"?>
+<p:handoutMaster xmlns:a="http://schemas.openxmlformats.org/drawingml/2006/main" xmlns:r="http://schemas.openxmlformats.org/officeDocument/2006/relationships" xmlns:p="http://schemas.openxmlformats.org/presentationml/2006/main">
+  <p:cSld>
+    <p:bg>
+      <p:bgRef idx="1001">
+        <a:schemeClr val="bg1"/>
+      </p:bgRef>
+    </p:bg>
+    <p:spTree>
+      <p:nvGrpSpPr>
+        <p:cNvPr id="1" name=""/>
+        <p:cNvGrpSpPr/>
+        <p:nvPr/>
+      </p:nvGrpSpPr>
+      <p:grpSpPr>
+        <a:xfrm>
+          <a:off x="0" y="0"/>
+          <a:ext cx="0" cy="0"/>
+          <a:chOff x="0" y="0"/>
+          <a:chExt cx="0" cy="0"/>
+        </a:xfrm>
+      </p:grpSpPr>
+      <p:sp>
+        <p:nvSpPr>
+          <p:cNvPr id="2" name="Marcador de encabezado 1">
+            <a:extLst>
+              <a:ext uri="{FF2B5EF4-FFF2-40B4-BE49-F238E27FC236}">
+                <a16:creationId xmlns:a16="http://schemas.microsoft.com/office/drawing/2014/main" id="{79159450-EF19-4447-8FA6-335DF691116C}"/>
+              </a:ext>
+            </a:extLst>
+          </p:cNvPr>
+          <p:cNvSpPr>
+            <a:spLocks noGrp="1"/>
+          </p:cNvSpPr>
+          <p:nvPr>
+            <p:ph type="hdr" sz="quarter"/>
+          </p:nvPr>
+        </p:nvSpPr>
+        <p:spPr>
+          <a:xfrm>
+            <a:off x="0" y="0"/>
+            <a:ext cx="2971800" cy="458788"/>
+          </a:xfrm>
+          <a:prstGeom prst="rect">
+            <a:avLst/>
+          </a:prstGeom>
+        </p:spPr>
+        <p:txBody>
+          <a:bodyPr vert="horz" lIns="91440" tIns="45720" rIns="91440" bIns="45720" rtlCol="0"/>
+          <a:lstStyle>
+            <a:lvl1pPr algn="l">
+              <a:defRPr sz="1200"/>
+            </a:lvl1pPr>
+          </a:lstStyle>
+          <a:p>
+            <a:endParaRPr lang="es-ES"/>
+          </a:p>
+        </p:txBody>
+      </p:sp>
+      <p:sp>
+        <p:nvSpPr>
+          <p:cNvPr id="3" name="Marcador de fecha 2">
+            <a:extLst>
+              <a:ext uri="{FF2B5EF4-FFF2-40B4-BE49-F238E27FC236}">
+                <a16:creationId xmlns:a16="http://schemas.microsoft.com/office/drawing/2014/main" id="{E7D70DAB-64F2-4184-B5B0-BCE1D13AFF99}"/>
+              </a:ext>
+            </a:extLst>
+          </p:cNvPr>
+          <p:cNvSpPr>
+            <a:spLocks noGrp="1"/>
+          </p:cNvSpPr>
+          <p:nvPr>
+            <p:ph type="dt" sz="quarter" idx="1"/>
+          </p:nvPr>
+        </p:nvSpPr>
+        <p:spPr>
+          <a:xfrm>
+            <a:off x="3884613" y="0"/>
+            <a:ext cx="2971800" cy="458788"/>
+          </a:xfrm>
+          <a:prstGeom prst="rect">
+            <a:avLst/>
+          </a:prstGeom>
+        </p:spPr>
+        <p:txBody>
+          <a:bodyPr vert="horz" lIns="91440" tIns="45720" rIns="91440" bIns="45720" rtlCol="0"/>
+          <a:lstStyle>
+            <a:lvl1pPr algn="r">
+              <a:defRPr sz="1200"/>
+            </a:lvl1pPr>
+          </a:lstStyle>
+          <a:p>
+            <a:fld id="{254F86FE-3350-47D6-81EB-7E4ABE7981A4}" type="datetimeFigureOut">
+              <a:rPr lang="es-ES" smtClean="0"/>
+              <a:t>23/12/2021</a:t>
+            </a:fld>
+            <a:endParaRPr lang="es-ES"/>
+          </a:p>
+        </p:txBody>
+      </p:sp>
+      <p:sp>
+        <p:nvSpPr>
+          <p:cNvPr id="4" name="Marcador de pie de página 3">
+            <a:extLst>
+              <a:ext uri="{FF2B5EF4-FFF2-40B4-BE49-F238E27FC236}">
+                <a16:creationId xmlns:a16="http://schemas.microsoft.com/office/drawing/2014/main" id="{413E7245-5B12-4853-BEFC-A3F94FDC76EB}"/>
+              </a:ext>
+            </a:extLst>
+          </p:cNvPr>
+          <p:cNvSpPr>
+            <a:spLocks noGrp="1"/>
+          </p:cNvSpPr>
+          <p:nvPr>
+            <p:ph type="ftr" sz="quarter" idx="2"/>
+          </p:nvPr>
+        </p:nvSpPr>
+        <p:spPr>
+          <a:xfrm>
+            <a:off x="0" y="8685213"/>
+            <a:ext cx="2971800" cy="458787"/>
+          </a:xfrm>
+          <a:prstGeom prst="rect">
+            <a:avLst/>
+          </a:prstGeom>
+        </p:spPr>
+        <p:txBody>
+          <a:bodyPr vert="horz" lIns="91440" tIns="45720" rIns="91440" bIns="45720" rtlCol="0" anchor="b"/>
+          <a:lstStyle>
+            <a:lvl1pPr algn="l">
+              <a:defRPr sz="1200"/>
+            </a:lvl1pPr>
+          </a:lstStyle>
+          <a:p>
+            <a:endParaRPr lang="es-ES"/>
+          </a:p>
+        </p:txBody>
+      </p:sp>
+      <p:sp>
+        <p:nvSpPr>
+          <p:cNvPr id="5" name="Marcador de número de diapositiva 4">
+            <a:extLst>
+              <a:ext uri="{FF2B5EF4-FFF2-40B4-BE49-F238E27FC236}">
+                <a16:creationId xmlns:a16="http://schemas.microsoft.com/office/drawing/2014/main" id="{82E50AA3-C347-4D8A-B65D-DDA05D4F7FAB}"/>
+              </a:ext>
+            </a:extLst>
+          </p:cNvPr>
+          <p:cNvSpPr>
+            <a:spLocks noGrp="1"/>
+          </p:cNvSpPr>
+          <p:nvPr>
+            <p:ph type="sldNum" sz="quarter" idx="3"/>
+          </p:nvPr>
+        </p:nvSpPr>
+        <p:spPr>
+          <a:xfrm>
+            <a:off x="3884613" y="8685213"/>
+            <a:ext cx="2971800" cy="458787"/>
+          </a:xfrm>
+          <a:prstGeom prst="rect">
+            <a:avLst/>
+          </a:prstGeom>
+        </p:spPr>
+        <p:txBody>
+          <a:bodyPr vert="horz" lIns="91440" tIns="45720" rIns="91440" bIns="45720" rtlCol="0" anchor="b"/>
+          <a:lstStyle>
+            <a:lvl1pPr algn="r">
+              <a:defRPr sz="1200"/>
+            </a:lvl1pPr>
+          </a:lstStyle>
+          <a:p>
+            <a:fld id="{1B45670D-9579-47CF-905D-DAD52BC37714}" type="slidenum">
+              <a:rPr lang="es-ES" smtClean="0"/>
+              <a:t>‹Nº›</a:t>
+            </a:fld>
+            <a:endParaRPr lang="es-ES"/>
+          </a:p>
+        </p:txBody>
+      </p:sp>
+    </p:spTree>
+    <p:extLst>
+      <p:ext uri="{BB962C8B-B14F-4D97-AF65-F5344CB8AC3E}">
+        <p14:creationId xmlns:p14="http://schemas.microsoft.com/office/powerpoint/2010/main" val="4056189738"/>
+      </p:ext>
+    </p:extLst>
+  </p:cSld>
+  <p:clrMap bg1="lt1" tx1="dk1" bg2="lt2" tx2="dk2" accent1="accent1" accent2="accent2" accent3="accent3" accent4="accent4" accent5="accent5" accent6="accent6" hlink="hlink" folHlink="folHlink"/>
+</p:handoutMaster>
+</file>
+
 <file path=ppt/slideLayouts/slideLayout1.xml><?xml version="1.0" encoding="utf-8"?>
 <p:sldLayout xmlns:a="http://schemas.openxmlformats.org/drawingml/2006/main" xmlns:r="http://schemas.openxmlformats.org/officeDocument/2006/relationships" xmlns:p="http://schemas.openxmlformats.org/presentationml/2006/main" type="title" preserve="1">
   <p:cSld name="Diapositiva de título">
@@ -260,7 +454,7 @@
           <a:p>
             <a:fld id="{43143E1E-E659-4054-BB16-CCB4A55F9C92}" type="datetimeFigureOut">
               <a:rPr lang="es-ES" smtClean="0"/>
-              <a:t>08/12/2021</a:t>
+              <a:t>23/12/2021</a:t>
             </a:fld>
             <a:endParaRPr lang="es-ES"/>
           </a:p>
@@ -458,7 +652,7 @@
           <a:p>
             <a:fld id="{43143E1E-E659-4054-BB16-CCB4A55F9C92}" type="datetimeFigureOut">
               <a:rPr lang="es-ES" smtClean="0"/>
-              <a:t>08/12/2021</a:t>
+              <a:t>23/12/2021</a:t>
             </a:fld>
             <a:endParaRPr lang="es-ES"/>
           </a:p>
@@ -666,7 +860,7 @@
           <a:p>
             <a:fld id="{43143E1E-E659-4054-BB16-CCB4A55F9C92}" type="datetimeFigureOut">
               <a:rPr lang="es-ES" smtClean="0"/>
-              <a:t>08/12/2021</a:t>
+              <a:t>23/12/2021</a:t>
             </a:fld>
             <a:endParaRPr lang="es-ES"/>
           </a:p>
@@ -864,7 +1058,7 @@
           <a:p>
             <a:fld id="{43143E1E-E659-4054-BB16-CCB4A55F9C92}" type="datetimeFigureOut">
               <a:rPr lang="es-ES" smtClean="0"/>
-              <a:t>08/12/2021</a:t>
+              <a:t>23/12/2021</a:t>
             </a:fld>
             <a:endParaRPr lang="es-ES"/>
           </a:p>
@@ -1139,7 +1333,7 @@
           <a:p>
             <a:fld id="{43143E1E-E659-4054-BB16-CCB4A55F9C92}" type="datetimeFigureOut">
               <a:rPr lang="es-ES" smtClean="0"/>
-              <a:t>08/12/2021</a:t>
+              <a:t>23/12/2021</a:t>
             </a:fld>
             <a:endParaRPr lang="es-ES"/>
           </a:p>
@@ -1404,7 +1598,7 @@
           <a:p>
             <a:fld id="{43143E1E-E659-4054-BB16-CCB4A55F9C92}" type="datetimeFigureOut">
               <a:rPr lang="es-ES" smtClean="0"/>
-              <a:t>08/12/2021</a:t>
+              <a:t>23/12/2021</a:t>
             </a:fld>
             <a:endParaRPr lang="es-ES"/>
           </a:p>
@@ -1816,7 +2010,7 @@
           <a:p>
             <a:fld id="{43143E1E-E659-4054-BB16-CCB4A55F9C92}" type="datetimeFigureOut">
               <a:rPr lang="es-ES" smtClean="0"/>
-              <a:t>08/12/2021</a:t>
+              <a:t>23/12/2021</a:t>
             </a:fld>
             <a:endParaRPr lang="es-ES"/>
           </a:p>
@@ -1957,7 +2151,7 @@
           <a:p>
             <a:fld id="{43143E1E-E659-4054-BB16-CCB4A55F9C92}" type="datetimeFigureOut">
               <a:rPr lang="es-ES" smtClean="0"/>
-              <a:t>08/12/2021</a:t>
+              <a:t>23/12/2021</a:t>
             </a:fld>
             <a:endParaRPr lang="es-ES"/>
           </a:p>
@@ -2070,7 +2264,7 @@
           <a:p>
             <a:fld id="{43143E1E-E659-4054-BB16-CCB4A55F9C92}" type="datetimeFigureOut">
               <a:rPr lang="es-ES" smtClean="0"/>
-              <a:t>08/12/2021</a:t>
+              <a:t>23/12/2021</a:t>
             </a:fld>
             <a:endParaRPr lang="es-ES"/>
           </a:p>
@@ -2381,7 +2575,7 @@
           <a:p>
             <a:fld id="{43143E1E-E659-4054-BB16-CCB4A55F9C92}" type="datetimeFigureOut">
               <a:rPr lang="es-ES" smtClean="0"/>
-              <a:t>08/12/2021</a:t>
+              <a:t>23/12/2021</a:t>
             </a:fld>
             <a:endParaRPr lang="es-ES"/>
           </a:p>
@@ -2669,7 +2863,7 @@
           <a:p>
             <a:fld id="{43143E1E-E659-4054-BB16-CCB4A55F9C92}" type="datetimeFigureOut">
               <a:rPr lang="es-ES" smtClean="0"/>
-              <a:t>08/12/2021</a:t>
+              <a:t>23/12/2021</a:t>
             </a:fld>
             <a:endParaRPr lang="es-ES"/>
           </a:p>
@@ -2910,7 +3104,7 @@
           <a:p>
             <a:fld id="{43143E1E-E659-4054-BB16-CCB4A55F9C92}" type="datetimeFigureOut">
               <a:rPr lang="es-ES" smtClean="0"/>
-              <a:t>08/12/2021</a:t>
+              <a:t>23/12/2021</a:t>
             </a:fld>
             <a:endParaRPr lang="es-ES"/>
           </a:p>
@@ -6849,7 +7043,7 @@
                   <a:schemeClr val="tx1"/>
                 </a:solidFill>
               </a:rPr>
-              <a:t>N – Torn de nit</a:t>
+              <a:t>V – Torn de nit</a:t>
             </a:r>
           </a:p>
         </p:txBody>
@@ -7588,7 +7782,7 @@
                   <a:schemeClr val="tx1"/>
                 </a:solidFill>
               </a:rPr>
-              <a:t>M – Torn de dia cap de setmana i festius</a:t>
+              <a:t>D – Torn de dia cap de setmana i festius</a:t>
             </a:r>
           </a:p>
         </p:txBody>
@@ -8519,8 +8713,8 @@
         </p:nvSpPr>
         <p:spPr>
           <a:xfrm>
-            <a:off x="6213888" y="4789503"/>
-            <a:ext cx="1570626" cy="360000"/>
+            <a:off x="6213887" y="4789503"/>
+            <a:ext cx="3246201" cy="360000"/>
           </a:xfrm>
           <a:prstGeom prst="rect">
             <a:avLst/>
@@ -8554,7 +8748,7 @@
                   <a:schemeClr val="tx1"/>
                 </a:solidFill>
               </a:rPr>
-              <a:t>N – Torn de nit</a:t>
+              <a:t>V – Torn de vespre/nit</a:t>
             </a:r>
           </a:p>
         </p:txBody>
@@ -9098,7 +9292,7 @@
         </p:blipFill>
         <p:spPr>
           <a:xfrm>
-            <a:off x="6214534" y="1337734"/>
+            <a:off x="8094134" y="3314392"/>
             <a:ext cx="3600000" cy="3600000"/>
           </a:xfrm>
           <a:prstGeom prst="rect">
@@ -9137,8 +9331,86 @@
         </p:blipFill>
         <p:spPr>
           <a:xfrm>
-            <a:off x="1667932" y="1337734"/>
+            <a:off x="3718399" y="-105608"/>
             <a:ext cx="3600000" cy="3600000"/>
+          </a:xfrm>
+          <a:prstGeom prst="rect">
+            <a:avLst/>
+          </a:prstGeom>
+        </p:spPr>
+      </p:pic>
+      <p:pic>
+        <p:nvPicPr>
+          <p:cNvPr id="3" name="Gráfico 2" descr="Médico contorno">
+            <a:extLst>
+              <a:ext uri="{FF2B5EF4-FFF2-40B4-BE49-F238E27FC236}">
+                <a16:creationId xmlns:a16="http://schemas.microsoft.com/office/drawing/2014/main" id="{8C3BE901-0EB7-48EA-9B6B-7A13B329CA81}"/>
+              </a:ext>
+            </a:extLst>
+          </p:cNvPr>
+          <p:cNvPicPr>
+            <a:picLocks noChangeAspect="1"/>
+          </p:cNvPicPr>
+          <p:nvPr/>
+        </p:nvPicPr>
+        <p:blipFill>
+          <a:blip r:embed="rId6">
+            <a:extLst>
+              <a:ext uri="{28A0092B-C50C-407E-A947-70E740481C1C}">
+                <a14:useLocalDpi xmlns:a14="http://schemas.microsoft.com/office/drawing/2010/main" val="0"/>
+              </a:ext>
+              <a:ext uri="{96DAC541-7B7A-43D3-8B79-37D633B846F1}">
+                <asvg:svgBlip xmlns:asvg="http://schemas.microsoft.com/office/drawing/2016/SVG/main" r:embed="rId7"/>
+              </a:ext>
+            </a:extLst>
+          </a:blip>
+          <a:stretch>
+            <a:fillRect/>
+          </a:stretch>
+        </p:blipFill>
+        <p:spPr>
+          <a:xfrm>
+            <a:off x="505299" y="3314392"/>
+            <a:ext cx="3213100" cy="3213100"/>
+          </a:xfrm>
+          <a:prstGeom prst="rect">
+            <a:avLst/>
+          </a:prstGeom>
+        </p:spPr>
+      </p:pic>
+      <p:pic>
+        <p:nvPicPr>
+          <p:cNvPr id="6" name="Gráfico 5" descr="Cabestrillo contorno">
+            <a:extLst>
+              <a:ext uri="{FF2B5EF4-FFF2-40B4-BE49-F238E27FC236}">
+                <a16:creationId xmlns:a16="http://schemas.microsoft.com/office/drawing/2014/main" id="{88A201D1-2BE7-4BF6-88FC-C9E51AC7BC34}"/>
+              </a:ext>
+            </a:extLst>
+          </p:cNvPr>
+          <p:cNvPicPr>
+            <a:picLocks noChangeAspect="1"/>
+          </p:cNvPicPr>
+          <p:nvPr/>
+        </p:nvPicPr>
+        <p:blipFill>
+          <a:blip r:embed="rId8">
+            <a:extLst>
+              <a:ext uri="{28A0092B-C50C-407E-A947-70E740481C1C}">
+                <a14:useLocalDpi xmlns:a14="http://schemas.microsoft.com/office/drawing/2010/main" val="0"/>
+              </a:ext>
+              <a:ext uri="{96DAC541-7B7A-43D3-8B79-37D633B846F1}">
+                <asvg:svgBlip xmlns:asvg="http://schemas.microsoft.com/office/drawing/2016/SVG/main" r:embed="rId9"/>
+              </a:ext>
+            </a:extLst>
+          </a:blip>
+          <a:stretch>
+            <a:fillRect/>
+          </a:stretch>
+        </p:blipFill>
+        <p:spPr>
+          <a:xfrm>
+            <a:off x="7831500" y="74392"/>
+            <a:ext cx="3240000" cy="3240000"/>
           </a:xfrm>
           <a:prstGeom prst="rect">
             <a:avLst/>
@@ -9149,6 +9421,731 @@
     <p:extLst>
       <p:ext uri="{BB962C8B-B14F-4D97-AF65-F5344CB8AC3E}">
         <p14:creationId xmlns:p14="http://schemas.microsoft.com/office/powerpoint/2010/main" val="4203640697"/>
+      </p:ext>
+    </p:extLst>
+  </p:cSld>
+  <p:clrMapOvr>
+    <a:masterClrMapping/>
+  </p:clrMapOvr>
+</p:sld>
+</file>
+
+<file path=ppt/slides/slide3.xml><?xml version="1.0" encoding="utf-8"?>
+<p:sld xmlns:a="http://schemas.openxmlformats.org/drawingml/2006/main" xmlns:r="http://schemas.openxmlformats.org/officeDocument/2006/relationships" xmlns:p="http://schemas.openxmlformats.org/presentationml/2006/main">
+  <p:cSld>
+    <p:spTree>
+      <p:nvGrpSpPr>
+        <p:cNvPr id="1" name=""/>
+        <p:cNvGrpSpPr/>
+        <p:nvPr/>
+      </p:nvGrpSpPr>
+      <p:grpSpPr>
+        <a:xfrm>
+          <a:off x="0" y="0"/>
+          <a:ext cx="0" cy="0"/>
+          <a:chOff x="0" y="0"/>
+          <a:chExt cx="0" cy="0"/>
+        </a:xfrm>
+      </p:grpSpPr>
+      <p:sp>
+        <p:nvSpPr>
+          <p:cNvPr id="4" name="CuadroTexto 3">
+            <a:extLst>
+              <a:ext uri="{FF2B5EF4-FFF2-40B4-BE49-F238E27FC236}">
+                <a16:creationId xmlns:a16="http://schemas.microsoft.com/office/drawing/2014/main" id="{5AAD0AB9-638F-492A-B440-1F74084D93DF}"/>
+              </a:ext>
+            </a:extLst>
+          </p:cNvPr>
+          <p:cNvSpPr txBox="1"/>
+          <p:nvPr/>
+        </p:nvSpPr>
+        <p:spPr>
+          <a:xfrm>
+            <a:off x="1629833" y="140777"/>
+            <a:ext cx="4886274" cy="8386911"/>
+          </a:xfrm>
+          <a:prstGeom prst="rect">
+            <a:avLst/>
+          </a:prstGeom>
+          <a:noFill/>
+        </p:spPr>
+        <p:txBody>
+          <a:bodyPr wrap="none" rtlCol="0">
+            <a:spAutoFit/>
+          </a:bodyPr>
+          <a:lstStyle/>
+          <a:p>
+            <a:r>
+              <a:rPr lang="es-ES" sz="1100"/>
+              <a:t>Bucle de Dies del calendari [0..6][0..5]</a:t>
+            </a:r>
+          </a:p>
+          <a:p>
+            <a:pPr marL="742950" lvl="1" indent="-285750">
+              <a:buFont typeface="Arial" panose="020B0604020202020204" pitchFamily="34" charset="0"/>
+              <a:buChar char="•"/>
+            </a:pPr>
+            <a:r>
+              <a:rPr lang="es-ES" sz="1100"/>
+              <a:t>diaCalHora=[INVISIBLE]</a:t>
+            </a:r>
+          </a:p>
+          <a:p>
+            <a:pPr marL="742950" lvl="1" indent="-285750">
+              <a:buFont typeface="Arial" panose="020B0604020202020204" pitchFamily="34" charset="0"/>
+              <a:buChar char="•"/>
+            </a:pPr>
+            <a:r>
+              <a:rPr lang="es-ES" sz="1100"/>
+              <a:t>Si mesCal=[MES_ACTUAL]</a:t>
+            </a:r>
+          </a:p>
+          <a:p>
+            <a:pPr marL="1200150" lvl="2" indent="-285750">
+              <a:buFont typeface="Arial" panose="020B0604020202020204" pitchFamily="34" charset="0"/>
+              <a:buChar char="•"/>
+            </a:pPr>
+            <a:r>
+              <a:rPr lang="es-ES" sz="1100"/>
+              <a:t>[BLACK]=BLACK</a:t>
+            </a:r>
+          </a:p>
+          <a:p>
+            <a:pPr marL="742950" lvl="1" indent="-285750">
+              <a:buFont typeface="Arial" panose="020B0604020202020204" pitchFamily="34" charset="0"/>
+              <a:buChar char="•"/>
+            </a:pPr>
+            <a:r>
+              <a:rPr lang="es-ES" sz="1100"/>
+              <a:t>Sino</a:t>
+            </a:r>
+          </a:p>
+          <a:p>
+            <a:pPr marL="1200150" lvl="2" indent="-285750">
+              <a:buFont typeface="Arial" panose="020B0604020202020204" pitchFamily="34" charset="0"/>
+              <a:buChar char="•"/>
+            </a:pPr>
+            <a:r>
+              <a:rPr lang="es-ES" sz="1100"/>
+              <a:t>[BLACK]=GREY</a:t>
+            </a:r>
+          </a:p>
+          <a:p>
+            <a:pPr marL="742950" lvl="1" indent="-285750">
+              <a:buFont typeface="Arial" panose="020B0604020202020204" pitchFamily="34" charset="0"/>
+              <a:buChar char="•"/>
+            </a:pPr>
+            <a:r>
+              <a:rPr lang="es-ES" sz="1100"/>
+              <a:t>diaCalTextColor=[BLACK]</a:t>
+            </a:r>
+          </a:p>
+          <a:p>
+            <a:pPr marL="742950" lvl="1" indent="-285750">
+              <a:buFont typeface="Arial" panose="020B0604020202020204" pitchFamily="34" charset="0"/>
+              <a:buChar char="•"/>
+            </a:pPr>
+            <a:r>
+              <a:rPr lang="es-ES" sz="1100"/>
+              <a:t>Bucle de Eventos</a:t>
+            </a:r>
+          </a:p>
+          <a:p>
+            <a:pPr marL="1200150" lvl="2" indent="-285750">
+              <a:buFont typeface="Arial" panose="020B0604020202020204" pitchFamily="34" charset="0"/>
+              <a:buChar char="•"/>
+            </a:pPr>
+            <a:r>
+              <a:rPr lang="es-ES" sz="1100"/>
+              <a:t>Si diaCal=diaEve Y mesCal=mesEve</a:t>
+            </a:r>
+          </a:p>
+          <a:p>
+            <a:pPr marL="1657350" lvl="3" indent="-285750">
+              <a:buFont typeface="Arial" panose="020B0604020202020204" pitchFamily="34" charset="0"/>
+              <a:buChar char="•"/>
+            </a:pPr>
+            <a:r>
+              <a:rPr lang="es-ES" sz="1100"/>
+              <a:t>diaCalHora=[VISIBLE]</a:t>
+            </a:r>
+          </a:p>
+          <a:p>
+            <a:pPr marL="1657350" lvl="3" indent="-285750">
+              <a:buFont typeface="Arial" panose="020B0604020202020204" pitchFamily="34" charset="0"/>
+              <a:buChar char="•"/>
+            </a:pPr>
+            <a:r>
+              <a:rPr lang="es-ES" sz="1100"/>
+              <a:t>Si diaEve=FEINA</a:t>
+            </a:r>
+          </a:p>
+          <a:p>
+            <a:pPr marL="2114550" lvl="4" indent="-285750">
+              <a:buFont typeface="Arial" panose="020B0604020202020204" pitchFamily="34" charset="0"/>
+              <a:buChar char="•"/>
+            </a:pPr>
+            <a:r>
+              <a:rPr lang="es-ES" sz="1100"/>
+              <a:t>Si diaCal=DISSABTE O diaCal=DIUMENGE</a:t>
+            </a:r>
+          </a:p>
+          <a:p>
+            <a:pPr marL="2571750" lvl="5" indent="-285750">
+              <a:buFont typeface="Arial" panose="020B0604020202020204" pitchFamily="34" charset="0"/>
+              <a:buChar char="•"/>
+            </a:pPr>
+            <a:r>
+              <a:rPr lang="es-ES" sz="1100"/>
+              <a:t>Si mesCal=[MES_ACTUAL]</a:t>
+            </a:r>
+          </a:p>
+          <a:p>
+            <a:pPr marL="3028950" lvl="6" indent="-285750">
+              <a:buFont typeface="Arial" panose="020B0604020202020204" pitchFamily="34" charset="0"/>
+              <a:buChar char="•"/>
+            </a:pPr>
+            <a:r>
+              <a:rPr lang="es-ES" sz="1100"/>
+              <a:t>[PINK]=PINK</a:t>
+            </a:r>
+          </a:p>
+          <a:p>
+            <a:pPr marL="2571750" lvl="5" indent="-285750">
+              <a:buFont typeface="Arial" panose="020B0604020202020204" pitchFamily="34" charset="0"/>
+              <a:buChar char="•"/>
+            </a:pPr>
+            <a:r>
+              <a:rPr lang="es-ES" sz="1100"/>
+              <a:t>Sino</a:t>
+            </a:r>
+          </a:p>
+          <a:p>
+            <a:pPr marL="3028950" lvl="6" indent="-285750">
+              <a:buFont typeface="Arial" panose="020B0604020202020204" pitchFamily="34" charset="0"/>
+              <a:buChar char="•"/>
+            </a:pPr>
+            <a:r>
+              <a:rPr lang="es-ES" sz="1100"/>
+              <a:t>[PINK]=PINK_FLUIX</a:t>
+            </a:r>
+          </a:p>
+          <a:p>
+            <a:pPr marL="2571750" lvl="5" indent="-285750">
+              <a:buFont typeface="Arial" panose="020B0604020202020204" pitchFamily="34" charset="0"/>
+              <a:buChar char="•"/>
+            </a:pPr>
+            <a:r>
+              <a:rPr lang="es-ES" sz="1100"/>
+              <a:t>diaCalTextColor=[PINK]</a:t>
+            </a:r>
+          </a:p>
+          <a:p>
+            <a:pPr marL="2571750" lvl="5" indent="-285750">
+              <a:buFont typeface="Arial" panose="020B0604020202020204" pitchFamily="34" charset="0"/>
+              <a:buChar char="•"/>
+            </a:pPr>
+            <a:r>
+              <a:rPr lang="es-ES" sz="1100"/>
+              <a:t>Si horaEve=DIA</a:t>
+            </a:r>
+          </a:p>
+          <a:p>
+            <a:pPr marL="3028950" lvl="6" indent="-285750">
+              <a:buFont typeface="Arial" panose="020B0604020202020204" pitchFamily="34" charset="0"/>
+              <a:buChar char="•"/>
+            </a:pPr>
+            <a:r>
+              <a:rPr lang="es-ES" sz="1100"/>
+              <a:t>diaCalHora=D</a:t>
+            </a:r>
+          </a:p>
+          <a:p>
+            <a:pPr marL="3028950" lvl="6" indent="-285750">
+              <a:buFont typeface="Arial" panose="020B0604020202020204" pitchFamily="34" charset="0"/>
+              <a:buChar char="•"/>
+            </a:pPr>
+            <a:r>
+              <a:rPr lang="es-ES" sz="1100"/>
+              <a:t>diaCalHoraTextColor=[PINK]</a:t>
+            </a:r>
+          </a:p>
+          <a:p>
+            <a:pPr marL="2571750" lvl="5" indent="-285750">
+              <a:buFont typeface="Arial" panose="020B0604020202020204" pitchFamily="34" charset="0"/>
+              <a:buChar char="•"/>
+            </a:pPr>
+            <a:r>
+              <a:rPr lang="es-ES" sz="1100"/>
+              <a:t>Si horaEve=NIT</a:t>
+            </a:r>
+          </a:p>
+          <a:p>
+            <a:pPr marL="3028950" lvl="6" indent="-285750">
+              <a:buFont typeface="Arial" panose="020B0604020202020204" pitchFamily="34" charset="0"/>
+              <a:buChar char="•"/>
+            </a:pPr>
+            <a:r>
+              <a:rPr lang="es-ES" sz="1100"/>
+              <a:t>diaCalHora=N</a:t>
+            </a:r>
+          </a:p>
+          <a:p>
+            <a:pPr marL="3028950" lvl="6" indent="-285750">
+              <a:buFont typeface="Arial" panose="020B0604020202020204" pitchFamily="34" charset="0"/>
+              <a:buChar char="•"/>
+            </a:pPr>
+            <a:r>
+              <a:rPr lang="es-ES" sz="1100"/>
+              <a:t>diaCalHoraTextColor=[PINK]</a:t>
+            </a:r>
+          </a:p>
+          <a:p>
+            <a:pPr marL="2114550" lvl="4" indent="-285750">
+              <a:buFont typeface="Arial" panose="020B0604020202020204" pitchFamily="34" charset="0"/>
+              <a:buChar char="•"/>
+            </a:pPr>
+            <a:r>
+              <a:rPr lang="es-ES" sz="1100"/>
+              <a:t>Si diaCal&gt;=DILLUNS Y diaCal&lt;=DIVENDRES</a:t>
+            </a:r>
+          </a:p>
+          <a:p>
+            <a:pPr marL="2571750" lvl="5" indent="-285750">
+              <a:buFont typeface="Arial" panose="020B0604020202020204" pitchFamily="34" charset="0"/>
+              <a:buChar char="•"/>
+            </a:pPr>
+            <a:r>
+              <a:rPr lang="es-ES" sz="1100"/>
+              <a:t>Si mesCal=[MES_ACTUAL]</a:t>
+            </a:r>
+          </a:p>
+          <a:p>
+            <a:pPr marL="3028950" lvl="6" indent="-285750">
+              <a:buFont typeface="Arial" panose="020B0604020202020204" pitchFamily="34" charset="0"/>
+              <a:buChar char="•"/>
+            </a:pPr>
+            <a:r>
+              <a:rPr lang="es-ES" sz="1100"/>
+              <a:t>[BLAU]=BLAU</a:t>
+            </a:r>
+          </a:p>
+          <a:p>
+            <a:pPr marL="2571750" lvl="5" indent="-285750">
+              <a:buFont typeface="Arial" panose="020B0604020202020204" pitchFamily="34" charset="0"/>
+              <a:buChar char="•"/>
+            </a:pPr>
+            <a:r>
+              <a:rPr lang="es-ES" sz="1100"/>
+              <a:t>Sino</a:t>
+            </a:r>
+          </a:p>
+          <a:p>
+            <a:pPr marL="3028950" lvl="6" indent="-285750">
+              <a:buFont typeface="Arial" panose="020B0604020202020204" pitchFamily="34" charset="0"/>
+              <a:buChar char="•"/>
+            </a:pPr>
+            <a:r>
+              <a:rPr lang="es-ES" sz="1100"/>
+              <a:t>[BLAU]=BLAU_FLUIX</a:t>
+            </a:r>
+          </a:p>
+          <a:p>
+            <a:pPr marL="2571750" lvl="5" indent="-285750">
+              <a:buFont typeface="Arial" panose="020B0604020202020204" pitchFamily="34" charset="0"/>
+              <a:buChar char="•"/>
+            </a:pPr>
+            <a:r>
+              <a:rPr lang="es-ES" sz="1100"/>
+              <a:t>diaCalTextColor=[BLAU]</a:t>
+            </a:r>
+          </a:p>
+          <a:p>
+            <a:pPr marL="2571750" lvl="5" indent="-285750">
+              <a:buFont typeface="Arial" panose="020B0604020202020204" pitchFamily="34" charset="0"/>
+              <a:buChar char="•"/>
+            </a:pPr>
+            <a:r>
+              <a:rPr lang="es-ES" sz="1100"/>
+              <a:t>Si horaEve=MATI</a:t>
+            </a:r>
+          </a:p>
+          <a:p>
+            <a:pPr marL="3028950" lvl="6" indent="-285750">
+              <a:buFont typeface="Arial" panose="020B0604020202020204" pitchFamily="34" charset="0"/>
+              <a:buChar char="•"/>
+            </a:pPr>
+            <a:r>
+              <a:rPr lang="es-ES" sz="1100"/>
+              <a:t>diaCalHora=M</a:t>
+            </a:r>
+          </a:p>
+          <a:p>
+            <a:pPr marL="3028950" lvl="6" indent="-285750">
+              <a:buFont typeface="Arial" panose="020B0604020202020204" pitchFamily="34" charset="0"/>
+              <a:buChar char="•"/>
+            </a:pPr>
+            <a:r>
+              <a:rPr lang="es-ES" sz="1100"/>
+              <a:t>diaCalHoraTextColor=[BLAU]</a:t>
+            </a:r>
+          </a:p>
+          <a:p>
+            <a:pPr marL="2571750" lvl="5" indent="-285750">
+              <a:buFont typeface="Arial" panose="020B0604020202020204" pitchFamily="34" charset="0"/>
+              <a:buChar char="•"/>
+            </a:pPr>
+            <a:r>
+              <a:rPr lang="es-ES" sz="1100"/>
+              <a:t>Si horaEve=TARDA</a:t>
+            </a:r>
+          </a:p>
+          <a:p>
+            <a:pPr marL="3028950" lvl="6" indent="-285750">
+              <a:buFont typeface="Arial" panose="020B0604020202020204" pitchFamily="34" charset="0"/>
+              <a:buChar char="•"/>
+            </a:pPr>
+            <a:r>
+              <a:rPr lang="es-ES" sz="1100"/>
+              <a:t>diaCalHora=T</a:t>
+            </a:r>
+          </a:p>
+          <a:p>
+            <a:pPr marL="3028950" lvl="6" indent="-285750">
+              <a:buFont typeface="Arial" panose="020B0604020202020204" pitchFamily="34" charset="0"/>
+              <a:buChar char="•"/>
+            </a:pPr>
+            <a:r>
+              <a:rPr lang="es-ES" sz="1100"/>
+              <a:t>diaCalHoraTextColor=[BLAU]</a:t>
+            </a:r>
+          </a:p>
+          <a:p>
+            <a:pPr marL="2571750" lvl="5" indent="-285750">
+              <a:buFont typeface="Arial" panose="020B0604020202020204" pitchFamily="34" charset="0"/>
+              <a:buChar char="•"/>
+            </a:pPr>
+            <a:r>
+              <a:rPr lang="es-ES" sz="1100"/>
+              <a:t>Si horaEve=NIT</a:t>
+            </a:r>
+          </a:p>
+          <a:p>
+            <a:pPr marL="3028950" lvl="6" indent="-285750">
+              <a:buFont typeface="Arial" panose="020B0604020202020204" pitchFamily="34" charset="0"/>
+              <a:buChar char="•"/>
+            </a:pPr>
+            <a:r>
+              <a:rPr lang="es-ES" sz="1100"/>
+              <a:t>diaCalHora=N</a:t>
+            </a:r>
+          </a:p>
+          <a:p>
+            <a:pPr marL="3028950" lvl="6" indent="-285750">
+              <a:buFont typeface="Arial" panose="020B0604020202020204" pitchFamily="34" charset="0"/>
+              <a:buChar char="•"/>
+            </a:pPr>
+            <a:r>
+              <a:rPr lang="es-ES" sz="1100"/>
+              <a:t>diaCalHoraTextColor=[BLAU]</a:t>
+            </a:r>
+          </a:p>
+          <a:p>
+            <a:pPr marL="1657350" lvl="3" indent="-285750">
+              <a:buFont typeface="Arial" panose="020B0604020202020204" pitchFamily="34" charset="0"/>
+              <a:buChar char="•"/>
+            </a:pPr>
+            <a:r>
+              <a:rPr lang="es-ES" sz="1100"/>
+              <a:t>Si diaEve=FESTIU</a:t>
+            </a:r>
+          </a:p>
+          <a:p>
+            <a:pPr marL="2114550" lvl="4" indent="-285750">
+              <a:buFont typeface="Arial" panose="020B0604020202020204" pitchFamily="34" charset="0"/>
+              <a:buChar char="•"/>
+            </a:pPr>
+            <a:r>
+              <a:rPr lang="es-ES" sz="1100"/>
+              <a:t>Si mesCal=[MES_ACTUAL]</a:t>
+            </a:r>
+          </a:p>
+          <a:p>
+            <a:pPr marL="2571750" lvl="5" indent="-285750">
+              <a:buFont typeface="Arial" panose="020B0604020202020204" pitchFamily="34" charset="0"/>
+              <a:buChar char="•"/>
+            </a:pPr>
+            <a:r>
+              <a:rPr lang="es-ES" sz="1100"/>
+              <a:t>[RED]=RED</a:t>
+            </a:r>
+          </a:p>
+          <a:p>
+            <a:pPr marL="2114550" lvl="4" indent="-285750">
+              <a:buFont typeface="Arial" panose="020B0604020202020204" pitchFamily="34" charset="0"/>
+              <a:buChar char="•"/>
+            </a:pPr>
+            <a:r>
+              <a:rPr lang="es-ES" sz="1100"/>
+              <a:t>Sino</a:t>
+            </a:r>
+          </a:p>
+          <a:p>
+            <a:pPr marL="2571750" lvl="5" indent="-285750">
+              <a:buFont typeface="Arial" panose="020B0604020202020204" pitchFamily="34" charset="0"/>
+              <a:buChar char="•"/>
+            </a:pPr>
+            <a:r>
+              <a:rPr lang="es-ES" sz="1100"/>
+              <a:t>[RED]=RED _FLUIX</a:t>
+            </a:r>
+          </a:p>
+          <a:p>
+            <a:pPr marL="2114550" lvl="4" indent="-285750">
+              <a:buFont typeface="Arial" panose="020B0604020202020204" pitchFamily="34" charset="0"/>
+              <a:buChar char="•"/>
+            </a:pPr>
+            <a:r>
+              <a:rPr lang="es-ES" sz="1100"/>
+              <a:t>diaCalTextColor=[RED]</a:t>
+            </a:r>
+          </a:p>
+          <a:p>
+            <a:pPr marL="2114550" lvl="4" indent="-285750">
+              <a:buFont typeface="Arial" panose="020B0604020202020204" pitchFamily="34" charset="0"/>
+              <a:buChar char="•"/>
+            </a:pPr>
+            <a:r>
+              <a:rPr lang="es-ES" sz="1100"/>
+              <a:t>diaCalHoraTextColor=[RED]</a:t>
+            </a:r>
+          </a:p>
+          <a:p>
+            <a:pPr lvl="3"/>
+            <a:endParaRPr lang="es-ES" sz="1100"/>
+          </a:p>
+          <a:p>
+            <a:pPr marL="1657350" lvl="3" indent="-285750">
+              <a:buFont typeface="Arial" panose="020B0604020202020204" pitchFamily="34" charset="0"/>
+              <a:buChar char="•"/>
+            </a:pPr>
+            <a:endParaRPr lang="es-ES" sz="1100"/>
+          </a:p>
+          <a:p>
+            <a:pPr marL="1657350" lvl="3" indent="-285750">
+              <a:buFont typeface="Arial" panose="020B0604020202020204" pitchFamily="34" charset="0"/>
+              <a:buChar char="•"/>
+            </a:pPr>
+            <a:endParaRPr lang="es-ES" sz="1100"/>
+          </a:p>
+        </p:txBody>
+      </p:sp>
+    </p:spTree>
+    <p:extLst>
+      <p:ext uri="{BB962C8B-B14F-4D97-AF65-F5344CB8AC3E}">
+        <p14:creationId xmlns:p14="http://schemas.microsoft.com/office/powerpoint/2010/main" val="4068244388"/>
+      </p:ext>
+    </p:extLst>
+  </p:cSld>
+  <p:clrMapOvr>
+    <a:masterClrMapping/>
+  </p:clrMapOvr>
+</p:sld>
+</file>
+
+<file path=ppt/slides/slide4.xml><?xml version="1.0" encoding="utf-8"?>
+<p:sld xmlns:a="http://schemas.openxmlformats.org/drawingml/2006/main" xmlns:r="http://schemas.openxmlformats.org/officeDocument/2006/relationships" xmlns:p="http://schemas.openxmlformats.org/presentationml/2006/main">
+  <p:cSld>
+    <p:spTree>
+      <p:nvGrpSpPr>
+        <p:cNvPr id="1" name=""/>
+        <p:cNvGrpSpPr/>
+        <p:nvPr/>
+      </p:nvGrpSpPr>
+      <p:grpSpPr>
+        <a:xfrm>
+          <a:off x="0" y="0"/>
+          <a:ext cx="0" cy="0"/>
+          <a:chOff x="0" y="0"/>
+          <a:chExt cx="0" cy="0"/>
+        </a:xfrm>
+      </p:grpSpPr>
+      <p:sp>
+        <p:nvSpPr>
+          <p:cNvPr id="2" name="Título 1">
+            <a:extLst>
+              <a:ext uri="{FF2B5EF4-FFF2-40B4-BE49-F238E27FC236}">
+                <a16:creationId xmlns:a16="http://schemas.microsoft.com/office/drawing/2014/main" id="{8C1271F8-ED97-432E-BA90-F3511A45EEB2}"/>
+              </a:ext>
+            </a:extLst>
+          </p:cNvPr>
+          <p:cNvSpPr>
+            <a:spLocks noGrp="1"/>
+          </p:cNvSpPr>
+          <p:nvPr>
+            <p:ph type="title"/>
+          </p:nvPr>
+        </p:nvSpPr>
+        <p:spPr>
+          <a:xfrm>
+            <a:off x="838200" y="365125"/>
+            <a:ext cx="10515600" cy="3787775"/>
+          </a:xfrm>
+        </p:spPr>
+        <p:txBody>
+          <a:bodyPr>
+            <a:noAutofit/>
+          </a:bodyPr>
+          <a:lstStyle/>
+          <a:p>
+            <a:r>
+              <a:rPr lang="es-ES" sz="1400"/>
+              <a:t>HGC - Elisenda – BAIXA</a:t>
+            </a:r>
+            <a:br>
+              <a:rPr lang="es-ES" sz="1400"/>
+            </a:br>
+            <a:r>
+              <a:rPr lang="es-ES" sz="1400"/>
+              <a:t>HGC - Elisenda – Cirugía menor</a:t>
+            </a:r>
+            <a:br>
+              <a:rPr lang="es-ES" sz="1400"/>
+            </a:br>
+            <a:r>
+              <a:rPr lang="es-ES" sz="1400" b="0" i="0">
+                <a:solidFill>
+                  <a:srgbClr val="3C4043"/>
+                </a:solidFill>
+                <a:effectLst/>
+                <a:latin typeface="Google Sans"/>
+              </a:rPr>
+              <a:t>HGC - Elisenda – Hospitalitzacions</a:t>
+            </a:r>
+            <a:br>
+              <a:rPr lang="es-ES" sz="1400" b="0" i="0">
+                <a:solidFill>
+                  <a:srgbClr val="3C4043"/>
+                </a:solidFill>
+                <a:effectLst/>
+                <a:latin typeface="Google Sans"/>
+              </a:rPr>
+            </a:br>
+            <a:r>
+              <a:rPr lang="es-ES" sz="1400" b="0" i="0">
+                <a:solidFill>
+                  <a:srgbClr val="3C4043"/>
+                </a:solidFill>
+                <a:effectLst/>
+                <a:latin typeface="Google Sans"/>
+              </a:rPr>
+              <a:t>HGC - Festiu - Cap d’Any</a:t>
+            </a:r>
+            <a:br>
+              <a:rPr lang="es-ES" sz="1400" b="0" i="0">
+                <a:solidFill>
+                  <a:srgbClr val="3C4043"/>
+                </a:solidFill>
+                <a:effectLst/>
+                <a:latin typeface="Google Sans"/>
+              </a:rPr>
+            </a:br>
+            <a:r>
+              <a:rPr lang="es-ES" sz="1400" b="0" i="0">
+                <a:solidFill>
+                  <a:srgbClr val="3C4043"/>
+                </a:solidFill>
+                <a:effectLst/>
+                <a:latin typeface="Google Sans"/>
+              </a:rPr>
+              <a:t>HGC - Festiu - Reis</a:t>
+            </a:r>
+            <a:br>
+              <a:rPr lang="es-ES" sz="1400" b="0" i="0">
+                <a:solidFill>
+                  <a:srgbClr val="3C4043"/>
+                </a:solidFill>
+                <a:effectLst/>
+                <a:latin typeface="Google Sans"/>
+              </a:rPr>
+            </a:br>
+            <a:br>
+              <a:rPr lang="es-ES" sz="1400" b="0" i="0">
+                <a:solidFill>
+                  <a:srgbClr val="3C4043"/>
+                </a:solidFill>
+                <a:effectLst/>
+                <a:latin typeface="Google Sans"/>
+              </a:rPr>
+            </a:br>
+            <a:r>
+              <a:rPr lang="es-ES" sz="1400" b="0" i="0">
+                <a:solidFill>
+                  <a:srgbClr val="3C4043"/>
+                </a:solidFill>
+                <a:effectLst/>
+                <a:latin typeface="Google Sans"/>
+              </a:rPr>
+              <a:t>DESCRIPCIÓ</a:t>
+            </a:r>
+            <a:br>
+              <a:rPr lang="es-ES" sz="1400" b="0" i="0">
+                <a:solidFill>
+                  <a:srgbClr val="3C4043"/>
+                </a:solidFill>
+                <a:effectLst/>
+                <a:latin typeface="Google Sans"/>
+              </a:rPr>
+            </a:br>
+            <a:r>
+              <a:rPr lang="es-ES" sz="1400" b="0" i="0">
+                <a:solidFill>
+                  <a:srgbClr val="3C4043"/>
+                </a:solidFill>
+                <a:effectLst/>
+                <a:latin typeface="Google Sans"/>
+              </a:rPr>
+              <a:t>DIA INTERCANVI</a:t>
+            </a:r>
+            <a:br>
+              <a:rPr lang="es-ES" sz="1400" b="0" i="0">
+                <a:solidFill>
+                  <a:srgbClr val="3C4043"/>
+                </a:solidFill>
+                <a:effectLst/>
+                <a:latin typeface="Google Sans"/>
+              </a:rPr>
+            </a:br>
+            <a:r>
+              <a:rPr lang="es-ES" sz="1400" b="0" i="0">
+                <a:solidFill>
+                  <a:srgbClr val="3C4043"/>
+                </a:solidFill>
+                <a:effectLst/>
+                <a:latin typeface="Google Sans"/>
+              </a:rPr>
+              <a:t>MENJADOR</a:t>
+            </a:r>
+            <a:br>
+              <a:rPr lang="es-ES" sz="1400" b="0" i="0">
+                <a:solidFill>
+                  <a:srgbClr val="3C4043"/>
+                </a:solidFill>
+                <a:effectLst/>
+                <a:latin typeface="Google Sans"/>
+              </a:rPr>
+            </a:br>
+            <a:br>
+              <a:rPr lang="es-ES" sz="1400"/>
+            </a:br>
+            <a:endParaRPr lang="es-ES" sz="1400"/>
+          </a:p>
+        </p:txBody>
+      </p:sp>
+    </p:spTree>
+    <p:extLst>
+      <p:ext uri="{BB962C8B-B14F-4D97-AF65-F5344CB8AC3E}">
+        <p14:creationId xmlns:p14="http://schemas.microsoft.com/office/powerpoint/2010/main" val="3698375333"/>
       </p:ext>
     </p:extLst>
   </p:cSld>
@@ -9451,4 +10448,299 @@
     </a:ext>
   </a:extLst>
 </a:theme>
+</file>
+
+<file path=ppt/theme/theme2.xml><?xml version="1.0" encoding="utf-8"?>
+<a:theme xmlns:a="http://schemas.openxmlformats.org/drawingml/2006/main" name="Tema de Office">
+  <a:themeElements>
+    <a:clrScheme name="Office">
+      <a:dk1>
+        <a:sysClr val="windowText" lastClr="000000"/>
+      </a:dk1>
+      <a:lt1>
+        <a:sysClr val="window" lastClr="FFFFFF"/>
+      </a:lt1>
+      <a:dk2>
+        <a:srgbClr val="44546A"/>
+      </a:dk2>
+      <a:lt2>
+        <a:srgbClr val="E7E6E6"/>
+      </a:lt2>
+      <a:accent1>
+        <a:srgbClr val="4472C4"/>
+      </a:accent1>
+      <a:accent2>
+        <a:srgbClr val="ED7D31"/>
+      </a:accent2>
+      <a:accent3>
+        <a:srgbClr val="A5A5A5"/>
+      </a:accent3>
+      <a:accent4>
+        <a:srgbClr val="FFC000"/>
+      </a:accent4>
+      <a:accent5>
+        <a:srgbClr val="5B9BD5"/>
+      </a:accent5>
+      <a:accent6>
+        <a:srgbClr val="70AD47"/>
+      </a:accent6>
+      <a:hlink>
+        <a:srgbClr val="0563C1"/>
+      </a:hlink>
+      <a:folHlink>
+        <a:srgbClr val="954F72"/>
+      </a:folHlink>
+    </a:clrScheme>
+    <a:fontScheme name="Office">
+      <a:majorFont>
+        <a:latin typeface="Calibri Light" panose="020F0302020204030204"/>
+        <a:ea typeface=""/>
+        <a:cs typeface=""/>
+        <a:font script="Jpan" typeface="游ゴシック Light"/>
+        <a:font script="Hang" typeface="맑은 고딕"/>
+        <a:font script="Hans" typeface="等线 Light"/>
+        <a:font script="Hant" typeface="新細明體"/>
+        <a:font script="Arab" typeface="Times New Roman"/>
+        <a:font script="Hebr" typeface="Times New Roman"/>
+        <a:font script="Thai" typeface="Angsana New"/>
+        <a:font script="Ethi" typeface="Nyala"/>
+        <a:font script="Beng" typeface="Vrinda"/>
+        <a:font script="Gujr" typeface="Shruti"/>
+        <a:font script="Khmr" typeface="MoolBoran"/>
+        <a:font script="Knda" typeface="Tunga"/>
+        <a:font script="Guru" typeface="Raavi"/>
+        <a:font script="Cans" typeface="Euphemia"/>
+        <a:font script="Cher" typeface="Plantagenet Cherokee"/>
+        <a:font script="Yiii" typeface="Microsoft Yi Baiti"/>
+        <a:font script="Tibt" typeface="Microsoft Himalaya"/>
+        <a:font script="Thaa" typeface="MV Boli"/>
+        <a:font script="Deva" typeface="Mangal"/>
+        <a:font script="Telu" typeface="Gautami"/>
+        <a:font script="Taml" typeface="Latha"/>
+        <a:font script="Syrc" typeface="Estrangelo Edessa"/>
+        <a:font script="Orya" typeface="Kalinga"/>
+        <a:font script="Mlym" typeface="Kartika"/>
+        <a:font script="Laoo" typeface="DokChampa"/>
+        <a:font script="Sinh" typeface="Iskoola Pota"/>
+        <a:font script="Mong" typeface="Mongolian Baiti"/>
+        <a:font script="Viet" typeface="Times New Roman"/>
+        <a:font script="Uigh" typeface="Microsoft Uighur"/>
+        <a:font script="Geor" typeface="Sylfaen"/>
+        <a:font script="Armn" typeface="Arial"/>
+        <a:font script="Bugi" typeface="Leelawadee UI"/>
+        <a:font script="Bopo" typeface="Microsoft JhengHei"/>
+        <a:font script="Java" typeface="Javanese Text"/>
+        <a:font script="Lisu" typeface="Segoe UI"/>
+        <a:font script="Mymr" typeface="Myanmar Text"/>
+        <a:font script="Nkoo" typeface="Ebrima"/>
+        <a:font script="Olck" typeface="Nirmala UI"/>
+        <a:font script="Osma" typeface="Ebrima"/>
+        <a:font script="Phag" typeface="Phagspa"/>
+        <a:font script="Syrn" typeface="Estrangelo Edessa"/>
+        <a:font script="Syrj" typeface="Estrangelo Edessa"/>
+        <a:font script="Syre" typeface="Estrangelo Edessa"/>
+        <a:font script="Sora" typeface="Nirmala UI"/>
+        <a:font script="Tale" typeface="Microsoft Tai Le"/>
+        <a:font script="Talu" typeface="Microsoft New Tai Lue"/>
+        <a:font script="Tfng" typeface="Ebrima"/>
+      </a:majorFont>
+      <a:minorFont>
+        <a:latin typeface="Calibri" panose="020F0502020204030204"/>
+        <a:ea typeface=""/>
+        <a:cs typeface=""/>
+        <a:font script="Jpan" typeface="游ゴシック"/>
+        <a:font script="Hang" typeface="맑은 고딕"/>
+        <a:font script="Hans" typeface="等线"/>
+        <a:font script="Hant" typeface="新細明體"/>
+        <a:font script="Arab" typeface="Arial"/>
+        <a:font script="Hebr" typeface="Arial"/>
+        <a:font script="Thai" typeface="Cordia New"/>
+        <a:font script="Ethi" typeface="Nyala"/>
+        <a:font script="Beng" typeface="Vrinda"/>
+        <a:font script="Gujr" typeface="Shruti"/>
+        <a:font script="Khmr" typeface="DaunPenh"/>
+        <a:font script="Knda" typeface="Tunga"/>
+        <a:font script="Guru" typeface="Raavi"/>
+        <a:font script="Cans" typeface="Euphemia"/>
+        <a:font script="Cher" typeface="Plantagenet Cherokee"/>
+        <a:font script="Yiii" typeface="Microsoft Yi Baiti"/>
+        <a:font script="Tibt" typeface="Microsoft Himalaya"/>
+        <a:font script="Thaa" typeface="MV Boli"/>
+        <a:font script="Deva" typeface="Mangal"/>
+        <a:font script="Telu" typeface="Gautami"/>
+        <a:font script="Taml" typeface="Latha"/>
+        <a:font script="Syrc" typeface="Estrangelo Edessa"/>
+        <a:font script="Orya" typeface="Kalinga"/>
+        <a:font script="Mlym" typeface="Kartika"/>
+        <a:font script="Laoo" typeface="DokChampa"/>
+        <a:font script="Sinh" typeface="Iskoola Pota"/>
+        <a:font script="Mong" typeface="Mongolian Baiti"/>
+        <a:font script="Viet" typeface="Arial"/>
+        <a:font script="Uigh" typeface="Microsoft Uighur"/>
+        <a:font script="Geor" typeface="Sylfaen"/>
+        <a:font script="Armn" typeface="Arial"/>
+        <a:font script="Bugi" typeface="Leelawadee UI"/>
+        <a:font script="Bopo" typeface="Microsoft JhengHei"/>
+        <a:font script="Java" typeface="Javanese Text"/>
+        <a:font script="Lisu" typeface="Segoe UI"/>
+        <a:font script="Mymr" typeface="Myanmar Text"/>
+        <a:font script="Nkoo" typeface="Ebrima"/>
+        <a:font script="Olck" typeface="Nirmala UI"/>
+        <a:font script="Osma" typeface="Ebrima"/>
+        <a:font script="Phag" typeface="Phagspa"/>
+        <a:font script="Syrn" typeface="Estrangelo Edessa"/>
+        <a:font script="Syrj" typeface="Estrangelo Edessa"/>
+        <a:font script="Syre" typeface="Estrangelo Edessa"/>
+        <a:font script="Sora" typeface="Nirmala UI"/>
+        <a:font script="Tale" typeface="Microsoft Tai Le"/>
+        <a:font script="Talu" typeface="Microsoft New Tai Lue"/>
+        <a:font script="Tfng" typeface="Ebrima"/>
+      </a:minorFont>
+    </a:fontScheme>
+    <a:fmtScheme name="Office">
+      <a:fillStyleLst>
+        <a:solidFill>
+          <a:schemeClr val="phClr"/>
+        </a:solidFill>
+        <a:gradFill rotWithShape="1">
+          <a:gsLst>
+            <a:gs pos="0">
+              <a:schemeClr val="phClr">
+                <a:lumMod val="110000"/>
+                <a:satMod val="105000"/>
+                <a:tint val="67000"/>
+              </a:schemeClr>
+            </a:gs>
+            <a:gs pos="50000">
+              <a:schemeClr val="phClr">
+                <a:lumMod val="105000"/>
+                <a:satMod val="103000"/>
+                <a:tint val="73000"/>
+              </a:schemeClr>
+            </a:gs>
+            <a:gs pos="100000">
+              <a:schemeClr val="phClr">
+                <a:lumMod val="105000"/>
+                <a:satMod val="109000"/>
+                <a:tint val="81000"/>
+              </a:schemeClr>
+            </a:gs>
+          </a:gsLst>
+          <a:lin ang="5400000" scaled="0"/>
+        </a:gradFill>
+        <a:gradFill rotWithShape="1">
+          <a:gsLst>
+            <a:gs pos="0">
+              <a:schemeClr val="phClr">
+                <a:satMod val="103000"/>
+                <a:lumMod val="102000"/>
+                <a:tint val="94000"/>
+              </a:schemeClr>
+            </a:gs>
+            <a:gs pos="50000">
+              <a:schemeClr val="phClr">
+                <a:satMod val="110000"/>
+                <a:lumMod val="100000"/>
+                <a:shade val="100000"/>
+              </a:schemeClr>
+            </a:gs>
+            <a:gs pos="100000">
+              <a:schemeClr val="phClr">
+                <a:lumMod val="99000"/>
+                <a:satMod val="120000"/>
+                <a:shade val="78000"/>
+              </a:schemeClr>
+            </a:gs>
+          </a:gsLst>
+          <a:lin ang="5400000" scaled="0"/>
+        </a:gradFill>
+      </a:fillStyleLst>
+      <a:lnStyleLst>
+        <a:ln w="6350" cap="flat" cmpd="sng" algn="ctr">
+          <a:solidFill>
+            <a:schemeClr val="phClr"/>
+          </a:solidFill>
+          <a:prstDash val="solid"/>
+          <a:miter lim="800000"/>
+        </a:ln>
+        <a:ln w="12700" cap="flat" cmpd="sng" algn="ctr">
+          <a:solidFill>
+            <a:schemeClr val="phClr"/>
+          </a:solidFill>
+          <a:prstDash val="solid"/>
+          <a:miter lim="800000"/>
+        </a:ln>
+        <a:ln w="19050" cap="flat" cmpd="sng" algn="ctr">
+          <a:solidFill>
+            <a:schemeClr val="phClr"/>
+          </a:solidFill>
+          <a:prstDash val="solid"/>
+          <a:miter lim="800000"/>
+        </a:ln>
+      </a:lnStyleLst>
+      <a:effectStyleLst>
+        <a:effectStyle>
+          <a:effectLst/>
+        </a:effectStyle>
+        <a:effectStyle>
+          <a:effectLst/>
+        </a:effectStyle>
+        <a:effectStyle>
+          <a:effectLst>
+            <a:outerShdw blurRad="57150" dist="19050" dir="5400000" algn="ctr" rotWithShape="0">
+              <a:srgbClr val="000000">
+                <a:alpha val="63000"/>
+              </a:srgbClr>
+            </a:outerShdw>
+          </a:effectLst>
+        </a:effectStyle>
+      </a:effectStyleLst>
+      <a:bgFillStyleLst>
+        <a:solidFill>
+          <a:schemeClr val="phClr"/>
+        </a:solidFill>
+        <a:solidFill>
+          <a:schemeClr val="phClr">
+            <a:tint val="95000"/>
+            <a:satMod val="170000"/>
+          </a:schemeClr>
+        </a:solidFill>
+        <a:gradFill rotWithShape="1">
+          <a:gsLst>
+            <a:gs pos="0">
+              <a:schemeClr val="phClr">
+                <a:tint val="93000"/>
+                <a:satMod val="150000"/>
+                <a:shade val="98000"/>
+                <a:lumMod val="102000"/>
+              </a:schemeClr>
+            </a:gs>
+            <a:gs pos="50000">
+              <a:schemeClr val="phClr">
+                <a:tint val="98000"/>
+                <a:satMod val="130000"/>
+                <a:shade val="90000"/>
+                <a:lumMod val="103000"/>
+              </a:schemeClr>
+            </a:gs>
+            <a:gs pos="100000">
+              <a:schemeClr val="phClr">
+                <a:shade val="63000"/>
+                <a:satMod val="120000"/>
+              </a:schemeClr>
+            </a:gs>
+          </a:gsLst>
+          <a:lin ang="5400000" scaled="0"/>
+        </a:gradFill>
+      </a:bgFillStyleLst>
+    </a:fmtScheme>
+  </a:themeElements>
+  <a:objectDefaults/>
+  <a:extraClrSchemeLst/>
+  <a:extLst>
+    <a:ext uri="{05A4C25C-085E-4340-85A3-A5531E510DB2}">
+      <thm15:themeFamily xmlns:thm15="http://schemas.microsoft.com/office/thememl/2012/main" name="Office Theme" id="{62F939B6-93AF-4DB8-9C6B-D6C7DFDC589F}" vid="{4A3C46E8-61CC-4603-A589-7422A47A8E4A}"/>
+    </a:ext>
+  </a:extLst>
+</a:theme>
 </file>